--- a/presentation/iowa_code_camp_chef_2011.pptx
+++ b/presentation/iowa_code_camp_chef_2011.pptx
@@ -181,6 +181,11 @@
         </a:xfrm>
       </p:grpSpPr>
     </p:spTree>
+    <p:extLst>
+      <p:ext uri="{BB962C8B-B14F-4D97-AF65-F5344CB8AC3E}">
+        <p14:creationId xmlns:p14="http://schemas.microsoft.com/office/powerpoint/2010/main" val="1448327074"/>
+      </p:ext>
+    </p:extLst>
   </p:cSld>
   <p:clrMap bg1="lt1" tx1="dk1" bg2="lt2" tx2="dk2" accent1="accent1" accent2="accent2" accent3="accent3" accent4="accent4" accent5="accent5" accent6="accent6" hlink="hlink" folHlink="folHlink"/>
   <p:notesStyle>
@@ -1064,7 +1069,7 @@
   <p:timing>
     <p:tnLst>
       <p:par>
-        <p:cTn id="1" dur="indefinite" restart="never" nodeType="tmRoot"/>
+        <p:cTn xmlns:p14="http://schemas.microsoft.com/office/powerpoint/2010/main" id="1" dur="indefinite" restart="never" nodeType="tmRoot"/>
       </p:par>
     </p:tnLst>
   </p:timing>
@@ -1162,7 +1167,7 @@
   <p:timing>
     <p:tnLst>
       <p:par>
-        <p:cTn id="1" dur="indefinite" restart="never" nodeType="tmRoot"/>
+        <p:cTn xmlns:p14="http://schemas.microsoft.com/office/powerpoint/2010/main" id="1" dur="indefinite" restart="never" nodeType="tmRoot"/>
       </p:par>
     </p:tnLst>
   </p:timing>
@@ -1547,7 +1552,7 @@
   <p:timing>
     <p:tnLst>
       <p:par>
-        <p:cTn id="1" dur="indefinite" restart="never" nodeType="tmRoot"/>
+        <p:cTn xmlns:p14="http://schemas.microsoft.com/office/powerpoint/2010/main" id="1" dur="indefinite" restart="never" nodeType="tmRoot"/>
       </p:par>
     </p:tnLst>
   </p:timing>
@@ -1658,7 +1663,7 @@
   <p:timing>
     <p:tnLst>
       <p:par>
-        <p:cTn id="1" dur="indefinite" restart="never" nodeType="tmRoot"/>
+        <p:cTn xmlns:p14="http://schemas.microsoft.com/office/powerpoint/2010/main" id="1" dur="indefinite" restart="never" nodeType="tmRoot"/>
       </p:par>
     </p:tnLst>
   </p:timing>
@@ -1900,7 +1905,7 @@
   <p:timing>
     <p:tnLst>
       <p:par>
-        <p:cTn id="1" dur="indefinite" restart="never" nodeType="tmRoot"/>
+        <p:cTn xmlns:p14="http://schemas.microsoft.com/office/powerpoint/2010/main" id="1" dur="indefinite" restart="never" nodeType="tmRoot"/>
       </p:par>
     </p:tnLst>
   </p:timing>
@@ -2010,7 +2015,7 @@
   <p:timing>
     <p:tnLst>
       <p:par>
-        <p:cTn id="1" dur="indefinite" restart="never" nodeType="tmRoot"/>
+        <p:cTn xmlns:p14="http://schemas.microsoft.com/office/powerpoint/2010/main" id="1" dur="indefinite" restart="never" nodeType="tmRoot"/>
       </p:par>
     </p:tnLst>
   </p:timing>
@@ -2108,7 +2113,7 @@
   <p:timing>
     <p:tnLst>
       <p:par>
-        <p:cTn id="1" dur="indefinite" restart="never" nodeType="tmRoot"/>
+        <p:cTn xmlns:p14="http://schemas.microsoft.com/office/powerpoint/2010/main" id="1" dur="indefinite" restart="never" nodeType="tmRoot"/>
       </p:par>
     </p:tnLst>
   </p:timing>
@@ -2318,7 +2323,7 @@
   <p:timing>
     <p:tnLst>
       <p:par>
-        <p:cTn id="1" dur="indefinite" restart="never" nodeType="tmRoot"/>
+        <p:cTn xmlns:p14="http://schemas.microsoft.com/office/powerpoint/2010/main" id="1" dur="indefinite" restart="never" nodeType="tmRoot"/>
       </p:par>
     </p:tnLst>
   </p:timing>
@@ -2514,7 +2519,7 @@
   <p:timing>
     <p:tnLst>
       <p:par>
-        <p:cTn id="1" dur="indefinite" restart="never" nodeType="tmRoot"/>
+        <p:cTn xmlns:p14="http://schemas.microsoft.com/office/powerpoint/2010/main" id="1" dur="indefinite" restart="never" nodeType="tmRoot"/>
       </p:par>
     </p:tnLst>
   </p:timing>
@@ -2610,7 +2615,7 @@
   <p:timing>
     <p:tnLst>
       <p:par>
-        <p:cTn id="1" dur="indefinite" restart="never" nodeType="tmRoot"/>
+        <p:cTn xmlns:p14="http://schemas.microsoft.com/office/powerpoint/2010/main" id="1" dur="indefinite" restart="never" nodeType="tmRoot"/>
       </p:par>
     </p:tnLst>
   </p:timing>
@@ -2665,7 +2670,7 @@
           <a:p>
             <a:pPr eaLnBrk="1" hangingPunct="1"/>
             <a:r>
-              <a:rPr lang="en-US" smtClean="0">
+              <a:rPr lang="en-US" dirty="0" smtClean="0">
                 <a:latin typeface="Gill Sans MT" pitchFamily="34" charset="0"/>
               </a:rPr>
               <a:t>Thank You</a:t>
@@ -2685,7 +2690,7 @@
         </p:nvSpPr>
         <p:spPr bwMode="auto">
           <a:xfrm>
-            <a:off x="762000" y="3771900"/>
+            <a:off x="838200" y="2476500"/>
             <a:ext cx="5905500" cy="1428750"/>
           </a:xfrm>
           <a:prstGeom prst="rect">
@@ -2704,11 +2709,59 @@
           <a:p>
             <a:pPr algn="ctr" eaLnBrk="1" hangingPunct="1"/>
             <a:r>
-              <a:rPr lang="en-US" sz="2400" smtClean="0">
-                <a:latin typeface="Gill Sans MT" pitchFamily="34" charset="0"/>
-              </a:rPr>
-              <a:t>Questions?</a:t>
-            </a:r>
+              <a:rPr lang="en-US" sz="2400" dirty="0" smtClean="0">
+                <a:latin typeface="Gill Sans MT" pitchFamily="34" charset="0"/>
+              </a:rPr>
+              <a:t>Questions</a:t>
+            </a:r>
+            <a:r>
+              <a:rPr lang="en-US" sz="2400" dirty="0" smtClean="0">
+                <a:latin typeface="Gill Sans MT" pitchFamily="34" charset="0"/>
+              </a:rPr>
+              <a:t>?</a:t>
+            </a:r>
+          </a:p>
+          <a:p>
+            <a:pPr algn="ctr" eaLnBrk="1" hangingPunct="1"/>
+            <a:endParaRPr lang="en-US" sz="2400" dirty="0">
+              <a:latin typeface="Gill Sans MT" pitchFamily="34" charset="0"/>
+            </a:endParaRPr>
+          </a:p>
+          <a:p>
+            <a:pPr algn="ctr" eaLnBrk="1" hangingPunct="1"/>
+            <a:endParaRPr lang="en-US" sz="2400" dirty="0" smtClean="0">
+              <a:latin typeface="Gill Sans MT" pitchFamily="34" charset="0"/>
+            </a:endParaRPr>
+          </a:p>
+          <a:p>
+            <a:pPr algn="ctr" eaLnBrk="1" hangingPunct="1"/>
+            <a:endParaRPr lang="en-US" sz="2400" dirty="0" smtClean="0">
+              <a:latin typeface="Gill Sans MT" pitchFamily="34" charset="0"/>
+            </a:endParaRPr>
+          </a:p>
+          <a:p>
+            <a:pPr algn="ctr" eaLnBrk="1" hangingPunct="1"/>
+            <a:endParaRPr lang="en-US" sz="2400" dirty="0">
+              <a:latin typeface="Gill Sans MT" pitchFamily="34" charset="0"/>
+            </a:endParaRPr>
+          </a:p>
+          <a:p>
+            <a:pPr algn="ctr" eaLnBrk="1" hangingPunct="1"/>
+            <a:r>
+              <a:rPr lang="en-US" sz="2400" dirty="0" smtClean="0">
+                <a:latin typeface="Gill Sans MT" pitchFamily="34" charset="0"/>
+              </a:rPr>
+              <a:t>Rate </a:t>
+            </a:r>
+            <a:r>
+              <a:rPr lang="en-US" sz="2400" dirty="0">
+                <a:latin typeface="Gill Sans MT" pitchFamily="34" charset="0"/>
+              </a:rPr>
+              <a:t>this: http://spkr8.com/t/7359</a:t>
+            </a:r>
+            <a:endParaRPr lang="en-US" sz="2400" dirty="0" smtClean="0">
+              <a:latin typeface="Gill Sans MT" pitchFamily="34" charset="0"/>
+            </a:endParaRPr>
           </a:p>
         </p:txBody>
       </p:sp>
@@ -2720,7 +2773,7 @@
   <p:timing>
     <p:tnLst>
       <p:par>
-        <p:cTn id="1" dur="indefinite" restart="never" nodeType="tmRoot"/>
+        <p:cTn xmlns:p14="http://schemas.microsoft.com/office/powerpoint/2010/main" id="1" dur="indefinite" restart="never" nodeType="tmRoot"/>
       </p:par>
     </p:tnLst>
   </p:timing>
@@ -2958,7 +3011,7 @@
   <p:timing>
     <p:tnLst>
       <p:par>
-        <p:cTn id="1" dur="indefinite" restart="never" nodeType="tmRoot"/>
+        <p:cTn xmlns:p14="http://schemas.microsoft.com/office/powerpoint/2010/main" id="1" dur="indefinite" restart="never" nodeType="tmRoot"/>
       </p:par>
     </p:tnLst>
   </p:timing>
@@ -3093,7 +3146,7 @@
   <p:timing>
     <p:tnLst>
       <p:par>
-        <p:cTn id="1" dur="indefinite" restart="never" nodeType="tmRoot"/>
+        <p:cTn xmlns:p14="http://schemas.microsoft.com/office/powerpoint/2010/main" id="1" dur="indefinite" restart="never" nodeType="tmRoot"/>
       </p:par>
     </p:tnLst>
   </p:timing>
@@ -3282,7 +3335,7 @@
   <p:timing>
     <p:tnLst>
       <p:par>
-        <p:cTn id="1" dur="indefinite" restart="never" nodeType="tmRoot"/>
+        <p:cTn xmlns:p14="http://schemas.microsoft.com/office/powerpoint/2010/main" id="1" dur="indefinite" restart="never" nodeType="tmRoot"/>
       </p:par>
     </p:tnLst>
   </p:timing>
@@ -3465,7 +3518,7 @@
   <p:timing>
     <p:tnLst>
       <p:par>
-        <p:cTn id="1" dur="indefinite" restart="never" nodeType="tmRoot"/>
+        <p:cTn xmlns:p14="http://schemas.microsoft.com/office/powerpoint/2010/main" id="1" dur="indefinite" restart="never" nodeType="tmRoot"/>
       </p:par>
     </p:tnLst>
   </p:timing>
@@ -3607,7 +3660,7 @@
   <p:timing>
     <p:tnLst>
       <p:par>
-        <p:cTn id="1" dur="indefinite" restart="never" nodeType="tmRoot"/>
+        <p:cTn xmlns:p14="http://schemas.microsoft.com/office/powerpoint/2010/main" id="1" dur="indefinite" restart="never" nodeType="tmRoot"/>
       </p:par>
     </p:tnLst>
   </p:timing>
@@ -3801,7 +3854,7 @@
   <p:timing>
     <p:tnLst>
       <p:par>
-        <p:cTn id="1" dur="indefinite" restart="never" nodeType="tmRoot"/>
+        <p:cTn xmlns:p14="http://schemas.microsoft.com/office/powerpoint/2010/main" id="1" dur="indefinite" restart="never" nodeType="tmRoot"/>
       </p:par>
     </p:tnLst>
   </p:timing>
@@ -4527,7 +4580,7 @@
   <p:timing>
     <p:tnLst>
       <p:par>
-        <p:cTn id="1" dur="indefinite" restart="never" nodeType="tmRoot"/>
+        <p:cTn xmlns:p14="http://schemas.microsoft.com/office/powerpoint/2010/main" id="1" dur="indefinite" restart="never" nodeType="tmRoot"/>
       </p:par>
     </p:tnLst>
   </p:timing>
@@ -4665,7 +4718,7 @@
   <p:timing>
     <p:tnLst>
       <p:par>
-        <p:cTn id="1" dur="indefinite" restart="never" nodeType="tmRoot"/>
+        <p:cTn xmlns:p14="http://schemas.microsoft.com/office/powerpoint/2010/main" id="1" dur="indefinite" restart="never" nodeType="tmRoot"/>
       </p:par>
     </p:tnLst>
   </p:timing>

--- a/presentation/iowa_code_camp_chef_2011.pptx
+++ b/presentation/iowa_code_camp_chef_2011.pptx
@@ -10,12 +10,12 @@
   <p:sldIdLst>
     <p:sldId id="256" r:id="rId2"/>
     <p:sldId id="257" r:id="rId3"/>
-    <p:sldId id="259" r:id="rId4"/>
-    <p:sldId id="260" r:id="rId5"/>
-    <p:sldId id="269" r:id="rId6"/>
-    <p:sldId id="274" r:id="rId7"/>
-    <p:sldId id="270" r:id="rId8"/>
-    <p:sldId id="258" r:id="rId9"/>
+    <p:sldId id="258" r:id="rId4"/>
+    <p:sldId id="259" r:id="rId5"/>
+    <p:sldId id="260" r:id="rId6"/>
+    <p:sldId id="269" r:id="rId7"/>
+    <p:sldId id="274" r:id="rId8"/>
+    <p:sldId id="270" r:id="rId9"/>
     <p:sldId id="261" r:id="rId10"/>
     <p:sldId id="263" r:id="rId11"/>
     <p:sldId id="264" r:id="rId12"/>
@@ -28,7 +28,7 @@
     <p:sldId id="275" r:id="rId19"/>
     <p:sldId id="273" r:id="rId20"/>
   </p:sldIdLst>
-  <p:sldSz cx="7620000" cy="5715000"/>
+  <p:sldSz cx="9144000" cy="6858000" type="screen4x3"/>
   <p:notesSz cx="7620000" cy="5715000"/>
   <p:defaultTextStyle>
     <a:defPPr>
@@ -50,7 +50,7 @@
         <a:cs typeface="+mn-cs"/>
       </a:defRPr>
     </a:lvl1pPr>
-    <a:lvl2pPr marL="457200" algn="l" rtl="0" fontAlgn="base">
+    <a:lvl2pPr marL="548640" algn="l" rtl="0" fontAlgn="base">
       <a:spcBef>
         <a:spcPct val="0"/>
       </a:spcBef>
@@ -66,7 +66,7 @@
         <a:cs typeface="+mn-cs"/>
       </a:defRPr>
     </a:lvl2pPr>
-    <a:lvl3pPr marL="914400" algn="l" rtl="0" fontAlgn="base">
+    <a:lvl3pPr marL="1097280" algn="l" rtl="0" fontAlgn="base">
       <a:spcBef>
         <a:spcPct val="0"/>
       </a:spcBef>
@@ -82,7 +82,7 @@
         <a:cs typeface="+mn-cs"/>
       </a:defRPr>
     </a:lvl3pPr>
-    <a:lvl4pPr marL="1371600" algn="l" rtl="0" fontAlgn="base">
+    <a:lvl4pPr marL="1645920" algn="l" rtl="0" fontAlgn="base">
       <a:spcBef>
         <a:spcPct val="0"/>
       </a:spcBef>
@@ -98,7 +98,7 @@
         <a:cs typeface="+mn-cs"/>
       </a:defRPr>
     </a:lvl4pPr>
-    <a:lvl5pPr marL="1828800" algn="l" rtl="0" fontAlgn="base">
+    <a:lvl5pPr marL="2194560" algn="l" rtl="0" fontAlgn="base">
       <a:spcBef>
         <a:spcPct val="0"/>
       </a:spcBef>
@@ -114,7 +114,7 @@
         <a:cs typeface="+mn-cs"/>
       </a:defRPr>
     </a:lvl5pPr>
-    <a:lvl6pPr marL="2286000" algn="l" defTabSz="914400" rtl="0" eaLnBrk="1" latinLnBrk="0" hangingPunct="1">
+    <a:lvl6pPr marL="2743200" algn="l" defTabSz="1097280" rtl="0" eaLnBrk="1" latinLnBrk="0" hangingPunct="1">
       <a:defRPr kern="1200">
         <a:solidFill>
           <a:schemeClr val="tx1"/>
@@ -124,7 +124,7 @@
         <a:cs typeface="+mn-cs"/>
       </a:defRPr>
     </a:lvl6pPr>
-    <a:lvl7pPr marL="2743200" algn="l" defTabSz="914400" rtl="0" eaLnBrk="1" latinLnBrk="0" hangingPunct="1">
+    <a:lvl7pPr marL="3291840" algn="l" defTabSz="1097280" rtl="0" eaLnBrk="1" latinLnBrk="0" hangingPunct="1">
       <a:defRPr kern="1200">
         <a:solidFill>
           <a:schemeClr val="tx1"/>
@@ -134,7 +134,7 @@
         <a:cs typeface="+mn-cs"/>
       </a:defRPr>
     </a:lvl7pPr>
-    <a:lvl8pPr marL="3200400" algn="l" defTabSz="914400" rtl="0" eaLnBrk="1" latinLnBrk="0" hangingPunct="1">
+    <a:lvl8pPr marL="3840480" algn="l" defTabSz="1097280" rtl="0" eaLnBrk="1" latinLnBrk="0" hangingPunct="1">
       <a:defRPr kern="1200">
         <a:solidFill>
           <a:schemeClr val="tx1"/>
@@ -144,7 +144,7 @@
         <a:cs typeface="+mn-cs"/>
       </a:defRPr>
     </a:lvl8pPr>
-    <a:lvl9pPr marL="3657600" algn="l" defTabSz="914400" rtl="0" eaLnBrk="1" latinLnBrk="0" hangingPunct="1">
+    <a:lvl9pPr marL="4389120" algn="l" defTabSz="1097280" rtl="0" eaLnBrk="1" latinLnBrk="0" hangingPunct="1">
       <a:defRPr kern="1200">
         <a:solidFill>
           <a:schemeClr val="tx1"/>
@@ -196,7 +196,7 @@
       <a:spcAft>
         <a:spcPct val="0"/>
       </a:spcAft>
-      <a:defRPr sz="1200" kern="1200">
+      <a:defRPr sz="1400" kern="1200">
         <a:solidFill>
           <a:schemeClr val="tx1"/>
         </a:solidFill>
@@ -205,14 +205,14 @@
         <a:cs typeface="+mn-cs"/>
       </a:defRPr>
     </a:lvl1pPr>
-    <a:lvl2pPr marL="457200" algn="l" rtl="0" eaLnBrk="0" fontAlgn="base" hangingPunct="0">
+    <a:lvl2pPr marL="548640" algn="l" rtl="0" eaLnBrk="0" fontAlgn="base" hangingPunct="0">
       <a:spcBef>
         <a:spcPct val="30000"/>
       </a:spcBef>
       <a:spcAft>
         <a:spcPct val="0"/>
       </a:spcAft>
-      <a:defRPr sz="1200" kern="1200">
+      <a:defRPr sz="1400" kern="1200">
         <a:solidFill>
           <a:schemeClr val="tx1"/>
         </a:solidFill>
@@ -221,14 +221,14 @@
         <a:cs typeface="+mn-cs"/>
       </a:defRPr>
     </a:lvl2pPr>
-    <a:lvl3pPr marL="914400" algn="l" rtl="0" eaLnBrk="0" fontAlgn="base" hangingPunct="0">
+    <a:lvl3pPr marL="1097280" algn="l" rtl="0" eaLnBrk="0" fontAlgn="base" hangingPunct="0">
       <a:spcBef>
         <a:spcPct val="30000"/>
       </a:spcBef>
       <a:spcAft>
         <a:spcPct val="0"/>
       </a:spcAft>
-      <a:defRPr sz="1200" kern="1200">
+      <a:defRPr sz="1400" kern="1200">
         <a:solidFill>
           <a:schemeClr val="tx1"/>
         </a:solidFill>
@@ -237,14 +237,14 @@
         <a:cs typeface="+mn-cs"/>
       </a:defRPr>
     </a:lvl3pPr>
-    <a:lvl4pPr marL="1371600" algn="l" rtl="0" eaLnBrk="0" fontAlgn="base" hangingPunct="0">
+    <a:lvl4pPr marL="1645920" algn="l" rtl="0" eaLnBrk="0" fontAlgn="base" hangingPunct="0">
       <a:spcBef>
         <a:spcPct val="30000"/>
       </a:spcBef>
       <a:spcAft>
         <a:spcPct val="0"/>
       </a:spcAft>
-      <a:defRPr sz="1200" kern="1200">
+      <a:defRPr sz="1400" kern="1200">
         <a:solidFill>
           <a:schemeClr val="tx1"/>
         </a:solidFill>
@@ -253,14 +253,14 @@
         <a:cs typeface="+mn-cs"/>
       </a:defRPr>
     </a:lvl4pPr>
-    <a:lvl5pPr marL="1828800" algn="l" rtl="0" eaLnBrk="0" fontAlgn="base" hangingPunct="0">
+    <a:lvl5pPr marL="2194560" algn="l" rtl="0" eaLnBrk="0" fontAlgn="base" hangingPunct="0">
       <a:spcBef>
         <a:spcPct val="30000"/>
       </a:spcBef>
       <a:spcAft>
         <a:spcPct val="0"/>
       </a:spcAft>
-      <a:defRPr sz="1200" kern="1200">
+      <a:defRPr sz="1400" kern="1200">
         <a:solidFill>
           <a:schemeClr val="tx1"/>
         </a:solidFill>
@@ -269,8 +269,8 @@
         <a:cs typeface="+mn-cs"/>
       </a:defRPr>
     </a:lvl5pPr>
-    <a:lvl6pPr marL="2286000" algn="l" defTabSz="914400" rtl="0" eaLnBrk="1" latinLnBrk="0" hangingPunct="1">
-      <a:defRPr sz="1200" kern="1200">
+    <a:lvl6pPr marL="2743200" algn="l" defTabSz="1097280" rtl="0" eaLnBrk="1" latinLnBrk="0" hangingPunct="1">
+      <a:defRPr sz="1400" kern="1200">
         <a:solidFill>
           <a:schemeClr val="tx1"/>
         </a:solidFill>
@@ -279,8 +279,8 @@
         <a:cs typeface="+mn-cs"/>
       </a:defRPr>
     </a:lvl6pPr>
-    <a:lvl7pPr marL="2743200" algn="l" defTabSz="914400" rtl="0" eaLnBrk="1" latinLnBrk="0" hangingPunct="1">
-      <a:defRPr sz="1200" kern="1200">
+    <a:lvl7pPr marL="3291840" algn="l" defTabSz="1097280" rtl="0" eaLnBrk="1" latinLnBrk="0" hangingPunct="1">
+      <a:defRPr sz="1400" kern="1200">
         <a:solidFill>
           <a:schemeClr val="tx1"/>
         </a:solidFill>
@@ -289,8 +289,8 @@
         <a:cs typeface="+mn-cs"/>
       </a:defRPr>
     </a:lvl7pPr>
-    <a:lvl8pPr marL="3200400" algn="l" defTabSz="914400" rtl="0" eaLnBrk="1" latinLnBrk="0" hangingPunct="1">
-      <a:defRPr sz="1200" kern="1200">
+    <a:lvl8pPr marL="3840480" algn="l" defTabSz="1097280" rtl="0" eaLnBrk="1" latinLnBrk="0" hangingPunct="1">
+      <a:defRPr sz="1400" kern="1200">
         <a:solidFill>
           <a:schemeClr val="tx1"/>
         </a:solidFill>
@@ -299,8 +299,8 @@
         <a:cs typeface="+mn-cs"/>
       </a:defRPr>
     </a:lvl8pPr>
-    <a:lvl9pPr marL="3657600" algn="l" defTabSz="914400" rtl="0" eaLnBrk="1" latinLnBrk="0" hangingPunct="1">
-      <a:defRPr sz="1200" kern="1200">
+    <a:lvl9pPr marL="4389120" algn="l" defTabSz="1097280" rtl="0" eaLnBrk="1" latinLnBrk="0" hangingPunct="1">
+      <a:defRPr sz="1400" kern="1200">
         <a:solidFill>
           <a:schemeClr val="tx1"/>
         </a:solidFill>
@@ -311,6 +311,89 @@
     </a:lvl9pPr>
   </p:notesStyle>
 </p:notesMaster>
+</file>
+
+<file path=ppt/notesSlides/notesSlide1.xml><?xml version="1.0" encoding="utf-8"?>
+<p:notes xmlns:a="http://schemas.openxmlformats.org/drawingml/2006/main" xmlns:r="http://schemas.openxmlformats.org/officeDocument/2006/relationships" xmlns:p="http://schemas.openxmlformats.org/presentationml/2006/main">
+  <p:cSld>
+    <p:spTree>
+      <p:nvGrpSpPr>
+        <p:cNvPr id="1" name=""/>
+        <p:cNvGrpSpPr/>
+        <p:nvPr/>
+      </p:nvGrpSpPr>
+      <p:grpSpPr>
+        <a:xfrm>
+          <a:off x="0" y="0"/>
+          <a:ext cx="0" cy="0"/>
+          <a:chOff x="0" y="0"/>
+          <a:chExt cx="0" cy="0"/>
+        </a:xfrm>
+      </p:grpSpPr>
+      <p:sp>
+        <p:nvSpPr>
+          <p:cNvPr id="2" name="Slide Image Placeholder 1"/>
+          <p:cNvSpPr>
+            <a:spLocks noGrp="1" noRot="1" noChangeAspect="1"/>
+          </p:cNvSpPr>
+          <p:nvPr>
+            <p:ph type="sldImg"/>
+          </p:nvPr>
+        </p:nvSpPr>
+        <p:spPr>
+          <a:xfrm>
+            <a:off x="2381250" y="428625"/>
+            <a:ext cx="2857500" cy="2143125"/>
+          </a:xfrm>
+          <a:prstGeom prst="rect">
+            <a:avLst/>
+          </a:prstGeom>
+          <a:noFill/>
+          <a:ln w="12700">
+            <a:solidFill>
+              <a:prstClr val="black"/>
+            </a:solidFill>
+          </a:ln>
+        </p:spPr>
+      </p:sp>
+      <p:sp>
+        <p:nvSpPr>
+          <p:cNvPr id="3" name="Notes Placeholder 2"/>
+          <p:cNvSpPr>
+            <a:spLocks noGrp="1"/>
+          </p:cNvSpPr>
+          <p:nvPr>
+            <p:ph type="body" idx="1"/>
+          </p:nvPr>
+        </p:nvSpPr>
+        <p:spPr>
+          <a:xfrm>
+            <a:off x="762000" y="2714625"/>
+            <a:ext cx="6096000" cy="2571750"/>
+          </a:xfrm>
+          <a:prstGeom prst="rect">
+            <a:avLst/>
+          </a:prstGeom>
+        </p:spPr>
+        <p:txBody>
+          <a:bodyPr/>
+          <a:lstStyle/>
+          <a:p>
+            <a:endParaRPr lang="en-US"/>
+          </a:p>
+        </p:txBody>
+      </p:sp>
+    </p:spTree>
+    <p:extLst>
+      <p:ext uri="{BB962C8B-B14F-4D97-AF65-F5344CB8AC3E}">
+        <p14:creationId xmlns:p14="http://schemas.microsoft.com/office/powerpoint/2010/main" val="3281860866"/>
+      </p:ext>
+    </p:extLst>
+  </p:cSld>
+  <p:clrMapOvr>
+    <a:masterClrMapping/>
+  </p:clrMapOvr>
+</p:notes>
 </file>
 
 <file path=ppt/slideLayouts/slideLayout1.xml><?xml version="1.0" encoding="utf-8"?>
@@ -342,15 +425,15 @@
         </p:nvSpPr>
         <p:spPr>
           <a:xfrm>
-            <a:off x="476250" y="1905000"/>
-            <a:ext cx="6667500" cy="952500"/>
+            <a:off x="571500" y="2286000"/>
+            <a:ext cx="8001000" cy="1143000"/>
           </a:xfrm>
           <a:prstGeom prst="rect">
             <a:avLst/>
           </a:prstGeom>
         </p:spPr>
         <p:txBody>
-          <a:bodyPr/>
+          <a:bodyPr lIns="109728" tIns="54864" rIns="109728" bIns="54864"/>
           <a:lstStyle/>
           <a:p>
             <a:endParaRPr/>
@@ -369,15 +452,15 @@
         </p:nvSpPr>
         <p:spPr>
           <a:xfrm>
-            <a:off x="857250" y="3095625"/>
-            <a:ext cx="5905500" cy="1428750"/>
+            <a:off x="1028700" y="3714750"/>
+            <a:ext cx="7086600" cy="1714500"/>
           </a:xfrm>
           <a:prstGeom prst="rect">
             <a:avLst/>
           </a:prstGeom>
         </p:spPr>
         <p:txBody>
-          <a:bodyPr/>
+          <a:bodyPr lIns="109728" tIns="54864" rIns="109728" bIns="54864"/>
           <a:lstStyle/>
           <a:p>
             <a:endParaRPr/>
@@ -421,15 +504,15 @@
         </p:nvSpPr>
         <p:spPr>
           <a:xfrm>
-            <a:off x="238125" y="190500"/>
-            <a:ext cx="7143750" cy="762000"/>
+            <a:off x="285750" y="228600"/>
+            <a:ext cx="8572500" cy="914400"/>
           </a:xfrm>
           <a:prstGeom prst="rect">
             <a:avLst/>
           </a:prstGeom>
         </p:spPr>
         <p:txBody>
-          <a:bodyPr/>
+          <a:bodyPr lIns="109728" tIns="54864" rIns="109728" bIns="54864"/>
           <a:lstStyle/>
           <a:p>
             <a:endParaRPr/>
@@ -448,15 +531,15 @@
         </p:nvSpPr>
         <p:spPr>
           <a:xfrm>
-            <a:off x="238125" y="1143000"/>
-            <a:ext cx="7143750" cy="4381500"/>
+            <a:off x="285750" y="1371600"/>
+            <a:ext cx="8572500" cy="5257800"/>
           </a:xfrm>
           <a:prstGeom prst="rect">
             <a:avLst/>
           </a:prstGeom>
         </p:spPr>
         <p:txBody>
-          <a:bodyPr/>
+          <a:bodyPr lIns="109728" tIns="54864" rIns="109728" bIns="54864"/>
           <a:lstStyle/>
           <a:p>
             <a:endParaRPr/>
@@ -538,7 +621,7 @@
         <a:spcAft>
           <a:spcPct val="0"/>
         </a:spcAft>
-        <a:defRPr sz="4800" kern="1200">
+        <a:defRPr sz="5800" kern="1200">
           <a:solidFill>
             <a:srgbClr val="FFFFFF"/>
           </a:solidFill>
@@ -554,7 +637,7 @@
         <a:spcAft>
           <a:spcPct val="0"/>
         </a:spcAft>
-        <a:defRPr sz="4800">
+        <a:defRPr sz="5800">
           <a:solidFill>
             <a:srgbClr val="FFFFFF"/>
           </a:solidFill>
@@ -568,7 +651,7 @@
         <a:spcAft>
           <a:spcPct val="0"/>
         </a:spcAft>
-        <a:defRPr sz="4800">
+        <a:defRPr sz="5800">
           <a:solidFill>
             <a:srgbClr val="FFFFFF"/>
           </a:solidFill>
@@ -582,7 +665,7 @@
         <a:spcAft>
           <a:spcPct val="0"/>
         </a:spcAft>
-        <a:defRPr sz="4800">
+        <a:defRPr sz="5800">
           <a:solidFill>
             <a:srgbClr val="FFFFFF"/>
           </a:solidFill>
@@ -596,63 +679,63 @@
         <a:spcAft>
           <a:spcPct val="0"/>
         </a:spcAft>
-        <a:defRPr sz="4800">
+        <a:defRPr sz="5800">
           <a:solidFill>
             <a:srgbClr val="FFFFFF"/>
           </a:solidFill>
           <a:latin typeface="Arial" charset="0"/>
         </a:defRPr>
       </a:lvl5pPr>
-      <a:lvl6pPr marL="457200" algn="ctr" rtl="0" fontAlgn="base">
+      <a:lvl6pPr marL="548640" algn="ctr" rtl="0" fontAlgn="base">
         <a:spcBef>
           <a:spcPct val="0"/>
         </a:spcBef>
         <a:spcAft>
           <a:spcPct val="0"/>
         </a:spcAft>
-        <a:defRPr sz="4800">
+        <a:defRPr sz="5800">
           <a:solidFill>
             <a:srgbClr val="FFFFFF"/>
           </a:solidFill>
           <a:latin typeface="Arial" charset="0"/>
         </a:defRPr>
       </a:lvl6pPr>
-      <a:lvl7pPr marL="914400" algn="ctr" rtl="0" fontAlgn="base">
+      <a:lvl7pPr marL="1097280" algn="ctr" rtl="0" fontAlgn="base">
         <a:spcBef>
           <a:spcPct val="0"/>
         </a:spcBef>
         <a:spcAft>
           <a:spcPct val="0"/>
         </a:spcAft>
-        <a:defRPr sz="4800">
+        <a:defRPr sz="5800">
           <a:solidFill>
             <a:srgbClr val="FFFFFF"/>
           </a:solidFill>
           <a:latin typeface="Arial" charset="0"/>
         </a:defRPr>
       </a:lvl7pPr>
-      <a:lvl8pPr marL="1371600" algn="ctr" rtl="0" fontAlgn="base">
+      <a:lvl8pPr marL="1645920" algn="ctr" rtl="0" fontAlgn="base">
         <a:spcBef>
           <a:spcPct val="0"/>
         </a:spcBef>
         <a:spcAft>
           <a:spcPct val="0"/>
         </a:spcAft>
-        <a:defRPr sz="4800">
+        <a:defRPr sz="5800">
           <a:solidFill>
             <a:srgbClr val="FFFFFF"/>
           </a:solidFill>
           <a:latin typeface="Arial" charset="0"/>
         </a:defRPr>
       </a:lvl8pPr>
-      <a:lvl9pPr marL="1828800" algn="ctr" rtl="0" fontAlgn="base">
+      <a:lvl9pPr marL="2194560" algn="ctr" rtl="0" fontAlgn="base">
         <a:spcBef>
           <a:spcPct val="0"/>
         </a:spcBef>
         <a:spcAft>
           <a:spcPct val="0"/>
         </a:spcAft>
-        <a:defRPr sz="4800">
+        <a:defRPr sz="5800">
           <a:solidFill>
             <a:srgbClr val="FFFFFF"/>
           </a:solidFill>
@@ -668,7 +751,7 @@
         <a:spcAft>
           <a:spcPct val="0"/>
         </a:spcAft>
-        <a:defRPr sz="3200" kern="1200">
+        <a:defRPr sz="3800" kern="1200">
           <a:solidFill>
             <a:srgbClr val="FFFFFF"/>
           </a:solidFill>
@@ -677,7 +760,7 @@
           <a:cs typeface="+mj-cs"/>
         </a:defRPr>
       </a:lvl1pPr>
-      <a:lvl2pPr marL="457200" algn="l" rtl="0" eaLnBrk="0" fontAlgn="base" hangingPunct="0">
+      <a:lvl2pPr marL="548640" algn="l" rtl="0" eaLnBrk="0" fontAlgn="base" hangingPunct="0">
         <a:spcBef>
           <a:spcPct val="0"/>
         </a:spcBef>
@@ -686,7 +769,7 @@
         </a:spcAft>
         <a:buFont typeface="Arial" charset="0"/>
         <a:buChar char="•"/>
-        <a:defRPr sz="3200" kern="1200">
+        <a:defRPr sz="3800" kern="1200">
           <a:solidFill>
             <a:srgbClr val="FFFFFF"/>
           </a:solidFill>
@@ -695,7 +778,7 @@
           <a:cs typeface="+mj-cs"/>
         </a:defRPr>
       </a:lvl2pPr>
-      <a:lvl3pPr marL="914400" algn="l" rtl="0" eaLnBrk="0" fontAlgn="base" hangingPunct="0">
+      <a:lvl3pPr marL="1097280" algn="l" rtl="0" eaLnBrk="0" fontAlgn="base" hangingPunct="0">
         <a:spcBef>
           <a:spcPct val="0"/>
         </a:spcBef>
@@ -704,7 +787,7 @@
         </a:spcAft>
         <a:buFont typeface="Arial" charset="0"/>
         <a:buChar char="•"/>
-        <a:defRPr sz="3200" kern="1200">
+        <a:defRPr sz="3800" kern="1200">
           <a:solidFill>
             <a:srgbClr val="FFFFFF"/>
           </a:solidFill>
@@ -713,7 +796,7 @@
           <a:cs typeface="+mj-cs"/>
         </a:defRPr>
       </a:lvl3pPr>
-      <a:lvl4pPr marL="1371600" algn="l" rtl="0" eaLnBrk="0" fontAlgn="base" hangingPunct="0">
+      <a:lvl4pPr marL="1645920" algn="l" rtl="0" eaLnBrk="0" fontAlgn="base" hangingPunct="0">
         <a:spcBef>
           <a:spcPct val="0"/>
         </a:spcBef>
@@ -722,7 +805,7 @@
         </a:spcAft>
         <a:buFont typeface="Arial" charset="0"/>
         <a:buChar char="•"/>
-        <a:defRPr sz="3200" kern="1200">
+        <a:defRPr sz="3800" kern="1200">
           <a:solidFill>
             <a:srgbClr val="FFFFFF"/>
           </a:solidFill>
@@ -731,7 +814,7 @@
           <a:cs typeface="+mj-cs"/>
         </a:defRPr>
       </a:lvl4pPr>
-      <a:lvl5pPr marL="1828800" algn="l" rtl="0" eaLnBrk="0" fontAlgn="base" hangingPunct="0">
+      <a:lvl5pPr marL="2194560" algn="l" rtl="0" eaLnBrk="0" fontAlgn="base" hangingPunct="0">
         <a:spcBef>
           <a:spcPct val="0"/>
         </a:spcBef>
@@ -740,7 +823,7 @@
         </a:spcAft>
         <a:buFont typeface="Arial" charset="0"/>
         <a:buChar char="•"/>
-        <a:defRPr sz="3200" kern="1200">
+        <a:defRPr sz="3800" kern="1200">
           <a:solidFill>
             <a:srgbClr val="FFFFFF"/>
           </a:solidFill>
@@ -749,13 +832,13 @@
           <a:cs typeface="+mj-cs"/>
         </a:defRPr>
       </a:lvl5pPr>
-      <a:lvl6pPr marL="2286000" indent="0" algn="l" defTabSz="914400" rtl="0" eaLnBrk="1" latinLnBrk="0" hangingPunct="1">
+      <a:lvl6pPr marL="2743200" indent="0" algn="l" defTabSz="1097280" rtl="0" eaLnBrk="1" latinLnBrk="0" hangingPunct="1">
         <a:spcBef>
           <a:spcPct val="0"/>
         </a:spcBef>
         <a:buFont typeface="Arial" pitchFamily="34" charset="0"/>
         <a:buChar char="•"/>
-        <a:defRPr sz="3200" b="0" i="0" u="none" kern="1200">
+        <a:defRPr sz="3800" b="0" i="0" u="none" kern="1200">
           <a:solidFill>
             <a:prstClr val="white"/>
           </a:solidFill>
@@ -764,13 +847,13 @@
           <a:cs typeface="+mj-cs"/>
         </a:defRPr>
       </a:lvl6pPr>
-      <a:lvl7pPr marL="2743200" indent="0" algn="l" defTabSz="914400" rtl="0" eaLnBrk="1" latinLnBrk="0" hangingPunct="1">
+      <a:lvl7pPr marL="3291840" indent="0" algn="l" defTabSz="1097280" rtl="0" eaLnBrk="1" latinLnBrk="0" hangingPunct="1">
         <a:spcBef>
           <a:spcPct val="0"/>
         </a:spcBef>
         <a:buFont typeface="Arial" pitchFamily="34" charset="0"/>
         <a:buChar char="•"/>
-        <a:defRPr sz="3200" b="0" i="0" u="none" kern="1200">
+        <a:defRPr sz="3800" b="0" i="0" u="none" kern="1200">
           <a:solidFill>
             <a:prstClr val="white"/>
           </a:solidFill>
@@ -779,13 +862,13 @@
           <a:cs typeface="+mj-cs"/>
         </a:defRPr>
       </a:lvl7pPr>
-      <a:lvl8pPr marL="3200400" indent="0" algn="l" defTabSz="914400" rtl="0" eaLnBrk="1" latinLnBrk="0" hangingPunct="1">
+      <a:lvl8pPr marL="3840480" indent="0" algn="l" defTabSz="1097280" rtl="0" eaLnBrk="1" latinLnBrk="0" hangingPunct="1">
         <a:spcBef>
           <a:spcPct val="0"/>
         </a:spcBef>
         <a:buFont typeface="Arial" pitchFamily="34" charset="0"/>
         <a:buChar char="•"/>
-        <a:defRPr sz="3200" b="0" i="0" u="none" kern="1200">
+        <a:defRPr sz="3800" b="0" i="0" u="none" kern="1200">
           <a:solidFill>
             <a:prstClr val="white"/>
           </a:solidFill>
@@ -794,13 +877,13 @@
           <a:cs typeface="+mj-cs"/>
         </a:defRPr>
       </a:lvl8pPr>
-      <a:lvl9pPr marL="3657600" indent="0" algn="l" defTabSz="914400" rtl="0" eaLnBrk="1" latinLnBrk="0" hangingPunct="1">
+      <a:lvl9pPr marL="4389120" indent="0" algn="l" defTabSz="1097280" rtl="0" eaLnBrk="1" latinLnBrk="0" hangingPunct="1">
         <a:spcBef>
           <a:spcPct val="0"/>
         </a:spcBef>
         <a:buFont typeface="Arial" pitchFamily="34" charset="0"/>
         <a:buChar char="•"/>
-        <a:defRPr sz="3200" b="0" i="0" u="none" kern="1200">
+        <a:defRPr sz="3800" b="0" i="0" u="none" kern="1200">
           <a:solidFill>
             <a:prstClr val="white"/>
           </a:solidFill>
@@ -811,12 +894,12 @@
       </a:lvl9pPr>
     </p:bodyStyle>
     <p:otherStyle>
-      <a:lvl1pPr marL="0" indent="0" algn="ctr" defTabSz="914400" rtl="0" eaLnBrk="1" latinLnBrk="0" hangingPunct="1">
+      <a:lvl1pPr marL="0" indent="0" algn="ctr" defTabSz="1097280" rtl="0" eaLnBrk="1" latinLnBrk="0" hangingPunct="1">
         <a:spcBef>
           <a:spcPct val="0"/>
         </a:spcBef>
         <a:buNone/>
-        <a:defRPr sz="3200" b="0" i="0" u="none" kern="1200">
+        <a:defRPr sz="3800" b="0" i="0" u="none" kern="1200">
           <a:solidFill>
             <a:prstClr val="white"/>
           </a:solidFill>
@@ -825,13 +908,13 @@
           <a:cs typeface="+mj-cs"/>
         </a:defRPr>
       </a:lvl1pPr>
-      <a:lvl2pPr marL="457200" indent="0" algn="ctr" defTabSz="914400" rtl="0" eaLnBrk="1" latinLnBrk="0" hangingPunct="1">
+      <a:lvl2pPr marL="548640" indent="0" algn="ctr" defTabSz="1097280" rtl="0" eaLnBrk="1" latinLnBrk="0" hangingPunct="1">
         <a:spcBef>
           <a:spcPct val="0"/>
         </a:spcBef>
         <a:buFont typeface="Arial" pitchFamily="34" charset="0"/>
         <a:buChar char="•"/>
-        <a:defRPr sz="3200" b="0" i="0" u="none" kern="1200">
+        <a:defRPr sz="3800" b="0" i="0" u="none" kern="1200">
           <a:solidFill>
             <a:prstClr val="white"/>
           </a:solidFill>
@@ -840,13 +923,13 @@
           <a:cs typeface="+mj-cs"/>
         </a:defRPr>
       </a:lvl2pPr>
-      <a:lvl3pPr marL="914400" indent="0" algn="ctr" defTabSz="914400" rtl="0" eaLnBrk="1" latinLnBrk="0" hangingPunct="1">
+      <a:lvl3pPr marL="1097280" indent="0" algn="ctr" defTabSz="1097280" rtl="0" eaLnBrk="1" latinLnBrk="0" hangingPunct="1">
         <a:spcBef>
           <a:spcPct val="0"/>
         </a:spcBef>
         <a:buFont typeface="Arial" pitchFamily="34" charset="0"/>
         <a:buChar char="•"/>
-        <a:defRPr sz="3200" b="0" i="0" u="none" kern="1200">
+        <a:defRPr sz="3800" b="0" i="0" u="none" kern="1200">
           <a:solidFill>
             <a:prstClr val="white"/>
           </a:solidFill>
@@ -855,13 +938,13 @@
           <a:cs typeface="+mj-cs"/>
         </a:defRPr>
       </a:lvl3pPr>
-      <a:lvl4pPr marL="1371600" indent="0" algn="ctr" defTabSz="914400" rtl="0" eaLnBrk="1" latinLnBrk="0" hangingPunct="1">
+      <a:lvl4pPr marL="1645920" indent="0" algn="ctr" defTabSz="1097280" rtl="0" eaLnBrk="1" latinLnBrk="0" hangingPunct="1">
         <a:spcBef>
           <a:spcPct val="0"/>
         </a:spcBef>
         <a:buFont typeface="Arial" pitchFamily="34" charset="0"/>
         <a:buChar char="•"/>
-        <a:defRPr sz="3200" b="0" i="0" u="none" kern="1200">
+        <a:defRPr sz="3800" b="0" i="0" u="none" kern="1200">
           <a:solidFill>
             <a:prstClr val="white"/>
           </a:solidFill>
@@ -870,13 +953,13 @@
           <a:cs typeface="+mj-cs"/>
         </a:defRPr>
       </a:lvl4pPr>
-      <a:lvl5pPr marL="1828800" indent="0" algn="ctr" defTabSz="914400" rtl="0" eaLnBrk="1" latinLnBrk="0" hangingPunct="1">
+      <a:lvl5pPr marL="2194560" indent="0" algn="ctr" defTabSz="1097280" rtl="0" eaLnBrk="1" latinLnBrk="0" hangingPunct="1">
         <a:spcBef>
           <a:spcPct val="0"/>
         </a:spcBef>
         <a:buFont typeface="Arial" pitchFamily="34" charset="0"/>
         <a:buChar char="•"/>
-        <a:defRPr sz="3200" b="0" i="0" u="none" kern="1200">
+        <a:defRPr sz="3800" b="0" i="0" u="none" kern="1200">
           <a:solidFill>
             <a:prstClr val="white"/>
           </a:solidFill>
@@ -885,13 +968,13 @@
           <a:cs typeface="+mj-cs"/>
         </a:defRPr>
       </a:lvl5pPr>
-      <a:lvl6pPr marL="2286000" indent="0" algn="ctr" defTabSz="914400" rtl="0" eaLnBrk="1" latinLnBrk="0" hangingPunct="1">
+      <a:lvl6pPr marL="2743200" indent="0" algn="ctr" defTabSz="1097280" rtl="0" eaLnBrk="1" latinLnBrk="0" hangingPunct="1">
         <a:spcBef>
           <a:spcPct val="0"/>
         </a:spcBef>
         <a:buFont typeface="Arial" pitchFamily="34" charset="0"/>
         <a:buChar char="•"/>
-        <a:defRPr sz="3200" b="0" i="0" u="none" kern="1200">
+        <a:defRPr sz="3800" b="0" i="0" u="none" kern="1200">
           <a:solidFill>
             <a:prstClr val="white"/>
           </a:solidFill>
@@ -900,13 +983,13 @@
           <a:cs typeface="+mj-cs"/>
         </a:defRPr>
       </a:lvl6pPr>
-      <a:lvl7pPr marL="2743200" indent="0" algn="ctr" defTabSz="914400" rtl="0" eaLnBrk="1" latinLnBrk="0" hangingPunct="1">
+      <a:lvl7pPr marL="3291840" indent="0" algn="ctr" defTabSz="1097280" rtl="0" eaLnBrk="1" latinLnBrk="0" hangingPunct="1">
         <a:spcBef>
           <a:spcPct val="0"/>
         </a:spcBef>
         <a:buFont typeface="Arial" pitchFamily="34" charset="0"/>
         <a:buChar char="•"/>
-        <a:defRPr sz="3200" b="0" i="0" u="none" kern="1200">
+        <a:defRPr sz="3800" b="0" i="0" u="none" kern="1200">
           <a:solidFill>
             <a:prstClr val="white"/>
           </a:solidFill>
@@ -915,13 +998,13 @@
           <a:cs typeface="+mj-cs"/>
         </a:defRPr>
       </a:lvl7pPr>
-      <a:lvl8pPr marL="3200400" indent="0" algn="ctr" defTabSz="914400" rtl="0" eaLnBrk="1" latinLnBrk="0" hangingPunct="1">
+      <a:lvl8pPr marL="3840480" indent="0" algn="ctr" defTabSz="1097280" rtl="0" eaLnBrk="1" latinLnBrk="0" hangingPunct="1">
         <a:spcBef>
           <a:spcPct val="0"/>
         </a:spcBef>
         <a:buFont typeface="Arial" pitchFamily="34" charset="0"/>
         <a:buChar char="•"/>
-        <a:defRPr sz="3200" b="0" i="0" u="none" kern="1200">
+        <a:defRPr sz="3800" b="0" i="0" u="none" kern="1200">
           <a:solidFill>
             <a:prstClr val="white"/>
           </a:solidFill>
@@ -930,13 +1013,13 @@
           <a:cs typeface="+mj-cs"/>
         </a:defRPr>
       </a:lvl8pPr>
-      <a:lvl9pPr marL="3657600" indent="0" algn="ctr" defTabSz="914400" rtl="0" eaLnBrk="1" latinLnBrk="0" hangingPunct="1">
+      <a:lvl9pPr marL="4389120" indent="0" algn="ctr" defTabSz="1097280" rtl="0" eaLnBrk="1" latinLnBrk="0" hangingPunct="1">
         <a:spcBef>
           <a:spcPct val="0"/>
         </a:spcBef>
         <a:buFont typeface="Arial" pitchFamily="34" charset="0"/>
         <a:buChar char="•"/>
-        <a:defRPr sz="3200" b="0" i="0" u="none" kern="1200">
+        <a:defRPr sz="3800" b="0" i="0" u="none" kern="1200">
           <a:solidFill>
             <a:prstClr val="white"/>
           </a:solidFill>
@@ -979,8 +1062,8 @@
         </p:nvSpPr>
         <p:spPr bwMode="auto">
           <a:xfrm>
-            <a:off x="457200" y="876300"/>
-            <a:ext cx="6667500" cy="952500"/>
+            <a:off x="548640" y="1051560"/>
+            <a:ext cx="8001000" cy="1143000"/>
           </a:xfrm>
           <a:noFill/>
           <a:ln>
@@ -990,7 +1073,7 @@
           </a:ln>
         </p:spPr>
         <p:txBody>
-          <a:bodyPr vert="horz" wrap="square" lIns="91440" tIns="45720" rIns="91440" bIns="45720" numCol="1" anchor="t" anchorCtr="0" compatLnSpc="1">
+          <a:bodyPr vert="horz" wrap="square" lIns="109728" tIns="54864" rIns="109728" bIns="54864" numCol="1" anchor="t" anchorCtr="0" compatLnSpc="1">
             <a:prstTxWarp prst="textNoShape">
               <a:avLst/>
             </a:prstTxWarp>
@@ -1027,8 +1110,8 @@
         </p:nvSpPr>
         <p:spPr bwMode="auto">
           <a:xfrm>
-            <a:off x="762000" y="3771900"/>
-            <a:ext cx="5905500" cy="1428750"/>
+            <a:off x="914400" y="4526280"/>
+            <a:ext cx="7086600" cy="1714500"/>
           </a:xfrm>
           <a:noFill/>
           <a:ln>
@@ -1038,7 +1121,7 @@
           </a:ln>
         </p:spPr>
         <p:txBody>
-          <a:bodyPr vert="horz" wrap="square" lIns="91440" tIns="45720" rIns="91440" bIns="45720" numCol="1" anchor="t" anchorCtr="0" compatLnSpc="1">
+          <a:bodyPr vert="horz" wrap="square" lIns="109728" tIns="54864" rIns="109728" bIns="54864" numCol="1" anchor="t" anchorCtr="0" compatLnSpc="1">
             <a:prstTxWarp prst="textNoShape">
               <a:avLst/>
             </a:prstTxWarp>
@@ -1047,7 +1130,7 @@
           <a:p>
             <a:pPr algn="ctr" eaLnBrk="1" hangingPunct="1"/>
             <a:r>
-              <a:rPr lang="en-US" sz="2400" smtClean="0">
+              <a:rPr lang="en-US" sz="2900">
                 <a:latin typeface="Gill Sans MT" pitchFamily="34" charset="0"/>
               </a:rPr>
               <a:t>System Administration Made Awesome</a:t>
@@ -1055,7 +1138,7 @@
           </a:p>
           <a:p>
             <a:pPr algn="ctr" eaLnBrk="1" hangingPunct="1"/>
-            <a:endParaRPr lang="en-US" sz="2400" smtClean="0">
+            <a:endParaRPr lang="en-US" sz="2900">
               <a:latin typeface="Gill Sans MT" pitchFamily="34" charset="0"/>
             </a:endParaRPr>
           </a:p>
@@ -1105,8 +1188,8 @@
         </p:nvSpPr>
         <p:spPr bwMode="auto">
           <a:xfrm>
-            <a:off x="381000" y="228600"/>
-            <a:ext cx="6858000" cy="952500"/>
+            <a:off x="457200" y="274320"/>
+            <a:ext cx="8229600" cy="1143000"/>
           </a:xfrm>
           <a:noFill/>
           <a:ln>
@@ -1116,7 +1199,7 @@
           </a:ln>
         </p:spPr>
         <p:txBody>
-          <a:bodyPr vert="horz" wrap="square" lIns="91440" tIns="45720" rIns="91440" bIns="45720" numCol="1" anchor="t" anchorCtr="0" compatLnSpc="1">
+          <a:bodyPr vert="horz" wrap="square" lIns="109728" tIns="54864" rIns="109728" bIns="54864" numCol="1" anchor="t" anchorCtr="0" compatLnSpc="1">
             <a:prstTxWarp prst="textNoShape">
               <a:avLst/>
             </a:prstTxWarp>
@@ -1150,8 +1233,8 @@
         </p:blipFill>
         <p:spPr bwMode="auto">
           <a:xfrm>
-            <a:off x="4191000" y="2019300"/>
-            <a:ext cx="2990850" cy="2279650"/>
+            <a:off x="5029200" y="2423160"/>
+            <a:ext cx="3589020" cy="2735580"/>
           </a:xfrm>
           <a:prstGeom prst="rect">
             <a:avLst/>
@@ -1203,8 +1286,8 @@
         </p:nvSpPr>
         <p:spPr bwMode="auto">
           <a:xfrm>
-            <a:off x="381000" y="228600"/>
-            <a:ext cx="6858000" cy="952500"/>
+            <a:off x="457200" y="274320"/>
+            <a:ext cx="8229600" cy="1143000"/>
           </a:xfrm>
           <a:noFill/>
           <a:ln>
@@ -1214,7 +1297,7 @@
           </a:ln>
         </p:spPr>
         <p:txBody>
-          <a:bodyPr vert="horz" wrap="square" lIns="91440" tIns="45720" rIns="91440" bIns="45720" numCol="1" anchor="t" anchorCtr="0" compatLnSpc="1">
+          <a:bodyPr vert="horz" wrap="square" lIns="109728" tIns="54864" rIns="109728" bIns="54864" numCol="1" anchor="t" anchorCtr="0" compatLnSpc="1">
             <a:prstTxWarp prst="textNoShape">
               <a:avLst/>
             </a:prstTxWarp>
@@ -1243,8 +1326,8 @@
         </p:nvSpPr>
         <p:spPr bwMode="auto">
           <a:xfrm>
-            <a:off x="381000" y="1333500"/>
-            <a:ext cx="6858000" cy="3771900"/>
+            <a:off x="457200" y="1600200"/>
+            <a:ext cx="8229600" cy="4526280"/>
           </a:xfrm>
           <a:prstGeom prst="rect">
             <a:avLst/>
@@ -1257,7 +1340,7 @@
           </a:ln>
         </p:spPr>
         <p:txBody>
-          <a:bodyPr/>
+          <a:bodyPr lIns="109728" tIns="54864" rIns="109728" bIns="54864"/>
           <a:lstStyle/>
           <a:p>
             <a:pPr eaLnBrk="1" hangingPunct="1">
@@ -1268,7 +1351,7 @@
               <a:buChar char="•"/>
             </a:pPr>
             <a:r>
-              <a:rPr lang="en-US" sz="2400" smtClean="0">
+              <a:rPr lang="en-US" sz="2900">
                 <a:latin typeface="Gill Sans MT" pitchFamily="34" charset="0"/>
               </a:rPr>
               <a:t> Definitions</a:t>
@@ -1280,7 +1363,7 @@
                 <a:spcPct val="90000"/>
               </a:lnSpc>
             </a:pPr>
-            <a:endParaRPr lang="en-US" sz="2400" smtClean="0">
+            <a:endParaRPr lang="en-US" sz="2900">
               <a:latin typeface="Gill Sans MT" pitchFamily="34" charset="0"/>
             </a:endParaRPr>
           </a:p>
@@ -1293,7 +1376,7 @@
               <a:buChar char="•"/>
             </a:pPr>
             <a:r>
-              <a:rPr lang="en-US" sz="2400" smtClean="0">
+              <a:rPr lang="en-US" sz="2900">
                 <a:latin typeface="Gill Sans MT" pitchFamily="34" charset="0"/>
               </a:rPr>
               <a:t> Recipes</a:t>
@@ -1305,7 +1388,7 @@
                 <a:spcPct val="90000"/>
               </a:lnSpc>
             </a:pPr>
-            <a:endParaRPr lang="en-US" sz="2400" smtClean="0">
+            <a:endParaRPr lang="en-US" sz="2900">
               <a:latin typeface="Gill Sans MT" pitchFamily="34" charset="0"/>
             </a:endParaRPr>
           </a:p>
@@ -1318,7 +1401,7 @@
               <a:buChar char="•"/>
             </a:pPr>
             <a:r>
-              <a:rPr lang="en-US" sz="2400" smtClean="0">
+              <a:rPr lang="en-US" sz="2900">
                 <a:latin typeface="Gill Sans MT" pitchFamily="34" charset="0"/>
               </a:rPr>
               <a:t> Templates (.erb)</a:t>
@@ -1330,7 +1413,7 @@
                 <a:spcPct val="90000"/>
               </a:lnSpc>
             </a:pPr>
-            <a:endParaRPr lang="en-US" sz="2400" smtClean="0">
+            <a:endParaRPr lang="en-US" sz="2900">
               <a:latin typeface="Gill Sans MT" pitchFamily="34" charset="0"/>
             </a:endParaRPr>
           </a:p>
@@ -1343,7 +1426,7 @@
               <a:buChar char="•"/>
             </a:pPr>
             <a:r>
-              <a:rPr lang="en-US" sz="2400" smtClean="0">
+              <a:rPr lang="en-US" sz="2900">
                 <a:latin typeface="Gill Sans MT" pitchFamily="34" charset="0"/>
               </a:rPr>
               <a:t> Files</a:t>
@@ -1355,7 +1438,7 @@
                 <a:spcPct val="90000"/>
               </a:lnSpc>
             </a:pPr>
-            <a:endParaRPr lang="en-US" sz="2400" smtClean="0">
+            <a:endParaRPr lang="en-US" sz="2900">
               <a:latin typeface="Gill Sans MT" pitchFamily="34" charset="0"/>
             </a:endParaRPr>
           </a:p>
@@ -1368,7 +1451,7 @@
               <a:buChar char="•"/>
             </a:pPr>
             <a:r>
-              <a:rPr lang="en-US" sz="2400" smtClean="0">
+              <a:rPr lang="en-US" sz="2900">
                 <a:latin typeface="Gill Sans MT" pitchFamily="34" charset="0"/>
               </a:rPr>
               <a:t> Providers</a:t>
@@ -1380,7 +1463,7 @@
                 <a:spcPct val="90000"/>
               </a:lnSpc>
             </a:pPr>
-            <a:endParaRPr lang="en-US" sz="2400" smtClean="0">
+            <a:endParaRPr lang="en-US" sz="2900">
               <a:latin typeface="Gill Sans MT" pitchFamily="34" charset="0"/>
             </a:endParaRPr>
           </a:p>
@@ -1393,7 +1476,7 @@
               <a:buChar char="•"/>
             </a:pPr>
             <a:r>
-              <a:rPr lang="en-US" sz="2400" smtClean="0">
+              <a:rPr lang="en-US" sz="2900">
                 <a:latin typeface="Gill Sans MT" pitchFamily="34" charset="0"/>
               </a:rPr>
               <a:t> Libraries</a:t>
@@ -1411,8 +1494,8 @@
         </p:nvSpPr>
         <p:spPr bwMode="auto">
           <a:xfrm flipH="1">
-            <a:off x="2286000" y="1562100"/>
-            <a:ext cx="685800" cy="0"/>
+            <a:off x="2743200" y="1874520"/>
+            <a:ext cx="822960" cy="0"/>
           </a:xfrm>
           <a:prstGeom prst="line">
             <a:avLst/>
@@ -1429,7 +1512,7 @@
           <a:effectLst/>
         </p:spPr>
         <p:txBody>
-          <a:bodyPr/>
+          <a:bodyPr lIns="109728" tIns="54864" rIns="109728" bIns="54864"/>
           <a:lstStyle/>
           <a:p>
             <a:endParaRPr lang="en-US"/>
@@ -1446,8 +1529,8 @@
         </p:nvSpPr>
         <p:spPr bwMode="auto">
           <a:xfrm flipH="1">
-            <a:off x="1828800" y="1562100"/>
-            <a:ext cx="1143000" cy="609600"/>
+            <a:off x="2194560" y="1874520"/>
+            <a:ext cx="1371600" cy="731520"/>
           </a:xfrm>
           <a:prstGeom prst="line">
             <a:avLst/>
@@ -1464,7 +1547,7 @@
           <a:effectLst/>
         </p:spPr>
         <p:txBody>
-          <a:bodyPr/>
+          <a:bodyPr lIns="109728" tIns="54864" rIns="109728" bIns="54864"/>
           <a:lstStyle/>
           <a:p>
             <a:endParaRPr lang="en-US"/>
@@ -1481,8 +1564,8 @@
         </p:nvSpPr>
         <p:spPr bwMode="auto">
           <a:xfrm>
-            <a:off x="2895600" y="1333500"/>
-            <a:ext cx="1670050" cy="366713"/>
+            <a:off x="3474720" y="1600200"/>
+            <a:ext cx="1717501" cy="387798"/>
           </a:xfrm>
           <a:prstGeom prst="rect">
             <a:avLst/>
@@ -1497,7 +1580,7 @@
           <a:effectLst/>
         </p:spPr>
         <p:txBody>
-          <a:bodyPr wrap="none">
+          <a:bodyPr wrap="none" lIns="109728" tIns="54864" rIns="109728" bIns="54864">
             <a:spAutoFit/>
           </a:bodyPr>
           <a:lstStyle/>
@@ -1519,7 +1602,7 @@
         </p:nvSpPr>
         <p:spPr bwMode="auto">
           <a:xfrm>
-            <a:off x="2895600" y="2857500"/>
+            <a:off x="3474720" y="3429000"/>
             <a:ext cx="0" cy="0"/>
           </a:xfrm>
           <a:prstGeom prst="line">
@@ -1537,7 +1620,7 @@
           <a:effectLst/>
         </p:spPr>
         <p:txBody>
-          <a:bodyPr/>
+          <a:bodyPr lIns="109728" tIns="54864" rIns="109728" bIns="54864"/>
           <a:lstStyle/>
           <a:p>
             <a:endParaRPr lang="en-US"/>
@@ -1588,8 +1671,8 @@
         </p:nvSpPr>
         <p:spPr bwMode="auto">
           <a:xfrm>
-            <a:off x="381000" y="228600"/>
-            <a:ext cx="6858000" cy="952500"/>
+            <a:off x="457200" y="274320"/>
+            <a:ext cx="8229600" cy="1143000"/>
           </a:xfrm>
           <a:noFill/>
           <a:ln>
@@ -1599,7 +1682,7 @@
           </a:ln>
         </p:spPr>
         <p:txBody>
-          <a:bodyPr vert="horz" wrap="square" lIns="91440" tIns="45720" rIns="91440" bIns="45720" numCol="1" anchor="t" anchorCtr="0" compatLnSpc="1">
+          <a:bodyPr vert="horz" wrap="square" lIns="109728" tIns="54864" rIns="109728" bIns="54864" numCol="1" anchor="t" anchorCtr="0" compatLnSpc="1">
             <a:prstTxWarp prst="textNoShape">
               <a:avLst/>
             </a:prstTxWarp>
@@ -1628,8 +1711,8 @@
         </p:nvSpPr>
         <p:spPr bwMode="auto">
           <a:xfrm>
-            <a:off x="381000" y="2324100"/>
-            <a:ext cx="6858000" cy="3771900"/>
+            <a:off x="457200" y="2788920"/>
+            <a:ext cx="8229600" cy="4526280"/>
           </a:xfrm>
           <a:prstGeom prst="rect">
             <a:avLst/>
@@ -1642,12 +1725,12 @@
           </a:ln>
         </p:spPr>
         <p:txBody>
-          <a:bodyPr/>
+          <a:bodyPr lIns="109728" tIns="54864" rIns="109728" bIns="54864"/>
           <a:lstStyle/>
           <a:p>
             <a:pPr algn="ctr" eaLnBrk="1" hangingPunct="1"/>
             <a:r>
-              <a:rPr lang="en-US" sz="2400" smtClean="0">
+              <a:rPr lang="en-US" sz="2900">
                 <a:latin typeface="Gill Sans MT" pitchFamily="34" charset="0"/>
               </a:rPr>
               <a:t>http://wiki.opscode.com/display/chef/Resources </a:t>
@@ -1699,8 +1782,8 @@
         </p:nvSpPr>
         <p:spPr bwMode="auto">
           <a:xfrm>
-            <a:off x="381000" y="228600"/>
-            <a:ext cx="6858000" cy="952500"/>
+            <a:off x="457200" y="274320"/>
+            <a:ext cx="8229600" cy="1143000"/>
           </a:xfrm>
           <a:noFill/>
           <a:ln>
@@ -1710,7 +1793,7 @@
           </a:ln>
         </p:spPr>
         <p:txBody>
-          <a:bodyPr vert="horz" wrap="square" lIns="91440" tIns="45720" rIns="91440" bIns="45720" numCol="1" anchor="t" anchorCtr="0" compatLnSpc="1">
+          <a:bodyPr vert="horz" wrap="square" lIns="109728" tIns="54864" rIns="109728" bIns="54864" numCol="1" anchor="t" anchorCtr="0" compatLnSpc="1">
             <a:prstTxWarp prst="textNoShape">
               <a:avLst/>
             </a:prstTxWarp>
@@ -1737,8 +1820,8 @@
         </p:nvSpPr>
         <p:spPr bwMode="auto">
           <a:xfrm>
-            <a:off x="228600" y="1104900"/>
-            <a:ext cx="7239000" cy="3814763"/>
+            <a:off x="274320" y="1325880"/>
+            <a:ext cx="8686800" cy="4688975"/>
           </a:xfrm>
           <a:prstGeom prst="rect">
             <a:avLst/>
@@ -1753,13 +1836,13 @@
           <a:effectLst/>
         </p:spPr>
         <p:txBody>
-          <a:bodyPr>
+          <a:bodyPr lIns="109728" tIns="54864" rIns="109728" bIns="54864">
             <a:spAutoFit/>
           </a:bodyPr>
           <a:lstStyle/>
           <a:p>
             <a:r>
-              <a:rPr lang="en-US" sz="1400">
+              <a:rPr lang="en-US" sz="1700">
                 <a:latin typeface="Consolas" pitchFamily="49" charset="0"/>
               </a:rPr>
               <a:t>{</a:t>
@@ -1767,7 +1850,7 @@
           </a:p>
           <a:p>
             <a:r>
-              <a:rPr lang="en-US" sz="1400">
+              <a:rPr lang="en-US" sz="1700">
                 <a:latin typeface="Consolas" pitchFamily="49" charset="0"/>
               </a:rPr>
               <a:t>    "id": "demo",</a:t>
@@ -1775,7 +1858,7 @@
           </a:p>
           <a:p>
             <a:r>
-              <a:rPr lang="en-US" sz="1400">
+              <a:rPr lang="en-US" sz="1700">
                 <a:latin typeface="Consolas" pitchFamily="49" charset="0"/>
               </a:rPr>
               <a:t>    "server_roles": ["demo_web_app"],</a:t>
@@ -1783,7 +1866,7 @@
           </a:p>
           <a:p>
             <a:r>
-              <a:rPr lang="en-US" sz="1400">
+              <a:rPr lang="en-US" sz="1700">
                 <a:latin typeface="Consolas" pitchFamily="49" charset="0"/>
               </a:rPr>
               <a:t>    "type": { "demo_web_app": ["rails", "passenger_apache2"] },</a:t>
@@ -1791,7 +1874,7 @@
           </a:p>
           <a:p>
             <a:r>
-              <a:rPr lang="en-US" sz="1400">
+              <a:rPr lang="en-US" sz="1700">
                 <a:latin typeface="Consolas" pitchFamily="49" charset="0"/>
               </a:rPr>
               <a:t>    "packages": { "libmysqlclient-dev": "" },</a:t>
@@ -1799,7 +1882,7 @@
           </a:p>
           <a:p>
             <a:r>
-              <a:rPr lang="en-US" sz="1400">
+              <a:rPr lang="en-US" sz="1700">
                 <a:latin typeface="Consolas" pitchFamily="49" charset="0"/>
               </a:rPr>
               <a:t>    "gems": { "rake": "0.8.7", "bundler": "1.0.12", "mysql": "2.8.1" },</a:t>
@@ -1807,7 +1890,7 @@
           </a:p>
           <a:p>
             <a:r>
-              <a:rPr lang="en-US" sz="1400">
+              <a:rPr lang="en-US" sz="1700">
                 <a:latin typeface="Consolas" pitchFamily="49" charset="0"/>
               </a:rPr>
               <a:t>    "deploy_to": "/var/apps/demo",</a:t>
@@ -1815,7 +1898,7 @@
           </a:p>
           <a:p>
             <a:r>
-              <a:rPr lang="en-US" sz="1400">
+              <a:rPr lang="en-US" sz="1700">
                 <a:latin typeface="Consolas" pitchFamily="49" charset="0"/>
               </a:rPr>
               <a:t>    "owner": "demo",</a:t>
@@ -1823,7 +1906,7 @@
           </a:p>
           <a:p>
             <a:r>
-              <a:rPr lang="en-US" sz="1400">
+              <a:rPr lang="en-US" sz="1700">
                 <a:latin typeface="Consolas" pitchFamily="49" charset="0"/>
               </a:rPr>
               <a:t>    "group": "demo",</a:t>
@@ -1831,7 +1914,7 @@
           </a:p>
           <a:p>
             <a:r>
-              <a:rPr lang="en-US" sz="1400">
+              <a:rPr lang="en-US" sz="1700">
                 <a:latin typeface="Consolas" pitchFamily="49" charset="0"/>
               </a:rPr>
               <a:t>    "database_master_role": ["demo_database_master"],</a:t>
@@ -1839,7 +1922,7 @@
           </a:p>
           <a:p>
             <a:r>
-              <a:rPr lang="en-US" sz="1400">
+              <a:rPr lang="en-US" sz="1700">
                 <a:latin typeface="Consolas" pitchFamily="49" charset="0"/>
               </a:rPr>
               <a:t>    … (it’s JSON, yo!) …</a:t>
@@ -1847,7 +1930,7 @@
           </a:p>
           <a:p>
             <a:r>
-              <a:rPr lang="en-US" sz="1400">
+              <a:rPr lang="en-US" sz="1700">
                 <a:latin typeface="Consolas" pitchFamily="49" charset="0"/>
               </a:rPr>
               <a:t>    "revision": { "production": "HEAD" },</a:t>
@@ -1855,7 +1938,7 @@
           </a:p>
           <a:p>
             <a:r>
-              <a:rPr lang="en-US" sz="1400">
+              <a:rPr lang="en-US" sz="1700">
                 <a:latin typeface="Consolas" pitchFamily="49" charset="0"/>
               </a:rPr>
               <a:t>    "repository": "git://github.com/smith/demo-rails-app.git",</a:t>
@@ -1863,7 +1946,7 @@
           </a:p>
           <a:p>
             <a:r>
-              <a:rPr lang="en-US" sz="1400">
+              <a:rPr lang="en-US" sz="1700">
                 <a:latin typeface="Consolas" pitchFamily="49" charset="0"/>
               </a:rPr>
               <a:t>    "force" : { "production": true },</a:t>
@@ -1871,7 +1954,7 @@
           </a:p>
           <a:p>
             <a:r>
-              <a:rPr lang="en-US" sz="1400">
+              <a:rPr lang="en-US" sz="1700">
                 <a:latin typeface="Consolas" pitchFamily="49" charset="0"/>
               </a:rPr>
               <a:t>    "migrate": { "production": true }</a:t>
@@ -1879,7 +1962,7 @@
           </a:p>
           <a:p>
             <a:r>
-              <a:rPr lang="en-US" sz="1400">
+              <a:rPr lang="en-US" sz="1700">
                 <a:latin typeface="Consolas" pitchFamily="49" charset="0"/>
               </a:rPr>
               <a:t>}</a:t>
@@ -1891,7 +1974,7 @@
                 <a:spcPct val="50000"/>
               </a:spcBef>
             </a:pPr>
-            <a:endParaRPr lang="en-US" sz="1400">
+            <a:endParaRPr lang="en-US" sz="1700">
               <a:latin typeface="Consolas" pitchFamily="49" charset="0"/>
             </a:endParaRPr>
           </a:p>
@@ -1941,8 +2024,8 @@
         </p:nvSpPr>
         <p:spPr bwMode="auto">
           <a:xfrm>
-            <a:off x="381000" y="228600"/>
-            <a:ext cx="6858000" cy="952500"/>
+            <a:off x="457200" y="274320"/>
+            <a:ext cx="8229600" cy="1143000"/>
           </a:xfrm>
           <a:noFill/>
           <a:ln>
@@ -1952,7 +2035,7 @@
           </a:ln>
         </p:spPr>
         <p:txBody>
-          <a:bodyPr vert="horz" wrap="square" lIns="91440" tIns="45720" rIns="91440" bIns="45720" numCol="1" anchor="t" anchorCtr="0" compatLnSpc="1">
+          <a:bodyPr vert="horz" wrap="square" lIns="109728" tIns="54864" rIns="109728" bIns="54864" numCol="1" anchor="t" anchorCtr="0" compatLnSpc="1">
             <a:prstTxWarp prst="textNoShape">
               <a:avLst/>
             </a:prstTxWarp>
@@ -1961,7 +2044,7 @@
           <a:p>
             <a:pPr eaLnBrk="1" hangingPunct="1"/>
             <a:r>
-              <a:rPr lang="en-US" sz="4400" smtClean="0">
+              <a:rPr lang="en-US" sz="5300">
                 <a:latin typeface="Gill Sans MT" pitchFamily="34" charset="0"/>
               </a:rPr>
               <a:t>Application &amp; Database Cookbooks</a:t>
@@ -1979,8 +2062,8 @@
         </p:nvSpPr>
         <p:spPr bwMode="auto">
           <a:xfrm>
-            <a:off x="1752600" y="2933700"/>
-            <a:ext cx="4024313" cy="457200"/>
+            <a:off x="2103120" y="3520440"/>
+            <a:ext cx="4902994" cy="557076"/>
           </a:xfrm>
           <a:prstGeom prst="rect">
             <a:avLst/>
@@ -1995,13 +2078,13 @@
           <a:effectLst/>
         </p:spPr>
         <p:txBody>
-          <a:bodyPr wrap="none">
+          <a:bodyPr wrap="none" lIns="109728" tIns="54864" rIns="109728" bIns="54864">
             <a:spAutoFit/>
           </a:bodyPr>
           <a:lstStyle/>
           <a:p>
             <a:r>
-              <a:rPr lang="en-US" sz="2400"/>
+              <a:rPr lang="en-US" sz="2900"/>
               <a:t>Data Bags + Recipes = Deploy!</a:t>
             </a:r>
           </a:p>
@@ -2051,8 +2134,8 @@
         </p:nvSpPr>
         <p:spPr bwMode="auto">
           <a:xfrm>
-            <a:off x="381000" y="228600"/>
-            <a:ext cx="6858000" cy="952500"/>
+            <a:off x="457200" y="274320"/>
+            <a:ext cx="8229600" cy="1143000"/>
           </a:xfrm>
           <a:noFill/>
           <a:ln>
@@ -2062,7 +2145,7 @@
           </a:ln>
         </p:spPr>
         <p:txBody>
-          <a:bodyPr vert="horz" wrap="square" lIns="91440" tIns="45720" rIns="91440" bIns="45720" numCol="1" anchor="t" anchorCtr="0" compatLnSpc="1">
+          <a:bodyPr vert="horz" wrap="square" lIns="109728" tIns="54864" rIns="109728" bIns="54864" numCol="1" anchor="t" anchorCtr="0" compatLnSpc="1">
             <a:prstTxWarp prst="textNoShape">
               <a:avLst/>
             </a:prstTxWarp>
@@ -2096,8 +2179,8 @@
         </p:blipFill>
         <p:spPr bwMode="auto">
           <a:xfrm>
-            <a:off x="2438400" y="1409700"/>
-            <a:ext cx="4762500" cy="3581400"/>
+            <a:off x="2926080" y="1691640"/>
+            <a:ext cx="5715000" cy="4297680"/>
           </a:xfrm>
           <a:prstGeom prst="rect">
             <a:avLst/>
@@ -2149,8 +2232,8 @@
         </p:nvSpPr>
         <p:spPr bwMode="auto">
           <a:xfrm>
-            <a:off x="381000" y="228600"/>
-            <a:ext cx="6858000" cy="952500"/>
+            <a:off x="457200" y="274320"/>
+            <a:ext cx="8229600" cy="1143000"/>
           </a:xfrm>
           <a:noFill/>
           <a:ln>
@@ -2160,7 +2243,7 @@
           </a:ln>
         </p:spPr>
         <p:txBody>
-          <a:bodyPr vert="horz" wrap="square" lIns="91440" tIns="45720" rIns="91440" bIns="45720" numCol="1" anchor="t" anchorCtr="0" compatLnSpc="1">
+          <a:bodyPr vert="horz" wrap="square" lIns="109728" tIns="54864" rIns="109728" bIns="54864" numCol="1" anchor="t" anchorCtr="0" compatLnSpc="1">
             <a:prstTxWarp prst="textNoShape">
               <a:avLst/>
             </a:prstTxWarp>
@@ -2189,8 +2272,8 @@
         </p:nvSpPr>
         <p:spPr bwMode="auto">
           <a:xfrm>
-            <a:off x="381000" y="1333500"/>
-            <a:ext cx="6858000" cy="3771900"/>
+            <a:off x="457200" y="1600200"/>
+            <a:ext cx="8229600" cy="4526280"/>
           </a:xfrm>
           <a:prstGeom prst="rect">
             <a:avLst/>
@@ -2203,20 +2286,20 @@
           </a:ln>
         </p:spPr>
         <p:txBody>
-          <a:bodyPr/>
+          <a:bodyPr lIns="109728" tIns="54864" rIns="109728" bIns="54864"/>
           <a:lstStyle/>
           <a:p>
             <a:pPr eaLnBrk="1" hangingPunct="1">
               <a:buFontTx/>
               <a:buChar char="•"/>
             </a:pPr>
-            <a:endParaRPr lang="en-US" sz="2400" smtClean="0">
+            <a:endParaRPr lang="en-US" sz="2900">
               <a:latin typeface="Gill Sans MT" pitchFamily="34" charset="0"/>
             </a:endParaRPr>
           </a:p>
           <a:p>
             <a:pPr eaLnBrk="1" hangingPunct="1"/>
-            <a:endParaRPr lang="en-US" sz="2400" smtClean="0">
+            <a:endParaRPr lang="en-US" sz="2900">
               <a:latin typeface="Gill Sans MT" pitchFamily="34" charset="0"/>
             </a:endParaRPr>
           </a:p>
@@ -2226,7 +2309,7 @@
               <a:buChar char="•"/>
             </a:pPr>
             <a:r>
-              <a:rPr lang="en-US" sz="2400" smtClean="0">
+              <a:rPr lang="en-US" sz="2900">
                 <a:latin typeface="Gill Sans MT" pitchFamily="34" charset="0"/>
               </a:rPr>
               <a:t> Time investment</a:t>
@@ -2234,7 +2317,7 @@
           </a:p>
           <a:p>
             <a:pPr eaLnBrk="1" hangingPunct="1"/>
-            <a:endParaRPr lang="en-US" sz="2400" smtClean="0">
+            <a:endParaRPr lang="en-US" sz="2900">
               <a:latin typeface="Gill Sans MT" pitchFamily="34" charset="0"/>
             </a:endParaRPr>
           </a:p>
@@ -2244,7 +2327,7 @@
               <a:buChar char="•"/>
             </a:pPr>
             <a:r>
-              <a:rPr lang="en-US" sz="2400" smtClean="0">
+              <a:rPr lang="en-US" sz="2900">
                 <a:latin typeface="Gill Sans MT" pitchFamily="34" charset="0"/>
               </a:rPr>
               <a:t> Testing</a:t>
@@ -2252,7 +2335,7 @@
           </a:p>
           <a:p>
             <a:pPr eaLnBrk="1" hangingPunct="1"/>
-            <a:endParaRPr lang="en-US" sz="2400" smtClean="0">
+            <a:endParaRPr lang="en-US" sz="2900">
               <a:latin typeface="Gill Sans MT" pitchFamily="34" charset="0"/>
             </a:endParaRPr>
           </a:p>
@@ -2262,19 +2345,19 @@
               <a:buChar char="•"/>
             </a:pPr>
             <a:r>
-              <a:rPr lang="en-US" sz="2400" smtClean="0">
+              <a:rPr lang="en-US" sz="2900">
                 <a:latin typeface="Gill Sans MT" pitchFamily="34" charset="0"/>
               </a:rPr>
               <a:t> You’re going to need a </a:t>
             </a:r>
             <a:r>
-              <a:rPr lang="en-US" sz="2400" i="1" smtClean="0">
+              <a:rPr lang="en-US" sz="2900" i="1">
                 <a:latin typeface="Gill Sans MT" pitchFamily="34" charset="0"/>
               </a:rPr>
               <a:t>sous</a:t>
             </a:r>
             <a:r>
-              <a:rPr lang="en-US" sz="2400" smtClean="0">
+              <a:rPr lang="en-US" sz="2900">
                 <a:latin typeface="Gill Sans MT" pitchFamily="34" charset="0"/>
               </a:rPr>
               <a:t> chef</a:t>
@@ -2282,7 +2365,7 @@
           </a:p>
           <a:p>
             <a:pPr eaLnBrk="1" hangingPunct="1"/>
-            <a:endParaRPr lang="en-US" sz="2400" smtClean="0">
+            <a:endParaRPr lang="en-US" sz="2900">
               <a:latin typeface="Gill Sans MT" pitchFamily="34" charset="0"/>
             </a:endParaRPr>
           </a:p>
@@ -2292,13 +2375,13 @@
               <a:buChar char="•"/>
             </a:pPr>
             <a:r>
-              <a:rPr lang="en-US" sz="2400" smtClean="0">
+              <a:rPr lang="en-US" sz="2900">
                 <a:latin typeface="Gill Sans MT" pitchFamily="34" charset="0"/>
               </a:rPr>
               <a:t> Opscode not cheap </a:t>
             </a:r>
             <a:r>
-              <a:rPr lang="en-US" sz="1800" smtClean="0">
+              <a:rPr lang="en-US" sz="2200">
                 <a:latin typeface="Gill Sans MT" pitchFamily="34" charset="0"/>
               </a:rPr>
               <a:t>(http://www.opscode.com/pricing/)</a:t>
@@ -2309,7 +2392,7 @@
               <a:buFontTx/>
               <a:buChar char="•"/>
             </a:pPr>
-            <a:endParaRPr lang="en-US" sz="1800" smtClean="0">
+            <a:endParaRPr lang="en-US" sz="2200">
               <a:latin typeface="Gill Sans MT" pitchFamily="34" charset="0"/>
             </a:endParaRPr>
           </a:p>
@@ -2359,8 +2442,8 @@
         </p:nvSpPr>
         <p:spPr bwMode="auto">
           <a:xfrm>
-            <a:off x="381000" y="228600"/>
-            <a:ext cx="6858000" cy="952500"/>
+            <a:off x="457200" y="274320"/>
+            <a:ext cx="8229600" cy="1143000"/>
           </a:xfrm>
           <a:noFill/>
           <a:ln>
@@ -2370,7 +2453,7 @@
           </a:ln>
         </p:spPr>
         <p:txBody>
-          <a:bodyPr vert="horz" wrap="square" lIns="91440" tIns="45720" rIns="91440" bIns="45720" numCol="1" anchor="t" anchorCtr="0" compatLnSpc="1">
+          <a:bodyPr vert="horz" wrap="square" lIns="109728" tIns="54864" rIns="109728" bIns="54864" numCol="1" anchor="t" anchorCtr="0" compatLnSpc="1">
             <a:prstTxWarp prst="textNoShape">
               <a:avLst/>
             </a:prstTxWarp>
@@ -2399,8 +2482,8 @@
         </p:nvSpPr>
         <p:spPr bwMode="auto">
           <a:xfrm>
-            <a:off x="152400" y="1333500"/>
-            <a:ext cx="7467600" cy="3771900"/>
+            <a:off x="182880" y="1600200"/>
+            <a:ext cx="8961120" cy="4526280"/>
           </a:xfrm>
           <a:prstGeom prst="rect">
             <a:avLst/>
@@ -2413,7 +2496,7 @@
           </a:ln>
         </p:spPr>
         <p:txBody>
-          <a:bodyPr/>
+          <a:bodyPr lIns="109728" tIns="54864" rIns="109728" bIns="54864"/>
           <a:lstStyle/>
           <a:p>
             <a:pPr>
@@ -2421,20 +2504,20 @@
               <a:buChar char="•"/>
             </a:pPr>
             <a:r>
-              <a:rPr lang="en-US" sz="2800" smtClean="0">
+              <a:rPr lang="en-US" sz="3400">
                 <a:latin typeface="Arial" charset="0"/>
               </a:rPr>
               <a:t> </a:t>
             </a:r>
             <a:r>
-              <a:rPr lang="en-US" sz="2400" smtClean="0">
+              <a:rPr lang="en-US" sz="2900">
                 <a:latin typeface="Gill Sans MT" pitchFamily="34" charset="0"/>
               </a:rPr>
               <a:t>Chef Wiki: http://wiki.opscode.com/display/chef/Home</a:t>
             </a:r>
           </a:p>
           <a:p>
-            <a:endParaRPr lang="en-US" sz="2400" smtClean="0">
+            <a:endParaRPr lang="en-US" sz="2900">
               <a:latin typeface="Gill Sans MT" pitchFamily="34" charset="0"/>
             </a:endParaRPr>
           </a:p>
@@ -2444,7 +2527,7 @@
               <a:buChar char="•"/>
             </a:pPr>
             <a:r>
-              <a:rPr lang="en-US" sz="2400" smtClean="0">
+              <a:rPr lang="en-US" sz="2900">
                 <a:latin typeface="Gill Sans MT" pitchFamily="34" charset="0"/>
               </a:rPr>
               <a:t> Manage: https://manage.opscode.com/</a:t>
@@ -2455,7 +2538,7 @@
               <a:buFontTx/>
               <a:buChar char="•"/>
             </a:pPr>
-            <a:endParaRPr lang="en-US" sz="2400" smtClean="0">
+            <a:endParaRPr lang="en-US" sz="2900">
               <a:latin typeface="Gill Sans MT" pitchFamily="34" charset="0"/>
             </a:endParaRPr>
           </a:p>
@@ -2465,7 +2548,7 @@
               <a:buChar char="•"/>
             </a:pPr>
             <a:r>
-              <a:rPr lang="en-US" sz="2400" smtClean="0">
+              <a:rPr lang="en-US" sz="2900">
                 <a:latin typeface="Gill Sans MT" pitchFamily="34" charset="0"/>
               </a:rPr>
               <a:t> Cookbooks: http://community.opscode.com/cookbooks</a:t>
@@ -2476,7 +2559,7 @@
               <a:buFontTx/>
               <a:buChar char="•"/>
             </a:pPr>
-            <a:endParaRPr lang="en-US" sz="2400" smtClean="0">
+            <a:endParaRPr lang="en-US" sz="2900">
               <a:latin typeface="Gill Sans MT" pitchFamily="34" charset="0"/>
             </a:endParaRPr>
           </a:p>
@@ -2486,14 +2569,14 @@
               <a:buChar char="•"/>
             </a:pPr>
             <a:r>
-              <a:rPr lang="en-US" sz="2400" smtClean="0">
+              <a:rPr lang="en-US" sz="2900">
                 <a:latin typeface="Gill Sans MT" pitchFamily="34" charset="0"/>
               </a:rPr>
               <a:t> GitHub: http://github.com/opscode</a:t>
             </a:r>
           </a:p>
           <a:p>
-            <a:endParaRPr lang="en-US" sz="2400" smtClean="0">
+            <a:endParaRPr lang="en-US" sz="2900">
               <a:latin typeface="Gill Sans MT" pitchFamily="34" charset="0"/>
             </a:endParaRPr>
           </a:p>
@@ -2503,7 +2586,7 @@
               <a:buChar char="•"/>
             </a:pPr>
             <a:r>
-              <a:rPr lang="en-US" sz="2400" smtClean="0">
+              <a:rPr lang="en-US" sz="2900">
                 <a:latin typeface="Gill Sans MT" pitchFamily="34" charset="0"/>
               </a:rPr>
               <a:t> Twitter: @opscode</a:t>
@@ -2561,7 +2644,7 @@
         <p:spPr bwMode="auto">
           <a:xfrm>
             <a:off x="0" y="0"/>
-            <a:ext cx="7620000" cy="5715000"/>
+            <a:ext cx="9144000" cy="6858000"/>
           </a:xfrm>
           <a:prstGeom prst="rect">
             <a:avLst/>
@@ -2581,8 +2664,8 @@
         </p:nvSpPr>
         <p:spPr bwMode="auto">
           <a:xfrm>
-            <a:off x="381000" y="952500"/>
-            <a:ext cx="3505200" cy="3771900"/>
+            <a:off x="457200" y="1143000"/>
+            <a:ext cx="4206240" cy="4526280"/>
           </a:xfrm>
           <a:prstGeom prst="rect">
             <a:avLst/>
@@ -2595,11 +2678,11 @@
           </a:ln>
         </p:spPr>
         <p:txBody>
-          <a:bodyPr/>
-          <a:lstStyle/>
-          <a:p>
-            <a:r>
-              <a:rPr lang="en-US" sz="2400" smtClean="0">
+          <a:bodyPr lIns="109728" tIns="54864" rIns="109728" bIns="54864"/>
+          <a:lstStyle/>
+          <a:p>
+            <a:r>
+              <a:rPr lang="en-US" sz="2900">
                 <a:latin typeface="Gill Sans MT" pitchFamily="34" charset="0"/>
               </a:rPr>
               <a:t>“I have a very assertive way. It’s wake up, move your ass, or piss off home.” </a:t>
@@ -2651,8 +2734,8 @@
         </p:nvSpPr>
         <p:spPr bwMode="auto">
           <a:xfrm>
-            <a:off x="457200" y="876300"/>
-            <a:ext cx="6667500" cy="952500"/>
+            <a:off x="548640" y="1051560"/>
+            <a:ext cx="8001000" cy="1143000"/>
           </a:xfrm>
           <a:prstGeom prst="rect">
             <a:avLst/>
@@ -2665,7 +2748,7 @@
           </a:ln>
         </p:spPr>
         <p:txBody>
-          <a:bodyPr/>
+          <a:bodyPr lIns="109728" tIns="54864" rIns="109728" bIns="54864"/>
           <a:lstStyle/>
           <a:p>
             <a:pPr eaLnBrk="1" hangingPunct="1"/>
@@ -2690,8 +2773,8 @@
         </p:nvSpPr>
         <p:spPr bwMode="auto">
           <a:xfrm>
-            <a:off x="838200" y="2476500"/>
-            <a:ext cx="5905500" cy="1428750"/>
+            <a:off x="1005840" y="2971800"/>
+            <a:ext cx="7086600" cy="1714500"/>
           </a:xfrm>
           <a:prstGeom prst="rect">
             <a:avLst/>
@@ -2704,62 +2787,56 @@
           </a:ln>
         </p:spPr>
         <p:txBody>
-          <a:bodyPr/>
+          <a:bodyPr lIns="109728" tIns="54864" rIns="109728" bIns="54864"/>
           <a:lstStyle/>
           <a:p>
             <a:pPr algn="ctr" eaLnBrk="1" hangingPunct="1"/>
             <a:r>
-              <a:rPr lang="en-US" sz="2400" dirty="0" smtClean="0">
-                <a:latin typeface="Gill Sans MT" pitchFamily="34" charset="0"/>
-              </a:rPr>
-              <a:t>Questions</a:t>
-            </a:r>
-            <a:r>
-              <a:rPr lang="en-US" sz="2400" dirty="0" smtClean="0">
-                <a:latin typeface="Gill Sans MT" pitchFamily="34" charset="0"/>
-              </a:rPr>
-              <a:t>?</a:t>
+              <a:rPr lang="en-US" sz="2900" dirty="0">
+                <a:latin typeface="Gill Sans MT" pitchFamily="34" charset="0"/>
+              </a:rPr>
+              <a:t>Questions?</a:t>
             </a:r>
           </a:p>
           <a:p>
             <a:pPr algn="ctr" eaLnBrk="1" hangingPunct="1"/>
-            <a:endParaRPr lang="en-US" sz="2400" dirty="0">
+            <a:endParaRPr lang="en-US" sz="2900" dirty="0">
               <a:latin typeface="Gill Sans MT" pitchFamily="34" charset="0"/>
             </a:endParaRPr>
           </a:p>
           <a:p>
             <a:pPr algn="ctr" eaLnBrk="1" hangingPunct="1"/>
-            <a:endParaRPr lang="en-US" sz="2400" dirty="0" smtClean="0">
+            <a:endParaRPr lang="en-US" sz="2900" dirty="0">
               <a:latin typeface="Gill Sans MT" pitchFamily="34" charset="0"/>
             </a:endParaRPr>
           </a:p>
           <a:p>
             <a:pPr algn="ctr" eaLnBrk="1" hangingPunct="1"/>
-            <a:endParaRPr lang="en-US" sz="2400" dirty="0" smtClean="0">
+            <a:endParaRPr lang="en-US" sz="2900" dirty="0">
               <a:latin typeface="Gill Sans MT" pitchFamily="34" charset="0"/>
             </a:endParaRPr>
           </a:p>
           <a:p>
             <a:pPr algn="ctr" eaLnBrk="1" hangingPunct="1"/>
-            <a:endParaRPr lang="en-US" sz="2400" dirty="0">
+            <a:endParaRPr lang="en-US" sz="2900" dirty="0">
               <a:latin typeface="Gill Sans MT" pitchFamily="34" charset="0"/>
             </a:endParaRPr>
           </a:p>
           <a:p>
             <a:pPr algn="ctr" eaLnBrk="1" hangingPunct="1"/>
             <a:r>
-              <a:rPr lang="en-US" sz="2400" dirty="0" smtClean="0">
+              <a:rPr lang="en-US" sz="2900" dirty="0">
                 <a:latin typeface="Gill Sans MT" pitchFamily="34" charset="0"/>
               </a:rPr>
               <a:t>Rate </a:t>
             </a:r>
             <a:r>
-              <a:rPr lang="en-US" sz="2400" dirty="0">
+              <a:rPr lang="en-US" sz="2900" dirty="0">
                 <a:latin typeface="Gill Sans MT" pitchFamily="34" charset="0"/>
               </a:rPr>
               <a:t>this: http://spkr8.com/t/7359</a:t>
             </a:r>
-            <a:endParaRPr lang="en-US" sz="2400" dirty="0" smtClean="0">
+            <a:endParaRPr lang="en-US" sz="2900" dirty="0">
               <a:latin typeface="Gill Sans MT" pitchFamily="34" charset="0"/>
             </a:endParaRPr>
           </a:p>
@@ -2816,7 +2893,7 @@
           </a:ln>
         </p:spPr>
         <p:txBody>
-          <a:bodyPr vert="horz" wrap="square" lIns="91440" tIns="45720" rIns="91440" bIns="45720" numCol="1" anchor="t" anchorCtr="0" compatLnSpc="1">
+          <a:bodyPr vert="horz" wrap="square" lIns="109728" tIns="54864" rIns="109728" bIns="54864" numCol="1" anchor="t" anchorCtr="0" compatLnSpc="1">
             <a:prstTxWarp prst="textNoShape">
               <a:avLst/>
             </a:prstTxWarp>
@@ -2845,8 +2922,8 @@
         </p:nvSpPr>
         <p:spPr bwMode="auto">
           <a:xfrm>
-            <a:off x="228600" y="1104900"/>
-            <a:ext cx="7143750" cy="4381500"/>
+            <a:off x="274320" y="1325880"/>
+            <a:ext cx="8572500" cy="5257800"/>
           </a:xfrm>
           <a:noFill/>
           <a:ln>
@@ -2856,7 +2933,7 @@
           </a:ln>
         </p:spPr>
         <p:txBody>
-          <a:bodyPr vert="horz" wrap="square" lIns="91440" tIns="45720" rIns="91440" bIns="45720" numCol="1" anchor="t" anchorCtr="0" compatLnSpc="1">
+          <a:bodyPr vert="horz" wrap="square" lIns="109728" tIns="54864" rIns="109728" bIns="54864" numCol="1" anchor="t" anchorCtr="0" compatLnSpc="1">
             <a:prstTxWarp prst="textNoShape">
               <a:avLst/>
             </a:prstTxWarp>
@@ -2883,7 +2960,7 @@
               <a:buChar char="•"/>
             </a:pPr>
             <a:r>
-              <a:rPr lang="en-US" sz="2400" smtClean="0">
+              <a:rPr lang="en-US" sz="2900">
                 <a:solidFill>
                   <a:schemeClr val="tx1"/>
                 </a:solidFill>
@@ -2894,7 +2971,7 @@
           </a:p>
           <a:p>
             <a:pPr eaLnBrk="1" hangingPunct="1"/>
-            <a:endParaRPr lang="en-US" sz="2400" smtClean="0">
+            <a:endParaRPr lang="en-US" sz="2900">
               <a:solidFill>
                 <a:schemeClr val="tx1"/>
               </a:solidFill>
@@ -2907,7 +2984,7 @@
               <a:buChar char="•"/>
             </a:pPr>
             <a:r>
-              <a:rPr lang="en-US" sz="2400" smtClean="0">
+              <a:rPr lang="en-US" sz="2900">
                 <a:solidFill>
                   <a:schemeClr val="tx1"/>
                 </a:solidFill>
@@ -2918,7 +2995,7 @@
           </a:p>
           <a:p>
             <a:pPr eaLnBrk="1" hangingPunct="1"/>
-            <a:endParaRPr lang="en-US" sz="2400" smtClean="0">
+            <a:endParaRPr lang="en-US" sz="2900">
               <a:solidFill>
                 <a:schemeClr val="tx1"/>
               </a:solidFill>
@@ -2931,7 +3008,7 @@
               <a:buChar char="•"/>
             </a:pPr>
             <a:r>
-              <a:rPr lang="en-US" sz="2400" smtClean="0">
+              <a:rPr lang="en-US" sz="2900">
                 <a:latin typeface="Gill Sans MT" pitchFamily="34" charset="0"/>
               </a:rPr>
               <a:t> @nlsmith</a:t>
@@ -2949,8 +3026,8 @@
         </p:nvSpPr>
         <p:spPr bwMode="auto">
           <a:xfrm>
-            <a:off x="5969000" y="1933575"/>
-            <a:ext cx="304800" cy="304800"/>
+            <a:off x="7162800" y="2320290"/>
+            <a:ext cx="365760" cy="365760"/>
           </a:xfrm>
           <a:prstGeom prst="rect">
             <a:avLst/>
@@ -2964,7 +3041,7 @@
           </a:ln>
         </p:spPr>
         <p:txBody>
-          <a:bodyPr/>
+          <a:bodyPr lIns="109728" tIns="54864" rIns="109728" bIns="54864"/>
           <a:lstStyle/>
           <a:p>
             <a:endParaRPr lang="en-US"/>
@@ -2988,8 +3065,8 @@
         </p:blipFill>
         <p:spPr bwMode="auto">
           <a:xfrm>
-            <a:off x="5334000" y="4686300"/>
-            <a:ext cx="1971675" cy="571500"/>
+            <a:off x="6400801" y="5623560"/>
+            <a:ext cx="2366010" cy="685800"/>
           </a:xfrm>
           <a:prstGeom prst="rect">
             <a:avLst/>
@@ -3037,7 +3114,7 @@
       </p:grpSpPr>
       <p:sp>
         <p:nvSpPr>
-          <p:cNvPr id="8193" name="Shape 23"/>
+          <p:cNvPr id="11265" name="Shape 18"/>
           <p:cNvSpPr>
             <a:spLocks noGrp="1"/>
           </p:cNvSpPr>
@@ -3047,8 +3124,8 @@
         </p:nvSpPr>
         <p:spPr bwMode="auto">
           <a:xfrm>
-            <a:off x="238125" y="171450"/>
-            <a:ext cx="7143750" cy="762000"/>
+            <a:off x="285750" y="205740"/>
+            <a:ext cx="8572500" cy="914400"/>
           </a:xfrm>
           <a:noFill/>
           <a:ln>
@@ -3058,7 +3135,7 @@
           </a:ln>
         </p:spPr>
         <p:txBody>
-          <a:bodyPr vert="horz" wrap="square" lIns="91440" tIns="45720" rIns="91440" bIns="45720" numCol="1" anchor="t" anchorCtr="0" compatLnSpc="1">
+          <a:bodyPr vert="horz" wrap="square" lIns="109728" tIns="54864" rIns="109728" bIns="54864" numCol="1" anchor="t" anchorCtr="0" compatLnSpc="1">
             <a:prstTxWarp prst="textNoShape">
               <a:avLst/>
             </a:prstTxWarp>
@@ -3070,70 +3147,661 @@
               <a:rPr lang="en-US" smtClean="0">
                 <a:latin typeface="Gill Sans MT" pitchFamily="34" charset="0"/>
               </a:rPr>
-              <a:t>Chef</a:t>
-            </a:r>
-          </a:p>
-        </p:txBody>
-      </p:sp>
-      <p:sp>
-        <p:nvSpPr>
-          <p:cNvPr id="8194" name="Shape 24"/>
+              <a:t>Demo Application</a:t>
+            </a:r>
+          </a:p>
+        </p:txBody>
+      </p:sp>
+      <p:sp>
+        <p:nvSpPr>
+          <p:cNvPr id="11266" name="AutoShape 6"/>
           <p:cNvSpPr>
-            <a:spLocks noGrp="1"/>
-          </p:cNvSpPr>
-          <p:nvPr>
-            <p:ph type="body" idx="2"/>
-          </p:nvPr>
-        </p:nvSpPr>
-        <p:spPr bwMode="auto">
-          <a:noFill/>
-          <a:ln>
+            <a:spLocks noChangeArrowheads="1"/>
+          </p:cNvSpPr>
+          <p:nvPr/>
+        </p:nvSpPr>
+        <p:spPr bwMode="auto">
+          <a:xfrm>
+            <a:off x="-1188720" y="685800"/>
+            <a:ext cx="11064240" cy="7538086"/>
+          </a:xfrm>
+          <a:prstGeom prst="cloudCallout">
+            <a:avLst>
+              <a:gd name="adj1" fmla="val -36208"/>
+              <a:gd name="adj2" fmla="val 49343"/>
+            </a:avLst>
+          </a:prstGeom>
+          <a:noFill/>
+          <a:ln w="9525">
+            <a:solidFill>
+              <a:schemeClr val="tx1"/>
+            </a:solidFill>
+            <a:round/>
+            <a:headEnd/>
+            <a:tailEnd/>
+          </a:ln>
+        </p:spPr>
+        <p:txBody>
+          <a:bodyPr lIns="109728" tIns="54864" rIns="109728" bIns="54864"/>
+          <a:lstStyle/>
+          <a:p>
+            <a:pPr algn="ctr"/>
+            <a:endParaRPr lang="en-US"/>
+          </a:p>
+        </p:txBody>
+      </p:sp>
+      <p:sp>
+        <p:nvSpPr>
+          <p:cNvPr id="11267" name="AutoShape 10"/>
+          <p:cNvSpPr>
+            <a:spLocks noChangeArrowheads="1"/>
+          </p:cNvSpPr>
+          <p:nvPr/>
+        </p:nvSpPr>
+        <p:spPr bwMode="auto">
+          <a:xfrm>
+            <a:off x="2103120" y="4160520"/>
+            <a:ext cx="2011680" cy="2560320"/>
+          </a:xfrm>
+          <a:prstGeom prst="can">
+            <a:avLst>
+              <a:gd name="adj" fmla="val 31818"/>
+            </a:avLst>
+          </a:prstGeom>
+          <a:noFill/>
+          <a:ln w="9525">
+            <a:solidFill>
+              <a:schemeClr val="tx1"/>
+            </a:solidFill>
+            <a:round/>
+            <a:headEnd/>
+            <a:tailEnd/>
+          </a:ln>
+        </p:spPr>
+        <p:txBody>
+          <a:bodyPr wrap="none" lIns="109728" tIns="54864" rIns="109728" bIns="54864" anchor="ctr"/>
+          <a:lstStyle/>
+          <a:p>
+            <a:endParaRPr lang="en-US"/>
+          </a:p>
+        </p:txBody>
+      </p:sp>
+      <p:sp>
+        <p:nvSpPr>
+          <p:cNvPr id="11268" name="AutoShape 11"/>
+          <p:cNvSpPr>
+            <a:spLocks noChangeArrowheads="1"/>
+          </p:cNvSpPr>
+          <p:nvPr/>
+        </p:nvSpPr>
+        <p:spPr bwMode="auto">
+          <a:xfrm>
+            <a:off x="5394960" y="4160520"/>
+            <a:ext cx="2011680" cy="2560320"/>
+          </a:xfrm>
+          <a:prstGeom prst="can">
+            <a:avLst>
+              <a:gd name="adj" fmla="val 31818"/>
+            </a:avLst>
+          </a:prstGeom>
+          <a:noFill/>
+          <a:ln w="9525">
+            <a:solidFill>
+              <a:schemeClr val="tx1"/>
+            </a:solidFill>
+            <a:round/>
+            <a:headEnd/>
+            <a:tailEnd/>
+          </a:ln>
+        </p:spPr>
+        <p:txBody>
+          <a:bodyPr wrap="none" lIns="109728" tIns="54864" rIns="109728" bIns="54864" anchor="ctr"/>
+          <a:lstStyle/>
+          <a:p>
+            <a:endParaRPr lang="en-US"/>
+          </a:p>
+        </p:txBody>
+      </p:sp>
+      <p:pic>
+        <p:nvPicPr>
+          <p:cNvPr id="11269" name="Picture 13" descr="logo-mysql-110x57"/>
+          <p:cNvPicPr>
+            <a:picLocks noChangeAspect="1" noChangeArrowheads="1"/>
+          </p:cNvPicPr>
+          <p:nvPr/>
+        </p:nvPicPr>
+        <p:blipFill>
+          <a:blip r:embed="rId3"/>
+          <a:srcRect/>
+          <a:stretch>
+            <a:fillRect/>
+          </a:stretch>
+        </p:blipFill>
+        <p:spPr bwMode="auto">
+          <a:xfrm>
+            <a:off x="2468880" y="5715001"/>
+            <a:ext cx="1257300" cy="651510"/>
+          </a:xfrm>
+          <a:prstGeom prst="rect">
+            <a:avLst/>
+          </a:prstGeom>
+          <a:noFill/>
+          <a:ln w="9525">
+            <a:noFill/>
             <a:miter lim="800000"/>
             <a:headEnd/>
             <a:tailEnd/>
           </a:ln>
         </p:spPr>
-        <p:txBody>
-          <a:bodyPr vert="horz" wrap="square" lIns="91440" tIns="45720" rIns="91440" bIns="45720" numCol="1" anchor="t" anchorCtr="0" compatLnSpc="1">
-            <a:prstTxWarp prst="textNoShape">
-              <a:avLst/>
-            </a:prstTxWarp>
+      </p:pic>
+      <p:pic>
+        <p:nvPicPr>
+          <p:cNvPr id="11270" name="Picture 15" descr="memcached-logo-200x152"/>
+          <p:cNvPicPr>
+            <a:picLocks noChangeAspect="1" noChangeArrowheads="1"/>
+          </p:cNvPicPr>
+          <p:nvPr/>
+        </p:nvPicPr>
+        <p:blipFill>
+          <a:blip r:embed="rId4"/>
+          <a:srcRect/>
+          <a:stretch>
+            <a:fillRect/>
+          </a:stretch>
+        </p:blipFill>
+        <p:spPr bwMode="auto">
+          <a:xfrm>
+            <a:off x="5852160" y="5623561"/>
+            <a:ext cx="1097280" cy="834390"/>
+          </a:xfrm>
+          <a:prstGeom prst="rect">
+            <a:avLst/>
+          </a:prstGeom>
+          <a:noFill/>
+          <a:ln w="9525">
+            <a:noFill/>
+            <a:miter lim="800000"/>
+            <a:headEnd/>
+            <a:tailEnd/>
+          </a:ln>
+        </p:spPr>
+      </p:pic>
+      <p:sp>
+        <p:nvSpPr>
+          <p:cNvPr id="11271" name="Text Box 16"/>
+          <p:cNvSpPr txBox="1">
+            <a:spLocks noChangeArrowheads="1"/>
+          </p:cNvSpPr>
+          <p:nvPr/>
+        </p:nvSpPr>
+        <p:spPr bwMode="auto">
+          <a:xfrm>
+            <a:off x="2743200" y="4983480"/>
+            <a:ext cx="709895" cy="557076"/>
+          </a:xfrm>
+          <a:prstGeom prst="rect">
+            <a:avLst/>
+          </a:prstGeom>
+          <a:noFill/>
+          <a:ln w="9525">
+            <a:noFill/>
+            <a:miter lim="800000"/>
+            <a:headEnd/>
+            <a:tailEnd/>
+          </a:ln>
+        </p:spPr>
+        <p:txBody>
+          <a:bodyPr wrap="none" lIns="109728" tIns="54864" rIns="109728" bIns="54864">
+            <a:spAutoFit/>
           </a:bodyPr>
           <a:lstStyle/>
           <a:p>
-            <a:pPr eaLnBrk="1" hangingPunct="1">
-              <a:lnSpc>
-                <a:spcPct val="90000"/>
-              </a:lnSpc>
-            </a:pPr>
-            <a:r>
-              <a:rPr lang="en-US" sz="2400" smtClean="0">
-                <a:latin typeface="Gill Sans MT" pitchFamily="34" charset="0"/>
-              </a:rPr>
-              <a:t>http://www.opscode.com/chef/ </a:t>
-            </a:r>
-          </a:p>
-          <a:p>
-            <a:pPr eaLnBrk="1" hangingPunct="1">
-              <a:lnSpc>
-                <a:spcPct val="90000"/>
-              </a:lnSpc>
-            </a:pPr>
-            <a:endParaRPr lang="en-US" sz="2400" smtClean="0">
-              <a:latin typeface="Gill Sans MT" pitchFamily="34" charset="0"/>
-            </a:endParaRPr>
-          </a:p>
-          <a:p>
-            <a:pPr eaLnBrk="1" hangingPunct="1">
-              <a:lnSpc>
-                <a:spcPct val="90000"/>
-              </a:lnSpc>
-            </a:pPr>
-            <a:r>
-              <a:rPr lang="en-US" sz="2400" smtClean="0">
-                <a:latin typeface="Gill Sans MT" pitchFamily="34" charset="0"/>
-              </a:rPr>
-              <a:t>“Chef is an open source systems integration framework built to bring the benefits of configuration management to your entire infrastructure. You write source code to describe how you want each part of your infrastructure to be built, then apply those descriptions to your servers. The result is a fully automated infrastructure: when a new server comes on line, the only thing you have to do is tell Chef what role it should play in your architecture.”</a:t>
+            <a:r>
+              <a:rPr lang="en-US" sz="2900"/>
+              <a:t>DB</a:t>
+            </a:r>
+          </a:p>
+        </p:txBody>
+      </p:sp>
+      <p:sp>
+        <p:nvSpPr>
+          <p:cNvPr id="11272" name="Text Box 17"/>
+          <p:cNvSpPr txBox="1">
+            <a:spLocks noChangeArrowheads="1"/>
+          </p:cNvSpPr>
+          <p:nvPr/>
+        </p:nvSpPr>
+        <p:spPr bwMode="auto">
+          <a:xfrm>
+            <a:off x="5852161" y="4983480"/>
+            <a:ext cx="1170589" cy="557076"/>
+          </a:xfrm>
+          <a:prstGeom prst="rect">
+            <a:avLst/>
+          </a:prstGeom>
+          <a:noFill/>
+          <a:ln w="9525">
+            <a:noFill/>
+            <a:miter lim="800000"/>
+            <a:headEnd/>
+            <a:tailEnd/>
+          </a:ln>
+        </p:spPr>
+        <p:txBody>
+          <a:bodyPr wrap="none" lIns="109728" tIns="54864" rIns="109728" bIns="54864">
+            <a:spAutoFit/>
+          </a:bodyPr>
+          <a:lstStyle/>
+          <a:p>
+            <a:r>
+              <a:rPr lang="en-US" sz="2900"/>
+              <a:t>Cache</a:t>
+            </a:r>
+          </a:p>
+        </p:txBody>
+      </p:sp>
+      <p:sp>
+        <p:nvSpPr>
+          <p:cNvPr id="11273" name="AutoShape 19"/>
+          <p:cNvSpPr>
+            <a:spLocks noChangeArrowheads="1"/>
+          </p:cNvSpPr>
+          <p:nvPr/>
+        </p:nvSpPr>
+        <p:spPr bwMode="auto">
+          <a:xfrm>
+            <a:off x="1737360" y="1783080"/>
+            <a:ext cx="5943600" cy="2011680"/>
+          </a:xfrm>
+          <a:prstGeom prst="cube">
+            <a:avLst>
+              <a:gd name="adj" fmla="val 25000"/>
+            </a:avLst>
+          </a:prstGeom>
+          <a:noFill/>
+          <a:ln w="9525">
+            <a:solidFill>
+              <a:schemeClr val="tx1"/>
+            </a:solidFill>
+            <a:miter lim="800000"/>
+            <a:headEnd/>
+            <a:tailEnd/>
+          </a:ln>
+        </p:spPr>
+        <p:txBody>
+          <a:bodyPr wrap="none" lIns="109728" tIns="54864" rIns="109728" bIns="54864" anchor="ctr"/>
+          <a:lstStyle/>
+          <a:p>
+            <a:endParaRPr lang="en-US"/>
+          </a:p>
+        </p:txBody>
+      </p:sp>
+      <p:sp>
+        <p:nvSpPr>
+          <p:cNvPr id="11274" name="Text Box 20"/>
+          <p:cNvSpPr txBox="1">
+            <a:spLocks noChangeArrowheads="1"/>
+          </p:cNvSpPr>
+          <p:nvPr/>
+        </p:nvSpPr>
+        <p:spPr bwMode="auto">
+          <a:xfrm>
+            <a:off x="3678072" y="1783080"/>
+            <a:ext cx="1833575" cy="557076"/>
+          </a:xfrm>
+          <a:prstGeom prst="rect">
+            <a:avLst/>
+          </a:prstGeom>
+          <a:noFill/>
+          <a:ln w="9525">
+            <a:noFill/>
+            <a:miter lim="800000"/>
+            <a:headEnd/>
+            <a:tailEnd/>
+          </a:ln>
+        </p:spPr>
+        <p:txBody>
+          <a:bodyPr wrap="none" lIns="109728" tIns="54864" rIns="109728" bIns="54864">
+            <a:spAutoFit/>
+          </a:bodyPr>
+          <a:lstStyle/>
+          <a:p>
+            <a:pPr algn="ctr"/>
+            <a:r>
+              <a:rPr lang="en-US" sz="2900"/>
+              <a:t>Web / App</a:t>
+            </a:r>
+          </a:p>
+        </p:txBody>
+      </p:sp>
+      <p:pic>
+        <p:nvPicPr>
+          <p:cNvPr id="11275" name="Picture 22" descr="rails"/>
+          <p:cNvPicPr>
+            <a:picLocks noChangeAspect="1" noChangeArrowheads="1"/>
+          </p:cNvPicPr>
+          <p:nvPr/>
+        </p:nvPicPr>
+        <p:blipFill>
+          <a:blip r:embed="rId5"/>
+          <a:srcRect/>
+          <a:stretch>
+            <a:fillRect/>
+          </a:stretch>
+        </p:blipFill>
+        <p:spPr bwMode="auto">
+          <a:xfrm>
+            <a:off x="2103120" y="2514601"/>
+            <a:ext cx="779146" cy="994410"/>
+          </a:xfrm>
+          <a:prstGeom prst="rect">
+            <a:avLst/>
+          </a:prstGeom>
+          <a:noFill/>
+          <a:ln w="9525">
+            <a:noFill/>
+            <a:miter lim="800000"/>
+            <a:headEnd/>
+            <a:tailEnd/>
+          </a:ln>
+        </p:spPr>
+      </p:pic>
+      <p:pic>
+        <p:nvPicPr>
+          <p:cNvPr id="11276" name="Picture 24" descr="passenger1"/>
+          <p:cNvPicPr>
+            <a:picLocks noChangeAspect="1" noChangeArrowheads="1"/>
+          </p:cNvPicPr>
+          <p:nvPr/>
+        </p:nvPicPr>
+        <p:blipFill>
+          <a:blip r:embed="rId6"/>
+          <a:srcRect/>
+          <a:stretch>
+            <a:fillRect/>
+          </a:stretch>
+        </p:blipFill>
+        <p:spPr bwMode="auto">
+          <a:xfrm>
+            <a:off x="2926080" y="2697480"/>
+            <a:ext cx="2286000" cy="685800"/>
+          </a:xfrm>
+          <a:prstGeom prst="rect">
+            <a:avLst/>
+          </a:prstGeom>
+          <a:noFill/>
+          <a:ln w="9525">
+            <a:noFill/>
+            <a:miter lim="800000"/>
+            <a:headEnd/>
+            <a:tailEnd/>
+          </a:ln>
+        </p:spPr>
+      </p:pic>
+      <p:pic>
+        <p:nvPicPr>
+          <p:cNvPr id="11277" name="Picture 30" descr="apache_logo"/>
+          <p:cNvPicPr>
+            <a:picLocks noChangeAspect="1" noChangeArrowheads="1"/>
+          </p:cNvPicPr>
+          <p:nvPr/>
+        </p:nvPicPr>
+        <p:blipFill>
+          <a:blip r:embed="rId7"/>
+          <a:srcRect/>
+          <a:stretch>
+            <a:fillRect/>
+          </a:stretch>
+        </p:blipFill>
+        <p:spPr bwMode="auto">
+          <a:xfrm>
+            <a:off x="5212080" y="2148840"/>
+            <a:ext cx="1737360" cy="1737360"/>
+          </a:xfrm>
+          <a:prstGeom prst="rect">
+            <a:avLst/>
+          </a:prstGeom>
+          <a:noFill/>
+          <a:ln w="9525">
+            <a:noFill/>
+            <a:miter lim="800000"/>
+            <a:headEnd/>
+            <a:tailEnd/>
+          </a:ln>
+        </p:spPr>
+      </p:pic>
+      <p:sp>
+        <p:nvSpPr>
+          <p:cNvPr id="11278" name="Line 32"/>
+          <p:cNvSpPr>
+            <a:spLocks noChangeShapeType="1"/>
+          </p:cNvSpPr>
+          <p:nvPr/>
+        </p:nvSpPr>
+        <p:spPr bwMode="auto">
+          <a:xfrm>
+            <a:off x="3108960" y="3794760"/>
+            <a:ext cx="0" cy="365760"/>
+          </a:xfrm>
+          <a:prstGeom prst="line">
+            <a:avLst/>
+          </a:prstGeom>
+          <a:noFill/>
+          <a:ln w="9525">
+            <a:solidFill>
+              <a:schemeClr val="tx1"/>
+            </a:solidFill>
+            <a:round/>
+            <a:headEnd type="triangle" w="med" len="med"/>
+            <a:tailEnd type="triangle" w="med" len="med"/>
+          </a:ln>
+        </p:spPr>
+        <p:txBody>
+          <a:bodyPr lIns="109728" tIns="54864" rIns="109728" bIns="54864"/>
+          <a:lstStyle/>
+          <a:p>
+            <a:endParaRPr lang="en-US"/>
+          </a:p>
+        </p:txBody>
+      </p:sp>
+      <p:sp>
+        <p:nvSpPr>
+          <p:cNvPr id="11279" name="Line 33"/>
+          <p:cNvSpPr>
+            <a:spLocks noChangeShapeType="1"/>
+          </p:cNvSpPr>
+          <p:nvPr/>
+        </p:nvSpPr>
+        <p:spPr bwMode="auto">
+          <a:xfrm>
+            <a:off x="6400800" y="3794760"/>
+            <a:ext cx="0" cy="365760"/>
+          </a:xfrm>
+          <a:prstGeom prst="line">
+            <a:avLst/>
+          </a:prstGeom>
+          <a:noFill/>
+          <a:ln w="9525">
+            <a:solidFill>
+              <a:schemeClr val="tx1"/>
+            </a:solidFill>
+            <a:round/>
+            <a:headEnd type="triangle" w="med" len="med"/>
+            <a:tailEnd type="triangle" w="med" len="med"/>
+          </a:ln>
+        </p:spPr>
+        <p:txBody>
+          <a:bodyPr lIns="109728" tIns="54864" rIns="109728" bIns="54864"/>
+          <a:lstStyle/>
+          <a:p>
+            <a:endParaRPr lang="en-US"/>
+          </a:p>
+        </p:txBody>
+      </p:sp>
+      <p:pic>
+        <p:nvPicPr>
+          <p:cNvPr id="11280" name="Picture 37" descr="125318-1"/>
+          <p:cNvPicPr>
+            <a:picLocks noChangeAspect="1" noChangeArrowheads="1"/>
+          </p:cNvPicPr>
+          <p:nvPr/>
+        </p:nvPicPr>
+        <p:blipFill>
+          <a:blip r:embed="rId8"/>
+          <a:srcRect/>
+          <a:stretch>
+            <a:fillRect/>
+          </a:stretch>
+        </p:blipFill>
+        <p:spPr bwMode="auto">
+          <a:xfrm>
+            <a:off x="1" y="5579746"/>
+            <a:ext cx="1360170" cy="409574"/>
+          </a:xfrm>
+          <a:prstGeom prst="rect">
+            <a:avLst/>
+          </a:prstGeom>
+          <a:noFill/>
+          <a:ln w="9525">
+            <a:noFill/>
+            <a:miter lim="800000"/>
+            <a:headEnd/>
+            <a:tailEnd/>
+          </a:ln>
+        </p:spPr>
+      </p:pic>
+      <p:pic>
+        <p:nvPicPr>
+          <p:cNvPr id="11281" name="Picture 39" descr="github-logo"/>
+          <p:cNvPicPr>
+            <a:picLocks noChangeAspect="1" noChangeArrowheads="1"/>
+          </p:cNvPicPr>
+          <p:nvPr/>
+        </p:nvPicPr>
+        <p:blipFill>
+          <a:blip r:embed="rId9"/>
+          <a:srcRect/>
+          <a:stretch>
+            <a:fillRect/>
+          </a:stretch>
+        </p:blipFill>
+        <p:spPr bwMode="auto">
+          <a:xfrm>
+            <a:off x="0" y="4892041"/>
+            <a:ext cx="1104900" cy="567690"/>
+          </a:xfrm>
+          <a:prstGeom prst="rect">
+            <a:avLst/>
+          </a:prstGeom>
+          <a:noFill/>
+          <a:ln w="9525">
+            <a:noFill/>
+            <a:miter lim="800000"/>
+            <a:headEnd/>
+            <a:tailEnd/>
+          </a:ln>
+        </p:spPr>
+      </p:pic>
+      <p:sp>
+        <p:nvSpPr>
+          <p:cNvPr id="11282" name="Line 40"/>
+          <p:cNvSpPr>
+            <a:spLocks noChangeShapeType="1"/>
+          </p:cNvSpPr>
+          <p:nvPr/>
+        </p:nvSpPr>
+        <p:spPr bwMode="auto">
+          <a:xfrm flipV="1">
+            <a:off x="1097280" y="3794760"/>
+            <a:ext cx="640080" cy="1097280"/>
+          </a:xfrm>
+          <a:prstGeom prst="line">
+            <a:avLst/>
+          </a:prstGeom>
+          <a:noFill/>
+          <a:ln w="9525">
+            <a:solidFill>
+              <a:schemeClr val="tx1"/>
+            </a:solidFill>
+            <a:round/>
+            <a:headEnd/>
+            <a:tailEnd type="triangle" w="med" len="med"/>
+          </a:ln>
+        </p:spPr>
+        <p:txBody>
+          <a:bodyPr lIns="109728" tIns="54864" rIns="109728" bIns="54864"/>
+          <a:lstStyle/>
+          <a:p>
+            <a:endParaRPr lang="en-US"/>
+          </a:p>
+        </p:txBody>
+      </p:sp>
+      <p:pic>
+        <p:nvPicPr>
+          <p:cNvPr id="11283" name="Picture 42" descr="the_rackspace_cloud-white_high+res"/>
+          <p:cNvPicPr>
+            <a:picLocks noChangeAspect="1" noChangeArrowheads="1"/>
+          </p:cNvPicPr>
+          <p:nvPr/>
+        </p:nvPicPr>
+        <p:blipFill>
+          <a:blip r:embed="rId10"/>
+          <a:srcRect/>
+          <a:stretch>
+            <a:fillRect/>
+          </a:stretch>
+        </p:blipFill>
+        <p:spPr bwMode="auto">
+          <a:xfrm>
+            <a:off x="0" y="6111240"/>
+            <a:ext cx="1920240" cy="426720"/>
+          </a:xfrm>
+          <a:prstGeom prst="rect">
+            <a:avLst/>
+          </a:prstGeom>
+          <a:noFill/>
+          <a:ln w="9525">
+            <a:noFill/>
+            <a:miter lim="800000"/>
+            <a:headEnd/>
+            <a:tailEnd/>
+          </a:ln>
+        </p:spPr>
+      </p:pic>
+      <p:sp>
+        <p:nvSpPr>
+          <p:cNvPr id="11284" name="Text Box 43"/>
+          <p:cNvSpPr txBox="1">
+            <a:spLocks noChangeArrowheads="1"/>
+          </p:cNvSpPr>
+          <p:nvPr/>
+        </p:nvSpPr>
+        <p:spPr bwMode="auto">
+          <a:xfrm>
+            <a:off x="3017520" y="3429000"/>
+            <a:ext cx="3282316" cy="329566"/>
+          </a:xfrm>
+          <a:prstGeom prst="rect">
+            <a:avLst/>
+          </a:prstGeom>
+          <a:noFill/>
+          <a:ln w="9525">
+            <a:noFill/>
+            <a:miter lim="800000"/>
+            <a:headEnd/>
+            <a:tailEnd/>
+          </a:ln>
+        </p:spPr>
+        <p:txBody>
+          <a:bodyPr wrap="none" lIns="109728" tIns="54864" rIns="109728" bIns="54864">
+            <a:spAutoFit/>
+          </a:bodyPr>
+          <a:lstStyle/>
+          <a:p>
+            <a:pPr algn="ctr"/>
+            <a:r>
+              <a:rPr lang="en-US" sz="1400"/>
+              <a:t>(https://github.com/smith/demo-rails-app)</a:t>
             </a:r>
           </a:p>
         </p:txBody>
@@ -3172,7 +3840,7 @@
       </p:grpSpPr>
       <p:sp>
         <p:nvSpPr>
-          <p:cNvPr id="9217" name="Shape 26"/>
+          <p:cNvPr id="8193" name="Shape 23"/>
           <p:cNvSpPr>
             <a:spLocks noGrp="1"/>
           </p:cNvSpPr>
@@ -3182,8 +3850,8 @@
         </p:nvSpPr>
         <p:spPr bwMode="auto">
           <a:xfrm>
-            <a:off x="238125" y="171450"/>
-            <a:ext cx="7143750" cy="762000"/>
+            <a:off x="285750" y="205740"/>
+            <a:ext cx="8572500" cy="914400"/>
           </a:xfrm>
           <a:noFill/>
           <a:ln>
@@ -3193,7 +3861,7 @@
           </a:ln>
         </p:spPr>
         <p:txBody>
-          <a:bodyPr vert="horz" wrap="square" lIns="91440" tIns="45720" rIns="91440" bIns="45720" numCol="1" anchor="t" anchorCtr="0" compatLnSpc="1">
+          <a:bodyPr vert="horz" wrap="square" lIns="109728" tIns="54864" rIns="109728" bIns="54864" numCol="1" anchor="t" anchorCtr="0" compatLnSpc="1">
             <a:prstTxWarp prst="textNoShape">
               <a:avLst/>
             </a:prstTxWarp>
@@ -3205,14 +3873,14 @@
               <a:rPr lang="en-US" smtClean="0">
                 <a:latin typeface="Gill Sans MT" pitchFamily="34" charset="0"/>
               </a:rPr>
-              <a:t>Opscode</a:t>
-            </a:r>
-          </a:p>
-        </p:txBody>
-      </p:sp>
-      <p:sp>
-        <p:nvSpPr>
-          <p:cNvPr id="9218" name="Shape 27"/>
+              <a:t>Chef</a:t>
+            </a:r>
+          </a:p>
+        </p:txBody>
+      </p:sp>
+      <p:sp>
+        <p:nvSpPr>
+          <p:cNvPr id="8194" name="Shape 24"/>
           <p:cNvSpPr>
             <a:spLocks noGrp="1"/>
           </p:cNvSpPr>
@@ -3229,7 +3897,7 @@
           </a:ln>
         </p:spPr>
         <p:txBody>
-          <a:bodyPr vert="horz" wrap="square" lIns="91440" tIns="45720" rIns="91440" bIns="45720" numCol="1" anchor="t" anchorCtr="0" compatLnSpc="1">
+          <a:bodyPr vert="horz" wrap="square" lIns="109728" tIns="54864" rIns="109728" bIns="54864" numCol="1" anchor="t" anchorCtr="0" compatLnSpc="1">
             <a:prstTxWarp prst="textNoShape">
               <a:avLst/>
             </a:prstTxWarp>
@@ -3237,92 +3905,38 @@
           <a:lstStyle/>
           <a:p>
             <a:pPr eaLnBrk="1" hangingPunct="1">
-              <a:buFontTx/>
-              <a:buChar char="•"/>
+              <a:lnSpc>
+                <a:spcPct val="90000"/>
+              </a:lnSpc>
             </a:pPr>
-            <a:endParaRPr lang="en-US" sz="2400" smtClean="0">
+            <a:r>
+              <a:rPr lang="en-US" sz="2900">
+                <a:latin typeface="Gill Sans MT" pitchFamily="34" charset="0"/>
+              </a:rPr>
+              <a:t>http://www.opscode.com/chef/ </a:t>
+            </a:r>
+          </a:p>
+          <a:p>
+            <a:pPr eaLnBrk="1" hangingPunct="1">
+              <a:lnSpc>
+                <a:spcPct val="90000"/>
+              </a:lnSpc>
+            </a:pPr>
+            <a:endParaRPr lang="en-US" sz="2900">
               <a:latin typeface="Gill Sans MT" pitchFamily="34" charset="0"/>
             </a:endParaRPr>
           </a:p>
           <a:p>
-            <a:pPr eaLnBrk="1" hangingPunct="1"/>
-            <a:endParaRPr lang="en-US" sz="2400" smtClean="0">
-              <a:latin typeface="Gill Sans MT" pitchFamily="34" charset="0"/>
-            </a:endParaRPr>
-          </a:p>
-          <a:p>
             <a:pPr eaLnBrk="1" hangingPunct="1">
-              <a:buFontTx/>
-              <a:buChar char="•"/>
+              <a:lnSpc>
+                <a:spcPct val="90000"/>
+              </a:lnSpc>
             </a:pPr>
             <a:r>
-              <a:rPr lang="en-US" sz="2400" smtClean="0">
-                <a:latin typeface="Gill Sans MT" pitchFamily="34" charset="0"/>
-              </a:rPr>
-              <a:t> http://opscode.com/ </a:t>
-            </a:r>
-          </a:p>
-          <a:p>
-            <a:pPr eaLnBrk="1" hangingPunct="1">
-              <a:buFontTx/>
-              <a:buChar char="•"/>
-            </a:pPr>
-            <a:endParaRPr lang="en-US" sz="2400" smtClean="0">
-              <a:latin typeface="Gill Sans MT" pitchFamily="34" charset="0"/>
-            </a:endParaRPr>
-          </a:p>
-          <a:p>
-            <a:pPr eaLnBrk="1" hangingPunct="1">
-              <a:buFontTx/>
-              <a:buChar char="•"/>
-            </a:pPr>
-            <a:r>
-              <a:rPr lang="en-US" sz="2400" smtClean="0">
-                <a:latin typeface="Gill Sans MT" pitchFamily="34" charset="0"/>
-              </a:rPr>
-              <a:t> Hosted Chef platform</a:t>
-            </a:r>
-          </a:p>
-          <a:p>
-            <a:pPr eaLnBrk="1" hangingPunct="1">
-              <a:buFontTx/>
-              <a:buChar char="•"/>
-            </a:pPr>
-            <a:endParaRPr lang="en-US" sz="2400" smtClean="0">
-              <a:latin typeface="Gill Sans MT" pitchFamily="34" charset="0"/>
-            </a:endParaRPr>
-          </a:p>
-          <a:p>
-            <a:pPr eaLnBrk="1" hangingPunct="1">
-              <a:buFontTx/>
-              <a:buChar char="•"/>
-            </a:pPr>
-            <a:r>
-              <a:rPr lang="en-US" sz="2400" smtClean="0">
-                <a:latin typeface="Gill Sans MT" pitchFamily="34" charset="0"/>
-              </a:rPr>
-              <a:t> Main developers of Chef</a:t>
-            </a:r>
-          </a:p>
-          <a:p>
-            <a:pPr eaLnBrk="1" hangingPunct="1">
-              <a:buFontTx/>
-              <a:buChar char="•"/>
-            </a:pPr>
-            <a:endParaRPr lang="en-US" sz="2400" smtClean="0">
-              <a:latin typeface="Gill Sans MT" pitchFamily="34" charset="0"/>
-            </a:endParaRPr>
-          </a:p>
-          <a:p>
-            <a:pPr eaLnBrk="1" hangingPunct="1">
-              <a:buFontTx/>
-              <a:buChar char="•"/>
-            </a:pPr>
-            <a:r>
-              <a:rPr lang="en-US" sz="2400" smtClean="0">
-                <a:latin typeface="Gill Sans MT" pitchFamily="34" charset="0"/>
-              </a:rPr>
-              <a:t> Training &amp; support</a:t>
+              <a:rPr lang="en-US" sz="2900">
+                <a:latin typeface="Gill Sans MT" pitchFamily="34" charset="0"/>
+              </a:rPr>
+              <a:t>“Chef is an open source systems integration framework built to bring the benefits of configuration management to your entire infrastructure. You write source code to describe how you want each part of your infrastructure to be built, then apply those descriptions to your servers. The result is a fully automated infrastructure: when a new server comes on line, the only thing you have to do is tell Chef what role it should play in your architecture.”</a:t>
             </a:r>
           </a:p>
         </p:txBody>
@@ -3361,9 +3975,9 @@
       </p:grpSpPr>
       <p:sp>
         <p:nvSpPr>
-          <p:cNvPr id="10241" name="Rectangle 2"/>
+          <p:cNvPr id="9217" name="Shape 26"/>
           <p:cNvSpPr>
-            <a:spLocks noGrp="1" noChangeArrowheads="1"/>
+            <a:spLocks noGrp="1"/>
           </p:cNvSpPr>
           <p:nvPr>
             <p:ph type="title"/>
@@ -3371,8 +3985,8 @@
         </p:nvSpPr>
         <p:spPr bwMode="auto">
           <a:xfrm>
-            <a:off x="381000" y="228600"/>
-            <a:ext cx="6858000" cy="952500"/>
+            <a:off x="285750" y="205740"/>
+            <a:ext cx="8572500" cy="914400"/>
           </a:xfrm>
           <a:noFill/>
           <a:ln>
@@ -3382,7 +3996,7 @@
           </a:ln>
         </p:spPr>
         <p:txBody>
-          <a:bodyPr vert="horz" wrap="square" lIns="91440" tIns="45720" rIns="91440" bIns="45720" numCol="1" anchor="t" anchorCtr="0" compatLnSpc="1">
+          <a:bodyPr vert="horz" wrap="square" lIns="109728" tIns="54864" rIns="109728" bIns="54864" numCol="1" anchor="t" anchorCtr="0" compatLnSpc="1">
             <a:prstTxWarp prst="textNoShape">
               <a:avLst/>
             </a:prstTxWarp>
@@ -3394,29 +4008,22 @@
               <a:rPr lang="en-US" smtClean="0">
                 <a:latin typeface="Gill Sans MT" pitchFamily="34" charset="0"/>
               </a:rPr>
-              <a:t>Why?</a:t>
-            </a:r>
-          </a:p>
-        </p:txBody>
-      </p:sp>
-      <p:sp>
-        <p:nvSpPr>
-          <p:cNvPr id="10242" name="Rectangle 3"/>
+              <a:t>Opscode</a:t>
+            </a:r>
+          </a:p>
+        </p:txBody>
+      </p:sp>
+      <p:sp>
+        <p:nvSpPr>
+          <p:cNvPr id="9218" name="Shape 27"/>
           <p:cNvSpPr>
-            <a:spLocks noGrp="1" noChangeArrowheads="1"/>
+            <a:spLocks noGrp="1"/>
           </p:cNvSpPr>
           <p:nvPr>
-            <p:ph type="body" idx="4294967295"/>
+            <p:ph type="body" idx="2"/>
           </p:nvPr>
         </p:nvSpPr>
         <p:spPr bwMode="auto">
-          <a:xfrm>
-            <a:off x="228600" y="1104900"/>
-            <a:ext cx="6858000" cy="3771900"/>
-          </a:xfrm>
-          <a:prstGeom prst="rect">
-            <a:avLst/>
-          </a:prstGeom>
           <a:noFill/>
           <a:ln>
             <a:miter lim="800000"/>
@@ -3425,20 +4032,24 @@
           </a:ln>
         </p:spPr>
         <p:txBody>
-          <a:bodyPr/>
-          <a:lstStyle/>
-          <a:p>
-            <a:pPr eaLnBrk="1" hangingPunct="1"/>
-            <a:endParaRPr lang="en-US" sz="2400" smtClean="0">
-              <a:latin typeface="Gill Sans MT" pitchFamily="34" charset="0"/>
-            </a:endParaRPr>
-          </a:p>
+          <a:bodyPr vert="horz" wrap="square" lIns="109728" tIns="54864" rIns="109728" bIns="54864" numCol="1" anchor="t" anchorCtr="0" compatLnSpc="1">
+            <a:prstTxWarp prst="textNoShape">
+              <a:avLst/>
+            </a:prstTxWarp>
+          </a:bodyPr>
+          <a:lstStyle/>
           <a:p>
             <a:pPr eaLnBrk="1" hangingPunct="1">
               <a:buFontTx/>
               <a:buChar char="•"/>
             </a:pPr>
-            <a:endParaRPr lang="en-US" sz="2400" smtClean="0">
+            <a:endParaRPr lang="en-US" sz="2900">
+              <a:latin typeface="Gill Sans MT" pitchFamily="34" charset="0"/>
+            </a:endParaRPr>
+          </a:p>
+          <a:p>
+            <a:pPr eaLnBrk="1" hangingPunct="1"/>
+            <a:endParaRPr lang="en-US" sz="2900">
               <a:latin typeface="Gill Sans MT" pitchFamily="34" charset="0"/>
             </a:endParaRPr>
           </a:p>
@@ -3448,33 +4059,18 @@
               <a:buChar char="•"/>
             </a:pPr>
             <a:r>
-              <a:rPr lang="en-US" sz="2400" smtClean="0">
-                <a:latin typeface="Gill Sans MT" pitchFamily="34" charset="0"/>
-              </a:rPr>
-              <a:t> Living documentation</a:t>
-            </a:r>
-          </a:p>
-          <a:p>
-            <a:pPr eaLnBrk="1" hangingPunct="1"/>
-            <a:endParaRPr lang="en-US" sz="2400" smtClean="0">
-              <a:latin typeface="Gill Sans MT" pitchFamily="34" charset="0"/>
-            </a:endParaRPr>
+              <a:rPr lang="en-US" sz="2900">
+                <a:latin typeface="Gill Sans MT" pitchFamily="34" charset="0"/>
+              </a:rPr>
+              <a:t> http://opscode.com/ </a:t>
+            </a:r>
           </a:p>
           <a:p>
             <a:pPr eaLnBrk="1" hangingPunct="1">
               <a:buFontTx/>
               <a:buChar char="•"/>
             </a:pPr>
-            <a:r>
-              <a:rPr lang="en-US" sz="2400" smtClean="0">
-                <a:latin typeface="Gill Sans MT" pitchFamily="34" charset="0"/>
-              </a:rPr>
-              <a:t> Infrastructure as code</a:t>
-            </a:r>
-          </a:p>
-          <a:p>
-            <a:pPr eaLnBrk="1" hangingPunct="1"/>
-            <a:endParaRPr lang="en-US" sz="2400" smtClean="0">
+            <a:endParaRPr lang="en-US" sz="2900">
               <a:latin typeface="Gill Sans MT" pitchFamily="34" charset="0"/>
             </a:endParaRPr>
           </a:p>
@@ -3484,28 +4080,52 @@
               <a:buChar char="•"/>
             </a:pPr>
             <a:r>
-              <a:rPr lang="en-US" sz="2400" smtClean="0">
-                <a:latin typeface="Gill Sans MT" pitchFamily="34" charset="0"/>
-              </a:rPr>
-              <a:t> Disasters will happen</a:t>
-            </a:r>
-          </a:p>
-          <a:p>
-            <a:pPr eaLnBrk="1" hangingPunct="1"/>
-            <a:endParaRPr lang="en-US" sz="2400" smtClean="0">
-              <a:latin typeface="Gill Sans MT" pitchFamily="34" charset="0"/>
-            </a:endParaRPr>
+              <a:rPr lang="en-US" sz="2900">
+                <a:latin typeface="Gill Sans MT" pitchFamily="34" charset="0"/>
+              </a:rPr>
+              <a:t> Hosted Chef platform</a:t>
+            </a:r>
           </a:p>
           <a:p>
             <a:pPr eaLnBrk="1" hangingPunct="1">
               <a:buFontTx/>
               <a:buChar char="•"/>
             </a:pPr>
-            <a:r>
-              <a:rPr lang="en-US" sz="2400" smtClean="0">
-                <a:latin typeface="Gill Sans MT" pitchFamily="34" charset="0"/>
-              </a:rPr>
-              <a:t> Repeatability &amp; Idempotence</a:t>
+            <a:endParaRPr lang="en-US" sz="2900">
+              <a:latin typeface="Gill Sans MT" pitchFamily="34" charset="0"/>
+            </a:endParaRPr>
+          </a:p>
+          <a:p>
+            <a:pPr eaLnBrk="1" hangingPunct="1">
+              <a:buFontTx/>
+              <a:buChar char="•"/>
+            </a:pPr>
+            <a:r>
+              <a:rPr lang="en-US" sz="2900">
+                <a:latin typeface="Gill Sans MT" pitchFamily="34" charset="0"/>
+              </a:rPr>
+              <a:t> Main developers of Chef</a:t>
+            </a:r>
+          </a:p>
+          <a:p>
+            <a:pPr eaLnBrk="1" hangingPunct="1">
+              <a:buFontTx/>
+              <a:buChar char="•"/>
+            </a:pPr>
+            <a:endParaRPr lang="en-US" sz="2900">
+              <a:latin typeface="Gill Sans MT" pitchFamily="34" charset="0"/>
+            </a:endParaRPr>
+          </a:p>
+          <a:p>
+            <a:pPr eaLnBrk="1" hangingPunct="1">
+              <a:buFontTx/>
+              <a:buChar char="•"/>
+            </a:pPr>
+            <a:r>
+              <a:rPr lang="en-US" sz="2900">
+                <a:latin typeface="Gill Sans MT" pitchFamily="34" charset="0"/>
+              </a:rPr>
+              <a:t> Training &amp; support</a:t>
             </a:r>
           </a:p>
         </p:txBody>
@@ -3542,51 +4162,65 @@
           <a:chExt cx="0" cy="0"/>
         </a:xfrm>
       </p:grpSpPr>
-      <p:pic>
-        <p:nvPicPr>
-          <p:cNvPr id="23556" name="Picture 4" descr="gordon"/>
-          <p:cNvPicPr>
-            <a:picLocks noChangeAspect="1" noChangeArrowheads="1"/>
-          </p:cNvPicPr>
-          <p:nvPr/>
-        </p:nvPicPr>
-        <p:blipFill>
-          <a:blip r:embed="rId2"/>
-          <a:srcRect/>
-          <a:stretch>
-            <a:fillRect/>
-          </a:stretch>
-        </p:blipFill>
-        <p:spPr bwMode="auto">
-          <a:xfrm>
-            <a:off x="0" y="0"/>
-            <a:ext cx="7620000" cy="5715000"/>
+      <p:sp>
+        <p:nvSpPr>
+          <p:cNvPr id="10241" name="Rectangle 2"/>
+          <p:cNvSpPr>
+            <a:spLocks noGrp="1" noChangeArrowheads="1"/>
+          </p:cNvSpPr>
+          <p:nvPr>
+            <p:ph type="title"/>
+          </p:nvPr>
+        </p:nvSpPr>
+        <p:spPr bwMode="auto">
+          <a:xfrm>
+            <a:off x="457200" y="274320"/>
+            <a:ext cx="8229600" cy="1143000"/>
+          </a:xfrm>
+          <a:noFill/>
+          <a:ln>
+            <a:miter lim="800000"/>
+            <a:headEnd/>
+            <a:tailEnd/>
+          </a:ln>
+        </p:spPr>
+        <p:txBody>
+          <a:bodyPr vert="horz" wrap="square" lIns="109728" tIns="54864" rIns="109728" bIns="54864" numCol="1" anchor="t" anchorCtr="0" compatLnSpc="1">
+            <a:prstTxWarp prst="textNoShape">
+              <a:avLst/>
+            </a:prstTxWarp>
+          </a:bodyPr>
+          <a:lstStyle/>
+          <a:p>
+            <a:pPr eaLnBrk="1" hangingPunct="1"/>
+            <a:r>
+              <a:rPr lang="en-US" smtClean="0">
+                <a:latin typeface="Gill Sans MT" pitchFamily="34" charset="0"/>
+              </a:rPr>
+              <a:t>Why?</a:t>
+            </a:r>
+          </a:p>
+        </p:txBody>
+      </p:sp>
+      <p:sp>
+        <p:nvSpPr>
+          <p:cNvPr id="10242" name="Rectangle 3"/>
+          <p:cNvSpPr>
+            <a:spLocks noGrp="1" noChangeArrowheads="1"/>
+          </p:cNvSpPr>
+          <p:nvPr>
+            <p:ph type="body" idx="4294967295"/>
+          </p:nvPr>
+        </p:nvSpPr>
+        <p:spPr bwMode="auto">
+          <a:xfrm>
+            <a:off x="274320" y="1325880"/>
+            <a:ext cx="8229600" cy="4526280"/>
           </a:xfrm>
           <a:prstGeom prst="rect">
             <a:avLst/>
           </a:prstGeom>
           <a:noFill/>
-        </p:spPr>
-      </p:pic>
-      <p:sp>
-        <p:nvSpPr>
-          <p:cNvPr id="23555" name="Rectangle 3"/>
-          <p:cNvSpPr>
-            <a:spLocks noGrp="1" noChangeArrowheads="1"/>
-          </p:cNvSpPr>
-          <p:nvPr>
-            <p:ph type="body" idx="4294967295"/>
-          </p:nvPr>
-        </p:nvSpPr>
-        <p:spPr bwMode="auto">
-          <a:xfrm>
-            <a:off x="381000" y="952500"/>
-            <a:ext cx="4191000" cy="3771900"/>
-          </a:xfrm>
-          <a:prstGeom prst="rect">
-            <a:avLst/>
-          </a:prstGeom>
-          <a:noFill/>
           <a:ln>
             <a:miter lim="800000"/>
             <a:headEnd/>
@@ -3594,60 +4228,87 @@
           </a:ln>
         </p:spPr>
         <p:txBody>
-          <a:bodyPr/>
-          <a:lstStyle/>
-          <a:p>
-            <a:r>
-              <a:rPr lang="en-US" sz="2400" smtClean="0">
-                <a:latin typeface="Gill Sans MT" pitchFamily="34" charset="0"/>
-              </a:rPr>
-              <a:t>“I maintain standards and I   strive for perfection. That level  of pressure is conveyed in a very bullish way and that's what cooking is all about.”</a:t>
-            </a:r>
-          </a:p>
-        </p:txBody>
-      </p:sp>
-      <p:sp>
-        <p:nvSpPr>
-          <p:cNvPr id="23557" name="Text Box 5"/>
-          <p:cNvSpPr txBox="1">
-            <a:spLocks noChangeArrowheads="1"/>
-          </p:cNvSpPr>
-          <p:nvPr/>
-        </p:nvSpPr>
-        <p:spPr bwMode="auto">
-          <a:xfrm>
-            <a:off x="76200" y="4991100"/>
-            <a:ext cx="4978400" cy="366713"/>
-          </a:xfrm>
-          <a:prstGeom prst="rect">
-            <a:avLst/>
-          </a:prstGeom>
-          <a:noFill/>
-          <a:ln w="9525">
-            <a:noFill/>
-            <a:miter lim="800000"/>
-            <a:headEnd/>
-            <a:tailEnd/>
-          </a:ln>
-          <a:effectLst/>
-        </p:spPr>
-        <p:txBody>
-          <a:bodyPr wrap="none">
-            <a:spAutoFit/>
-          </a:bodyPr>
-          <a:lstStyle/>
-          <a:p>
-            <a:r>
-              <a:rPr lang="en-US"/>
-              <a:t>http://www.youtube.com/watch?v=gr3MGCmd03U</a:t>
-            </a:r>
-            <a:r>
-              <a:rPr lang="en-US">
-                <a:solidFill>
-                  <a:schemeClr val="bg1"/>
-                </a:solidFill>
-              </a:rPr>
-              <a:t> </a:t>
+          <a:bodyPr lIns="109728" tIns="54864" rIns="109728" bIns="54864"/>
+          <a:lstStyle/>
+          <a:p>
+            <a:pPr eaLnBrk="1" hangingPunct="1"/>
+            <a:endParaRPr lang="en-US" sz="2900">
+              <a:latin typeface="Gill Sans MT" pitchFamily="34" charset="0"/>
+            </a:endParaRPr>
+          </a:p>
+          <a:p>
+            <a:pPr eaLnBrk="1" hangingPunct="1">
+              <a:buFontTx/>
+              <a:buChar char="•"/>
+            </a:pPr>
+            <a:endParaRPr lang="en-US" sz="2900">
+              <a:latin typeface="Gill Sans MT" pitchFamily="34" charset="0"/>
+            </a:endParaRPr>
+          </a:p>
+          <a:p>
+            <a:pPr eaLnBrk="1" hangingPunct="1">
+              <a:buFontTx/>
+              <a:buChar char="•"/>
+            </a:pPr>
+            <a:r>
+              <a:rPr lang="en-US" sz="2900">
+                <a:latin typeface="Gill Sans MT" pitchFamily="34" charset="0"/>
+              </a:rPr>
+              <a:t> Living documentation</a:t>
+            </a:r>
+          </a:p>
+          <a:p>
+            <a:pPr eaLnBrk="1" hangingPunct="1"/>
+            <a:endParaRPr lang="en-US" sz="2900">
+              <a:latin typeface="Gill Sans MT" pitchFamily="34" charset="0"/>
+            </a:endParaRPr>
+          </a:p>
+          <a:p>
+            <a:pPr eaLnBrk="1" hangingPunct="1">
+              <a:buFontTx/>
+              <a:buChar char="•"/>
+            </a:pPr>
+            <a:r>
+              <a:rPr lang="en-US" sz="2900">
+                <a:latin typeface="Gill Sans MT" pitchFamily="34" charset="0"/>
+              </a:rPr>
+              <a:t> Infrastructure as code</a:t>
+            </a:r>
+          </a:p>
+          <a:p>
+            <a:pPr eaLnBrk="1" hangingPunct="1"/>
+            <a:endParaRPr lang="en-US" sz="2900">
+              <a:latin typeface="Gill Sans MT" pitchFamily="34" charset="0"/>
+            </a:endParaRPr>
+          </a:p>
+          <a:p>
+            <a:pPr eaLnBrk="1" hangingPunct="1">
+              <a:buFontTx/>
+              <a:buChar char="•"/>
+            </a:pPr>
+            <a:r>
+              <a:rPr lang="en-US" sz="2900">
+                <a:latin typeface="Gill Sans MT" pitchFamily="34" charset="0"/>
+              </a:rPr>
+              <a:t> Disasters will happen</a:t>
+            </a:r>
+          </a:p>
+          <a:p>
+            <a:pPr eaLnBrk="1" hangingPunct="1"/>
+            <a:endParaRPr lang="en-US" sz="2900">
+              <a:latin typeface="Gill Sans MT" pitchFamily="34" charset="0"/>
+            </a:endParaRPr>
+          </a:p>
+          <a:p>
+            <a:pPr eaLnBrk="1" hangingPunct="1">
+              <a:buFontTx/>
+              <a:buChar char="•"/>
+            </a:pPr>
+            <a:r>
+              <a:rPr lang="en-US" sz="2900">
+                <a:latin typeface="Gill Sans MT" pitchFamily="34" charset="0"/>
+              </a:rPr>
+              <a:t> Repeatability &amp; Idempotence</a:t>
             </a:r>
           </a:p>
         </p:txBody>
@@ -3684,6 +4345,148 @@
           <a:chExt cx="0" cy="0"/>
         </a:xfrm>
       </p:grpSpPr>
+      <p:pic>
+        <p:nvPicPr>
+          <p:cNvPr id="23556" name="Picture 4" descr="gordon"/>
+          <p:cNvPicPr>
+            <a:picLocks noChangeAspect="1" noChangeArrowheads="1"/>
+          </p:cNvPicPr>
+          <p:nvPr/>
+        </p:nvPicPr>
+        <p:blipFill>
+          <a:blip r:embed="rId2"/>
+          <a:srcRect/>
+          <a:stretch>
+            <a:fillRect/>
+          </a:stretch>
+        </p:blipFill>
+        <p:spPr bwMode="auto">
+          <a:xfrm>
+            <a:off x="0" y="0"/>
+            <a:ext cx="9144000" cy="6858000"/>
+          </a:xfrm>
+          <a:prstGeom prst="rect">
+            <a:avLst/>
+          </a:prstGeom>
+          <a:noFill/>
+        </p:spPr>
+      </p:pic>
+      <p:sp>
+        <p:nvSpPr>
+          <p:cNvPr id="23555" name="Rectangle 3"/>
+          <p:cNvSpPr>
+            <a:spLocks noGrp="1" noChangeArrowheads="1"/>
+          </p:cNvSpPr>
+          <p:nvPr>
+            <p:ph type="body" idx="4294967295"/>
+          </p:nvPr>
+        </p:nvSpPr>
+        <p:spPr bwMode="auto">
+          <a:xfrm>
+            <a:off x="457200" y="1143000"/>
+            <a:ext cx="5029200" cy="4526280"/>
+          </a:xfrm>
+          <a:prstGeom prst="rect">
+            <a:avLst/>
+          </a:prstGeom>
+          <a:noFill/>
+          <a:ln>
+            <a:miter lim="800000"/>
+            <a:headEnd/>
+            <a:tailEnd/>
+          </a:ln>
+        </p:spPr>
+        <p:txBody>
+          <a:bodyPr lIns="109728" tIns="54864" rIns="109728" bIns="54864"/>
+          <a:lstStyle/>
+          <a:p>
+            <a:r>
+              <a:rPr lang="en-US" sz="2900">
+                <a:latin typeface="Gill Sans MT" pitchFamily="34" charset="0"/>
+              </a:rPr>
+              <a:t>“I maintain standards and I   strive for perfection. That level  of pressure is conveyed in a very bullish way and that's what cooking is all about.”</a:t>
+            </a:r>
+          </a:p>
+        </p:txBody>
+      </p:sp>
+      <p:sp>
+        <p:nvSpPr>
+          <p:cNvPr id="23557" name="Text Box 5"/>
+          <p:cNvSpPr txBox="1">
+            <a:spLocks noChangeArrowheads="1"/>
+          </p:cNvSpPr>
+          <p:nvPr/>
+        </p:nvSpPr>
+        <p:spPr bwMode="auto">
+          <a:xfrm>
+            <a:off x="91440" y="5989320"/>
+            <a:ext cx="4985674" cy="387798"/>
+          </a:xfrm>
+          <a:prstGeom prst="rect">
+            <a:avLst/>
+          </a:prstGeom>
+          <a:noFill/>
+          <a:ln w="9525">
+            <a:noFill/>
+            <a:miter lim="800000"/>
+            <a:headEnd/>
+            <a:tailEnd/>
+          </a:ln>
+          <a:effectLst/>
+        </p:spPr>
+        <p:txBody>
+          <a:bodyPr wrap="none" lIns="109728" tIns="54864" rIns="109728" bIns="54864">
+            <a:spAutoFit/>
+          </a:bodyPr>
+          <a:lstStyle/>
+          <a:p>
+            <a:r>
+              <a:rPr lang="en-US"/>
+              <a:t>http://www.youtube.com/watch?v=gr3MGCmd03U</a:t>
+            </a:r>
+            <a:r>
+              <a:rPr lang="en-US">
+                <a:solidFill>
+                  <a:schemeClr val="bg1"/>
+                </a:solidFill>
+              </a:rPr>
+              <a:t> </a:t>
+            </a:r>
+          </a:p>
+        </p:txBody>
+      </p:sp>
+    </p:spTree>
+  </p:cSld>
+  <p:clrMapOvr>
+    <a:masterClrMapping/>
+  </p:clrMapOvr>
+  <p:timing>
+    <p:tnLst>
+      <p:par>
+        <p:cTn xmlns:p14="http://schemas.microsoft.com/office/powerpoint/2010/main" id="1" dur="indefinite" restart="never" nodeType="tmRoot"/>
+      </p:par>
+    </p:tnLst>
+  </p:timing>
+</p:sld>
+</file>
+
+<file path=ppt/slides/slide8.xml><?xml version="1.0" encoding="utf-8"?>
+<p:sld xmlns:a="http://schemas.openxmlformats.org/drawingml/2006/main" xmlns:r="http://schemas.openxmlformats.org/officeDocument/2006/relationships" xmlns:p="http://schemas.openxmlformats.org/presentationml/2006/main">
+  <p:cSld>
+    <p:spTree>
+      <p:nvGrpSpPr>
+        <p:cNvPr id="1" name=""/>
+        <p:cNvGrpSpPr/>
+        <p:nvPr/>
+      </p:nvGrpSpPr>
+      <p:grpSpPr>
+        <a:xfrm>
+          <a:off x="0" y="0"/>
+          <a:ext cx="0" cy="0"/>
+          <a:chOff x="0" y="0"/>
+          <a:chExt cx="0" cy="0"/>
+        </a:xfrm>
+      </p:grpSpPr>
       <p:sp>
         <p:nvSpPr>
           <p:cNvPr id="12289" name="Rectangle 2"/>
@@ -3696,8 +4499,8 @@
         </p:nvSpPr>
         <p:spPr bwMode="auto">
           <a:xfrm>
-            <a:off x="381000" y="152400"/>
-            <a:ext cx="6858000" cy="952500"/>
+            <a:off x="457200" y="182880"/>
+            <a:ext cx="8229600" cy="1143000"/>
           </a:xfrm>
           <a:noFill/>
           <a:ln>
@@ -3707,7 +4510,7 @@
           </a:ln>
         </p:spPr>
         <p:txBody>
-          <a:bodyPr vert="horz" wrap="square" lIns="91440" tIns="45720" rIns="91440" bIns="45720" numCol="1" anchor="t" anchorCtr="0" compatLnSpc="1">
+          <a:bodyPr vert="horz" wrap="square" lIns="109728" tIns="54864" rIns="109728" bIns="54864" numCol="1" anchor="t" anchorCtr="0" compatLnSpc="1">
             <a:prstTxWarp prst="textNoShape">
               <a:avLst/>
             </a:prstTxWarp>
@@ -3734,8 +4537,8 @@
         </p:nvGrpSpPr>
         <p:grpSpPr bwMode="auto">
           <a:xfrm>
-            <a:off x="1447800" y="912813"/>
-            <a:ext cx="4876800" cy="4535487"/>
+            <a:off x="1737360" y="1095376"/>
+            <a:ext cx="5852160" cy="5442584"/>
             <a:chOff x="912" y="630"/>
             <a:chExt cx="3072" cy="2857"/>
           </a:xfrm>
@@ -3819,8 +4622,8 @@
         </p:nvSpPr>
         <p:spPr bwMode="auto">
           <a:xfrm>
-            <a:off x="2286000" y="5448300"/>
-            <a:ext cx="3343275" cy="274638"/>
+            <a:off x="2743201" y="6537960"/>
+            <a:ext cx="4011930" cy="329566"/>
           </a:xfrm>
           <a:prstGeom prst="rect">
             <a:avLst/>
@@ -3834,740 +4637,14 @@
           </a:ln>
         </p:spPr>
         <p:txBody>
-          <a:bodyPr>
+          <a:bodyPr lIns="109728" tIns="54864" rIns="109728" bIns="54864">
             <a:spAutoFit/>
           </a:bodyPr>
           <a:lstStyle/>
           <a:p>
             <a:r>
-              <a:rPr lang="en-US" sz="1200"/>
+              <a:rPr lang="en-US" sz="1400"/>
               <a:t>(http://wiki.opscode.com/display/chef/Architecture)</a:t>
-            </a:r>
-          </a:p>
-        </p:txBody>
-      </p:sp>
-    </p:spTree>
-  </p:cSld>
-  <p:clrMapOvr>
-    <a:masterClrMapping/>
-  </p:clrMapOvr>
-  <p:timing>
-    <p:tnLst>
-      <p:par>
-        <p:cTn xmlns:p14="http://schemas.microsoft.com/office/powerpoint/2010/main" id="1" dur="indefinite" restart="never" nodeType="tmRoot"/>
-      </p:par>
-    </p:tnLst>
-  </p:timing>
-</p:sld>
-</file>
-
-<file path=ppt/slides/slide8.xml><?xml version="1.0" encoding="utf-8"?>
-<p:sld xmlns:a="http://schemas.openxmlformats.org/drawingml/2006/main" xmlns:r="http://schemas.openxmlformats.org/officeDocument/2006/relationships" xmlns:p="http://schemas.openxmlformats.org/presentationml/2006/main">
-  <p:cSld>
-    <p:spTree>
-      <p:nvGrpSpPr>
-        <p:cNvPr id="1" name=""/>
-        <p:cNvGrpSpPr/>
-        <p:nvPr/>
-      </p:nvGrpSpPr>
-      <p:grpSpPr>
-        <a:xfrm>
-          <a:off x="0" y="0"/>
-          <a:ext cx="0" cy="0"/>
-          <a:chOff x="0" y="0"/>
-          <a:chExt cx="0" cy="0"/>
-        </a:xfrm>
-      </p:grpSpPr>
-      <p:sp>
-        <p:nvSpPr>
-          <p:cNvPr id="11265" name="Shape 18"/>
-          <p:cNvSpPr>
-            <a:spLocks noGrp="1"/>
-          </p:cNvSpPr>
-          <p:nvPr>
-            <p:ph type="title"/>
-          </p:nvPr>
-        </p:nvSpPr>
-        <p:spPr bwMode="auto">
-          <a:xfrm>
-            <a:off x="238125" y="171450"/>
-            <a:ext cx="7143750" cy="762000"/>
-          </a:xfrm>
-          <a:noFill/>
-          <a:ln>
-            <a:miter lim="800000"/>
-            <a:headEnd/>
-            <a:tailEnd/>
-          </a:ln>
-        </p:spPr>
-        <p:txBody>
-          <a:bodyPr vert="horz" wrap="square" lIns="91440" tIns="45720" rIns="91440" bIns="45720" numCol="1" anchor="t" anchorCtr="0" compatLnSpc="1">
-            <a:prstTxWarp prst="textNoShape">
-              <a:avLst/>
-            </a:prstTxWarp>
-          </a:bodyPr>
-          <a:lstStyle/>
-          <a:p>
-            <a:pPr eaLnBrk="1" hangingPunct="1"/>
-            <a:r>
-              <a:rPr lang="en-US" smtClean="0">
-                <a:latin typeface="Gill Sans MT" pitchFamily="34" charset="0"/>
-              </a:rPr>
-              <a:t>Demo Application</a:t>
-            </a:r>
-          </a:p>
-        </p:txBody>
-      </p:sp>
-      <p:sp>
-        <p:nvSpPr>
-          <p:cNvPr id="11266" name="AutoShape 6"/>
-          <p:cNvSpPr>
-            <a:spLocks noChangeArrowheads="1"/>
-          </p:cNvSpPr>
-          <p:nvPr/>
-        </p:nvSpPr>
-        <p:spPr bwMode="auto">
-          <a:xfrm>
-            <a:off x="-990600" y="571500"/>
-            <a:ext cx="9220200" cy="6281738"/>
-          </a:xfrm>
-          <a:prstGeom prst="cloudCallout">
-            <a:avLst>
-              <a:gd name="adj1" fmla="val -36208"/>
-              <a:gd name="adj2" fmla="val 49343"/>
-            </a:avLst>
-          </a:prstGeom>
-          <a:noFill/>
-          <a:ln w="9525">
-            <a:solidFill>
-              <a:schemeClr val="tx1"/>
-            </a:solidFill>
-            <a:round/>
-            <a:headEnd/>
-            <a:tailEnd/>
-          </a:ln>
-        </p:spPr>
-        <p:txBody>
-          <a:bodyPr/>
-          <a:lstStyle/>
-          <a:p>
-            <a:pPr algn="ctr"/>
-            <a:endParaRPr lang="en-US"/>
-          </a:p>
-        </p:txBody>
-      </p:sp>
-      <p:sp>
-        <p:nvSpPr>
-          <p:cNvPr id="11267" name="AutoShape 10"/>
-          <p:cNvSpPr>
-            <a:spLocks noChangeArrowheads="1"/>
-          </p:cNvSpPr>
-          <p:nvPr/>
-        </p:nvSpPr>
-        <p:spPr bwMode="auto">
-          <a:xfrm>
-            <a:off x="1752600" y="3467100"/>
-            <a:ext cx="1676400" cy="2133600"/>
-          </a:xfrm>
-          <a:prstGeom prst="can">
-            <a:avLst>
-              <a:gd name="adj" fmla="val 31818"/>
-            </a:avLst>
-          </a:prstGeom>
-          <a:noFill/>
-          <a:ln w="9525">
-            <a:solidFill>
-              <a:schemeClr val="tx1"/>
-            </a:solidFill>
-            <a:round/>
-            <a:headEnd/>
-            <a:tailEnd/>
-          </a:ln>
-        </p:spPr>
-        <p:txBody>
-          <a:bodyPr wrap="none" anchor="ctr"/>
-          <a:lstStyle/>
-          <a:p>
-            <a:endParaRPr lang="en-US"/>
-          </a:p>
-        </p:txBody>
-      </p:sp>
-      <p:sp>
-        <p:nvSpPr>
-          <p:cNvPr id="11268" name="AutoShape 11"/>
-          <p:cNvSpPr>
-            <a:spLocks noChangeArrowheads="1"/>
-          </p:cNvSpPr>
-          <p:nvPr/>
-        </p:nvSpPr>
-        <p:spPr bwMode="auto">
-          <a:xfrm>
-            <a:off x="4495800" y="3467100"/>
-            <a:ext cx="1676400" cy="2133600"/>
-          </a:xfrm>
-          <a:prstGeom prst="can">
-            <a:avLst>
-              <a:gd name="adj" fmla="val 31818"/>
-            </a:avLst>
-          </a:prstGeom>
-          <a:noFill/>
-          <a:ln w="9525">
-            <a:solidFill>
-              <a:schemeClr val="tx1"/>
-            </a:solidFill>
-            <a:round/>
-            <a:headEnd/>
-            <a:tailEnd/>
-          </a:ln>
-        </p:spPr>
-        <p:txBody>
-          <a:bodyPr wrap="none" anchor="ctr"/>
-          <a:lstStyle/>
-          <a:p>
-            <a:endParaRPr lang="en-US"/>
-          </a:p>
-        </p:txBody>
-      </p:sp>
-      <p:pic>
-        <p:nvPicPr>
-          <p:cNvPr id="11269" name="Picture 13" descr="logo-mysql-110x57"/>
-          <p:cNvPicPr>
-            <a:picLocks noChangeAspect="1" noChangeArrowheads="1"/>
-          </p:cNvPicPr>
-          <p:nvPr/>
-        </p:nvPicPr>
-        <p:blipFill>
-          <a:blip r:embed="rId2"/>
-          <a:srcRect/>
-          <a:stretch>
-            <a:fillRect/>
-          </a:stretch>
-        </p:blipFill>
-        <p:spPr bwMode="auto">
-          <a:xfrm>
-            <a:off x="2057400" y="4762500"/>
-            <a:ext cx="1047750" cy="542925"/>
-          </a:xfrm>
-          <a:prstGeom prst="rect">
-            <a:avLst/>
-          </a:prstGeom>
-          <a:noFill/>
-          <a:ln w="9525">
-            <a:noFill/>
-            <a:miter lim="800000"/>
-            <a:headEnd/>
-            <a:tailEnd/>
-          </a:ln>
-        </p:spPr>
-      </p:pic>
-      <p:pic>
-        <p:nvPicPr>
-          <p:cNvPr id="11270" name="Picture 15" descr="memcached-logo-200x152"/>
-          <p:cNvPicPr>
-            <a:picLocks noChangeAspect="1" noChangeArrowheads="1"/>
-          </p:cNvPicPr>
-          <p:nvPr/>
-        </p:nvPicPr>
-        <p:blipFill>
-          <a:blip r:embed="rId3"/>
-          <a:srcRect/>
-          <a:stretch>
-            <a:fillRect/>
-          </a:stretch>
-        </p:blipFill>
-        <p:spPr bwMode="auto">
-          <a:xfrm>
-            <a:off x="4876800" y="4686300"/>
-            <a:ext cx="914400" cy="695325"/>
-          </a:xfrm>
-          <a:prstGeom prst="rect">
-            <a:avLst/>
-          </a:prstGeom>
-          <a:noFill/>
-          <a:ln w="9525">
-            <a:noFill/>
-            <a:miter lim="800000"/>
-            <a:headEnd/>
-            <a:tailEnd/>
-          </a:ln>
-        </p:spPr>
-      </p:pic>
-      <p:sp>
-        <p:nvSpPr>
-          <p:cNvPr id="11271" name="Text Box 16"/>
-          <p:cNvSpPr txBox="1">
-            <a:spLocks noChangeArrowheads="1"/>
-          </p:cNvSpPr>
-          <p:nvPr/>
-        </p:nvSpPr>
-        <p:spPr bwMode="auto">
-          <a:xfrm>
-            <a:off x="2286000" y="4152900"/>
-            <a:ext cx="584200" cy="457200"/>
-          </a:xfrm>
-          <a:prstGeom prst="rect">
-            <a:avLst/>
-          </a:prstGeom>
-          <a:noFill/>
-          <a:ln w="9525">
-            <a:noFill/>
-            <a:miter lim="800000"/>
-            <a:headEnd/>
-            <a:tailEnd/>
-          </a:ln>
-        </p:spPr>
-        <p:txBody>
-          <a:bodyPr wrap="none">
-            <a:spAutoFit/>
-          </a:bodyPr>
-          <a:lstStyle/>
-          <a:p>
-            <a:r>
-              <a:rPr lang="en-US" sz="2400"/>
-              <a:t>DB</a:t>
-            </a:r>
-          </a:p>
-        </p:txBody>
-      </p:sp>
-      <p:sp>
-        <p:nvSpPr>
-          <p:cNvPr id="11272" name="Text Box 17"/>
-          <p:cNvSpPr txBox="1">
-            <a:spLocks noChangeArrowheads="1"/>
-          </p:cNvSpPr>
-          <p:nvPr/>
-        </p:nvSpPr>
-        <p:spPr bwMode="auto">
-          <a:xfrm>
-            <a:off x="4876800" y="4152900"/>
-            <a:ext cx="962025" cy="457200"/>
-          </a:xfrm>
-          <a:prstGeom prst="rect">
-            <a:avLst/>
-          </a:prstGeom>
-          <a:noFill/>
-          <a:ln w="9525">
-            <a:noFill/>
-            <a:miter lim="800000"/>
-            <a:headEnd/>
-            <a:tailEnd/>
-          </a:ln>
-        </p:spPr>
-        <p:txBody>
-          <a:bodyPr wrap="none">
-            <a:spAutoFit/>
-          </a:bodyPr>
-          <a:lstStyle/>
-          <a:p>
-            <a:r>
-              <a:rPr lang="en-US" sz="2400"/>
-              <a:t>Cache</a:t>
-            </a:r>
-          </a:p>
-        </p:txBody>
-      </p:sp>
-      <p:sp>
-        <p:nvSpPr>
-          <p:cNvPr id="11273" name="AutoShape 19"/>
-          <p:cNvSpPr>
-            <a:spLocks noChangeArrowheads="1"/>
-          </p:cNvSpPr>
-          <p:nvPr/>
-        </p:nvSpPr>
-        <p:spPr bwMode="auto">
-          <a:xfrm>
-            <a:off x="1447800" y="1485900"/>
-            <a:ext cx="4953000" cy="1676400"/>
-          </a:xfrm>
-          <a:prstGeom prst="cube">
-            <a:avLst>
-              <a:gd name="adj" fmla="val 25000"/>
-            </a:avLst>
-          </a:prstGeom>
-          <a:noFill/>
-          <a:ln w="9525">
-            <a:solidFill>
-              <a:schemeClr val="tx1"/>
-            </a:solidFill>
-            <a:miter lim="800000"/>
-            <a:headEnd/>
-            <a:tailEnd/>
-          </a:ln>
-        </p:spPr>
-        <p:txBody>
-          <a:bodyPr wrap="none" anchor="ctr"/>
-          <a:lstStyle/>
-          <a:p>
-            <a:endParaRPr lang="en-US"/>
-          </a:p>
-        </p:txBody>
-      </p:sp>
-      <p:sp>
-        <p:nvSpPr>
-          <p:cNvPr id="11274" name="Text Box 20"/>
-          <p:cNvSpPr txBox="1">
-            <a:spLocks noChangeArrowheads="1"/>
-          </p:cNvSpPr>
-          <p:nvPr/>
-        </p:nvSpPr>
-        <p:spPr bwMode="auto">
-          <a:xfrm>
-            <a:off x="3048000" y="1485900"/>
-            <a:ext cx="1562100" cy="457200"/>
-          </a:xfrm>
-          <a:prstGeom prst="rect">
-            <a:avLst/>
-          </a:prstGeom>
-          <a:noFill/>
-          <a:ln w="9525">
-            <a:noFill/>
-            <a:miter lim="800000"/>
-            <a:headEnd/>
-            <a:tailEnd/>
-          </a:ln>
-        </p:spPr>
-        <p:txBody>
-          <a:bodyPr wrap="none">
-            <a:spAutoFit/>
-          </a:bodyPr>
-          <a:lstStyle/>
-          <a:p>
-            <a:pPr algn="ctr"/>
-            <a:r>
-              <a:rPr lang="en-US" sz="2400"/>
-              <a:t>Web / App</a:t>
-            </a:r>
-          </a:p>
-        </p:txBody>
-      </p:sp>
-      <p:pic>
-        <p:nvPicPr>
-          <p:cNvPr id="11275" name="Picture 22" descr="rails"/>
-          <p:cNvPicPr>
-            <a:picLocks noChangeAspect="1" noChangeArrowheads="1"/>
-          </p:cNvPicPr>
-          <p:nvPr/>
-        </p:nvPicPr>
-        <p:blipFill>
-          <a:blip r:embed="rId4"/>
-          <a:srcRect/>
-          <a:stretch>
-            <a:fillRect/>
-          </a:stretch>
-        </p:blipFill>
-        <p:spPr bwMode="auto">
-          <a:xfrm>
-            <a:off x="1752600" y="2095500"/>
-            <a:ext cx="649288" cy="828675"/>
-          </a:xfrm>
-          <a:prstGeom prst="rect">
-            <a:avLst/>
-          </a:prstGeom>
-          <a:noFill/>
-          <a:ln w="9525">
-            <a:noFill/>
-            <a:miter lim="800000"/>
-            <a:headEnd/>
-            <a:tailEnd/>
-          </a:ln>
-        </p:spPr>
-      </p:pic>
-      <p:pic>
-        <p:nvPicPr>
-          <p:cNvPr id="11276" name="Picture 24" descr="passenger1"/>
-          <p:cNvPicPr>
-            <a:picLocks noChangeAspect="1" noChangeArrowheads="1"/>
-          </p:cNvPicPr>
-          <p:nvPr/>
-        </p:nvPicPr>
-        <p:blipFill>
-          <a:blip r:embed="rId5"/>
-          <a:srcRect/>
-          <a:stretch>
-            <a:fillRect/>
-          </a:stretch>
-        </p:blipFill>
-        <p:spPr bwMode="auto">
-          <a:xfrm>
-            <a:off x="2438400" y="2247900"/>
-            <a:ext cx="1905000" cy="571500"/>
-          </a:xfrm>
-          <a:prstGeom prst="rect">
-            <a:avLst/>
-          </a:prstGeom>
-          <a:noFill/>
-          <a:ln w="9525">
-            <a:noFill/>
-            <a:miter lim="800000"/>
-            <a:headEnd/>
-            <a:tailEnd/>
-          </a:ln>
-        </p:spPr>
-      </p:pic>
-      <p:pic>
-        <p:nvPicPr>
-          <p:cNvPr id="11277" name="Picture 30" descr="apache_logo"/>
-          <p:cNvPicPr>
-            <a:picLocks noChangeAspect="1" noChangeArrowheads="1"/>
-          </p:cNvPicPr>
-          <p:nvPr/>
-        </p:nvPicPr>
-        <p:blipFill>
-          <a:blip r:embed="rId6"/>
-          <a:srcRect/>
-          <a:stretch>
-            <a:fillRect/>
-          </a:stretch>
-        </p:blipFill>
-        <p:spPr bwMode="auto">
-          <a:xfrm>
-            <a:off x="4343400" y="1790700"/>
-            <a:ext cx="1447800" cy="1447800"/>
-          </a:xfrm>
-          <a:prstGeom prst="rect">
-            <a:avLst/>
-          </a:prstGeom>
-          <a:noFill/>
-          <a:ln w="9525">
-            <a:noFill/>
-            <a:miter lim="800000"/>
-            <a:headEnd/>
-            <a:tailEnd/>
-          </a:ln>
-        </p:spPr>
-      </p:pic>
-      <p:sp>
-        <p:nvSpPr>
-          <p:cNvPr id="11278" name="Line 32"/>
-          <p:cNvSpPr>
-            <a:spLocks noChangeShapeType="1"/>
-          </p:cNvSpPr>
-          <p:nvPr/>
-        </p:nvSpPr>
-        <p:spPr bwMode="auto">
-          <a:xfrm>
-            <a:off x="2590800" y="3162300"/>
-            <a:ext cx="0" cy="304800"/>
-          </a:xfrm>
-          <a:prstGeom prst="line">
-            <a:avLst/>
-          </a:prstGeom>
-          <a:noFill/>
-          <a:ln w="9525">
-            <a:solidFill>
-              <a:schemeClr val="tx1"/>
-            </a:solidFill>
-            <a:round/>
-            <a:headEnd type="triangle" w="med" len="med"/>
-            <a:tailEnd type="triangle" w="med" len="med"/>
-          </a:ln>
-        </p:spPr>
-        <p:txBody>
-          <a:bodyPr/>
-          <a:lstStyle/>
-          <a:p>
-            <a:endParaRPr lang="en-US"/>
-          </a:p>
-        </p:txBody>
-      </p:sp>
-      <p:sp>
-        <p:nvSpPr>
-          <p:cNvPr id="11279" name="Line 33"/>
-          <p:cNvSpPr>
-            <a:spLocks noChangeShapeType="1"/>
-          </p:cNvSpPr>
-          <p:nvPr/>
-        </p:nvSpPr>
-        <p:spPr bwMode="auto">
-          <a:xfrm>
-            <a:off x="5334000" y="3162300"/>
-            <a:ext cx="0" cy="304800"/>
-          </a:xfrm>
-          <a:prstGeom prst="line">
-            <a:avLst/>
-          </a:prstGeom>
-          <a:noFill/>
-          <a:ln w="9525">
-            <a:solidFill>
-              <a:schemeClr val="tx1"/>
-            </a:solidFill>
-            <a:round/>
-            <a:headEnd type="triangle" w="med" len="med"/>
-            <a:tailEnd type="triangle" w="med" len="med"/>
-          </a:ln>
-        </p:spPr>
-        <p:txBody>
-          <a:bodyPr/>
-          <a:lstStyle/>
-          <a:p>
-            <a:endParaRPr lang="en-US"/>
-          </a:p>
-        </p:txBody>
-      </p:sp>
-      <p:pic>
-        <p:nvPicPr>
-          <p:cNvPr id="11280" name="Picture 37" descr="125318-1"/>
-          <p:cNvPicPr>
-            <a:picLocks noChangeAspect="1" noChangeArrowheads="1"/>
-          </p:cNvPicPr>
-          <p:nvPr/>
-        </p:nvPicPr>
-        <p:blipFill>
-          <a:blip r:embed="rId7"/>
-          <a:srcRect/>
-          <a:stretch>
-            <a:fillRect/>
-          </a:stretch>
-        </p:blipFill>
-        <p:spPr bwMode="auto">
-          <a:xfrm>
-            <a:off x="0" y="4649788"/>
-            <a:ext cx="1133475" cy="341312"/>
-          </a:xfrm>
-          <a:prstGeom prst="rect">
-            <a:avLst/>
-          </a:prstGeom>
-          <a:noFill/>
-          <a:ln w="9525">
-            <a:noFill/>
-            <a:miter lim="800000"/>
-            <a:headEnd/>
-            <a:tailEnd/>
-          </a:ln>
-        </p:spPr>
-      </p:pic>
-      <p:pic>
-        <p:nvPicPr>
-          <p:cNvPr id="11281" name="Picture 39" descr="github-logo"/>
-          <p:cNvPicPr>
-            <a:picLocks noChangeAspect="1" noChangeArrowheads="1"/>
-          </p:cNvPicPr>
-          <p:nvPr/>
-        </p:nvPicPr>
-        <p:blipFill>
-          <a:blip r:embed="rId8"/>
-          <a:srcRect/>
-          <a:stretch>
-            <a:fillRect/>
-          </a:stretch>
-        </p:blipFill>
-        <p:spPr bwMode="auto">
-          <a:xfrm>
-            <a:off x="0" y="4076700"/>
-            <a:ext cx="920750" cy="473075"/>
-          </a:xfrm>
-          <a:prstGeom prst="rect">
-            <a:avLst/>
-          </a:prstGeom>
-          <a:noFill/>
-          <a:ln w="9525">
-            <a:noFill/>
-            <a:miter lim="800000"/>
-            <a:headEnd/>
-            <a:tailEnd/>
-          </a:ln>
-        </p:spPr>
-      </p:pic>
-      <p:sp>
-        <p:nvSpPr>
-          <p:cNvPr id="11282" name="Line 40"/>
-          <p:cNvSpPr>
-            <a:spLocks noChangeShapeType="1"/>
-          </p:cNvSpPr>
-          <p:nvPr/>
-        </p:nvSpPr>
-        <p:spPr bwMode="auto">
-          <a:xfrm flipV="1">
-            <a:off x="914400" y="3162300"/>
-            <a:ext cx="533400" cy="914400"/>
-          </a:xfrm>
-          <a:prstGeom prst="line">
-            <a:avLst/>
-          </a:prstGeom>
-          <a:noFill/>
-          <a:ln w="9525">
-            <a:solidFill>
-              <a:schemeClr val="tx1"/>
-            </a:solidFill>
-            <a:round/>
-            <a:headEnd/>
-            <a:tailEnd type="triangle" w="med" len="med"/>
-          </a:ln>
-        </p:spPr>
-        <p:txBody>
-          <a:bodyPr/>
-          <a:lstStyle/>
-          <a:p>
-            <a:endParaRPr lang="en-US"/>
-          </a:p>
-        </p:txBody>
-      </p:sp>
-      <p:pic>
-        <p:nvPicPr>
-          <p:cNvPr id="11283" name="Picture 42" descr="the_rackspace_cloud-white_high+res"/>
-          <p:cNvPicPr>
-            <a:picLocks noChangeAspect="1" noChangeArrowheads="1"/>
-          </p:cNvPicPr>
-          <p:nvPr/>
-        </p:nvPicPr>
-        <p:blipFill>
-          <a:blip r:embed="rId9"/>
-          <a:srcRect/>
-          <a:stretch>
-            <a:fillRect/>
-          </a:stretch>
-        </p:blipFill>
-        <p:spPr bwMode="auto">
-          <a:xfrm>
-            <a:off x="0" y="5092700"/>
-            <a:ext cx="1600200" cy="355600"/>
-          </a:xfrm>
-          <a:prstGeom prst="rect">
-            <a:avLst/>
-          </a:prstGeom>
-          <a:noFill/>
-          <a:ln w="9525">
-            <a:noFill/>
-            <a:miter lim="800000"/>
-            <a:headEnd/>
-            <a:tailEnd/>
-          </a:ln>
-        </p:spPr>
-      </p:pic>
-      <p:sp>
-        <p:nvSpPr>
-          <p:cNvPr id="11284" name="Text Box 43"/>
-          <p:cNvSpPr txBox="1">
-            <a:spLocks noChangeArrowheads="1"/>
-          </p:cNvSpPr>
-          <p:nvPr/>
-        </p:nvSpPr>
-        <p:spPr bwMode="auto">
-          <a:xfrm>
-            <a:off x="2514600" y="2857500"/>
-            <a:ext cx="2735263" cy="274638"/>
-          </a:xfrm>
-          <a:prstGeom prst="rect">
-            <a:avLst/>
-          </a:prstGeom>
-          <a:noFill/>
-          <a:ln w="9525">
-            <a:noFill/>
-            <a:miter lim="800000"/>
-            <a:headEnd/>
-            <a:tailEnd/>
-          </a:ln>
-        </p:spPr>
-        <p:txBody>
-          <a:bodyPr wrap="none">
-            <a:spAutoFit/>
-          </a:bodyPr>
-          <a:lstStyle/>
-          <a:p>
-            <a:pPr algn="ctr"/>
-            <a:r>
-              <a:rPr lang="en-US" sz="1200"/>
-              <a:t>(https://github.com/smith/demo-rails-app)</a:t>
             </a:r>
           </a:p>
         </p:txBody>
@@ -4616,8 +4693,8 @@
         </p:nvSpPr>
         <p:spPr bwMode="auto">
           <a:xfrm>
-            <a:off x="381000" y="228600"/>
-            <a:ext cx="6858000" cy="952500"/>
+            <a:off x="457200" y="274320"/>
+            <a:ext cx="8229600" cy="1143000"/>
           </a:xfrm>
           <a:noFill/>
           <a:ln>
@@ -4627,7 +4704,7 @@
           </a:ln>
         </p:spPr>
         <p:txBody>
-          <a:bodyPr vert="horz" wrap="square" lIns="91440" tIns="45720" rIns="91440" bIns="45720" numCol="1" anchor="t" anchorCtr="0" compatLnSpc="1">
+          <a:bodyPr vert="horz" wrap="square" lIns="109728" tIns="54864" rIns="109728" bIns="54864" numCol="1" anchor="t" anchorCtr="0" compatLnSpc="1">
             <a:prstTxWarp prst="textNoShape">
               <a:avLst/>
             </a:prstTxWarp>
@@ -4636,17 +4713,17 @@
           <a:p>
             <a:pPr eaLnBrk="1" hangingPunct="1"/>
             <a:r>
-              <a:rPr lang="en-US" sz="4400" smtClean="0">
+              <a:rPr lang="en-US" sz="5300">
                 <a:latin typeface="Gill Sans MT" pitchFamily="34" charset="0"/>
               </a:rPr>
               <a:t>Nodes</a:t>
             </a:r>
             <a:br>
-              <a:rPr lang="en-US" sz="4400" smtClean="0">
+              <a:rPr lang="en-US" sz="5300">
                 <a:latin typeface="Gill Sans MT" pitchFamily="34" charset="0"/>
               </a:rPr>
             </a:br>
-            <a:endParaRPr lang="en-US" sz="4400" smtClean="0">
+            <a:endParaRPr lang="en-US" sz="5300">
               <a:latin typeface="Gill Sans MT" pitchFamily="34" charset="0"/>
             </a:endParaRPr>
           </a:p>
@@ -4662,8 +4739,8 @@
         </p:nvSpPr>
         <p:spPr bwMode="auto">
           <a:xfrm>
-            <a:off x="304800" y="1257300"/>
-            <a:ext cx="4800600" cy="1004888"/>
+            <a:off x="365760" y="1508760"/>
+            <a:ext cx="5760720" cy="1226490"/>
           </a:xfrm>
           <a:prstGeom prst="rect">
             <a:avLst/>
@@ -4678,7 +4755,7 @@
           <a:effectLst/>
         </p:spPr>
         <p:txBody>
-          <a:bodyPr>
+          <a:bodyPr lIns="109728" tIns="54864" rIns="109728" bIns="54864">
             <a:spAutoFit/>
           </a:bodyPr>
           <a:lstStyle/>
@@ -4691,7 +4768,7 @@
               <a:buChar char="•"/>
             </a:pPr>
             <a:r>
-              <a:rPr lang="en-US" sz="2400"/>
+              <a:rPr lang="en-US" sz="2900"/>
               <a:t> Attributes</a:t>
             </a:r>
           </a:p>
@@ -4704,7 +4781,7 @@
               <a:buChar char="•"/>
             </a:pPr>
             <a:r>
-              <a:rPr lang="en-US" sz="2400"/>
+              <a:rPr lang="en-US" sz="2900"/>
               <a:t> Run list</a:t>
             </a:r>
           </a:p>

--- a/presentation/iowa_code_camp_chef_2011.pptx
+++ b/presentation/iowa_code_camp_chef_2011.pptx
@@ -1,6 +1,6 @@
 
 <file path=ppt/presentation.xml><?xml version="1.0" encoding="utf-8"?>
-<p:presentation xmlns:a="http://schemas.openxmlformats.org/drawingml/2006/main" xmlns:r="http://schemas.openxmlformats.org/officeDocument/2006/relationships" xmlns:p="http://schemas.openxmlformats.org/presentationml/2006/main" saveSubsetFonts="1">
+<p:presentation xmlns:a="http://schemas.openxmlformats.org/drawingml/2006/main" xmlns:r="http://schemas.openxmlformats.org/officeDocument/2006/relationships" xmlns:mc="http://schemas.openxmlformats.org/markup-compatibility/2006" xmlns:mv="urn:schemas-microsoft-com:mac:vml" xmlns:p="http://schemas.openxmlformats.org/presentationml/2006/main" mc:Ignorable="mv" mc:PreserveAttributes="mv:*" saveSubsetFonts="1">
   <p:sldMasterIdLst>
     <p:sldMasterId id="2147483648" r:id="rId1"/>
   </p:sldMasterIdLst>
@@ -10,8 +10,8 @@
   <p:sldIdLst>
     <p:sldId id="256" r:id="rId2"/>
     <p:sldId id="257" r:id="rId3"/>
-    <p:sldId id="258" r:id="rId4"/>
-    <p:sldId id="259" r:id="rId5"/>
+    <p:sldId id="259" r:id="rId4"/>
+    <p:sldId id="258" r:id="rId5"/>
     <p:sldId id="260" r:id="rId6"/>
     <p:sldId id="269" r:id="rId7"/>
     <p:sldId id="274" r:id="rId8"/>
@@ -159,7 +159,7 @@
 </file>
 
 <file path=ppt/notesMasters/notesMaster1.xml><?xml version="1.0" encoding="utf-8"?>
-<p:notesMaster xmlns:a="http://schemas.openxmlformats.org/drawingml/2006/main" xmlns:r="http://schemas.openxmlformats.org/officeDocument/2006/relationships" xmlns:p="http://schemas.openxmlformats.org/presentationml/2006/main">
+<p:notesMaster xmlns:a="http://schemas.openxmlformats.org/drawingml/2006/main" xmlns:r="http://schemas.openxmlformats.org/officeDocument/2006/relationships" xmlns:mc="http://schemas.openxmlformats.org/markup-compatibility/2006" xmlns:mv="urn:schemas-microsoft-com:mac:vml" xmlns:p="http://schemas.openxmlformats.org/presentationml/2006/main" mc:Ignorable="mv" mc:PreserveAttributes="mv:*">
   <p:cSld>
     <p:bg>
       <p:bgRef idx="1001">
@@ -183,7 +183,7 @@
     </p:spTree>
     <p:extLst>
       <p:ext uri="{BB962C8B-B14F-4D97-AF65-F5344CB8AC3E}">
-        <p14:creationId xmlns:p14="http://schemas.microsoft.com/office/powerpoint/2010/main" val="1448327074"/>
+        <p14:creationId xmlns:p14="http://schemas.microsoft.com/office/powerpoint/2010/main" xmlns:p="http://schemas.openxmlformats.org/presentationml/2006/main" xmlns:r="http://schemas.openxmlformats.org/officeDocument/2006/relationships" xmlns:a="http://schemas.openxmlformats.org/drawingml/2006/main" xmlns="" val="1448327074"/>
       </p:ext>
     </p:extLst>
   </p:cSld>
@@ -314,7 +314,7 @@
 </file>
 
 <file path=ppt/notesSlides/notesSlide1.xml><?xml version="1.0" encoding="utf-8"?>
-<p:notes xmlns:a="http://schemas.openxmlformats.org/drawingml/2006/main" xmlns:r="http://schemas.openxmlformats.org/officeDocument/2006/relationships" xmlns:p="http://schemas.openxmlformats.org/presentationml/2006/main">
+<p:notes xmlns:a="http://schemas.openxmlformats.org/drawingml/2006/main" xmlns:r="http://schemas.openxmlformats.org/officeDocument/2006/relationships" xmlns:mc="http://schemas.openxmlformats.org/markup-compatibility/2006" xmlns:mv="urn:schemas-microsoft-com:mac:vml" xmlns:p="http://schemas.openxmlformats.org/presentationml/2006/main" mc:Ignorable="mv" mc:PreserveAttributes="mv:*">
   <p:cSld>
     <p:spTree>
       <p:nvGrpSpPr>
@@ -376,6 +376,86 @@
           </a:prstGeom>
         </p:spPr>
         <p:txBody>
+          <a:bodyPr>
+            <a:normAutofit/>
+          </a:bodyPr>
+          <a:lstStyle/>
+          <a:p>
+            <a:endParaRPr lang="en-US" dirty="0"/>
+          </a:p>
+        </p:txBody>
+      </p:sp>
+    </p:spTree>
+  </p:cSld>
+  <p:clrMapOvr>
+    <a:masterClrMapping/>
+  </p:clrMapOvr>
+</p:notes>
+</file>
+
+<file path=ppt/notesSlides/notesSlide2.xml><?xml version="1.0" encoding="utf-8"?>
+<p:notes xmlns:a="http://schemas.openxmlformats.org/drawingml/2006/main" xmlns:r="http://schemas.openxmlformats.org/officeDocument/2006/relationships" xmlns:mc="http://schemas.openxmlformats.org/markup-compatibility/2006" xmlns:mv="urn:schemas-microsoft-com:mac:vml" xmlns:p="http://schemas.openxmlformats.org/presentationml/2006/main" mc:Ignorable="mv" mc:PreserveAttributes="mv:*">
+  <p:cSld>
+    <p:spTree>
+      <p:nvGrpSpPr>
+        <p:cNvPr id="1" name=""/>
+        <p:cNvGrpSpPr/>
+        <p:nvPr/>
+      </p:nvGrpSpPr>
+      <p:grpSpPr>
+        <a:xfrm>
+          <a:off x="0" y="0"/>
+          <a:ext cx="0" cy="0"/>
+          <a:chOff x="0" y="0"/>
+          <a:chExt cx="0" cy="0"/>
+        </a:xfrm>
+      </p:grpSpPr>
+      <p:sp>
+        <p:nvSpPr>
+          <p:cNvPr id="2" name="Slide Image Placeholder 1"/>
+          <p:cNvSpPr>
+            <a:spLocks noGrp="1" noRot="1" noChangeAspect="1"/>
+          </p:cNvSpPr>
+          <p:nvPr>
+            <p:ph type="sldImg"/>
+          </p:nvPr>
+        </p:nvSpPr>
+        <p:spPr>
+          <a:xfrm>
+            <a:off x="2381250" y="428625"/>
+            <a:ext cx="2857500" cy="2143125"/>
+          </a:xfrm>
+          <a:prstGeom prst="rect">
+            <a:avLst/>
+          </a:prstGeom>
+          <a:noFill/>
+          <a:ln w="12700">
+            <a:solidFill>
+              <a:prstClr val="black"/>
+            </a:solidFill>
+          </a:ln>
+        </p:spPr>
+      </p:sp>
+      <p:sp>
+        <p:nvSpPr>
+          <p:cNvPr id="3" name="Notes Placeholder 2"/>
+          <p:cNvSpPr>
+            <a:spLocks noGrp="1"/>
+          </p:cNvSpPr>
+          <p:nvPr>
+            <p:ph type="body" idx="1"/>
+          </p:nvPr>
+        </p:nvSpPr>
+        <p:spPr>
+          <a:xfrm>
+            <a:off x="762000" y="2714625"/>
+            <a:ext cx="6096000" cy="2571750"/>
+          </a:xfrm>
+          <a:prstGeom prst="rect">
+            <a:avLst/>
+          </a:prstGeom>
+        </p:spPr>
+        <p:txBody>
           <a:bodyPr/>
           <a:lstStyle/>
           <a:p>
@@ -386,7 +466,7 @@
     </p:spTree>
     <p:extLst>
       <p:ext uri="{BB962C8B-B14F-4D97-AF65-F5344CB8AC3E}">
-        <p14:creationId xmlns:p14="http://schemas.microsoft.com/office/powerpoint/2010/main" val="3281860866"/>
+        <p14:creationId xmlns:p14="http://schemas.microsoft.com/office/powerpoint/2010/main" xmlns:p="http://schemas.openxmlformats.org/presentationml/2006/main" xmlns:r="http://schemas.openxmlformats.org/officeDocument/2006/relationships" xmlns:a="http://schemas.openxmlformats.org/drawingml/2006/main" xmlns="" val="3281860866"/>
       </p:ext>
     </p:extLst>
   </p:cSld>
@@ -397,7 +477,7 @@
 </file>
 
 <file path=ppt/slideLayouts/slideLayout1.xml><?xml version="1.0" encoding="utf-8"?>
-<p:sldLayout xmlns:a="http://schemas.openxmlformats.org/drawingml/2006/main" xmlns:r="http://schemas.openxmlformats.org/officeDocument/2006/relationships" xmlns:p="http://schemas.openxmlformats.org/presentationml/2006/main" type="title" preserve="1">
+<p:sldLayout xmlns:a="http://schemas.openxmlformats.org/drawingml/2006/main" xmlns:r="http://schemas.openxmlformats.org/officeDocument/2006/relationships" xmlns:mc="http://schemas.openxmlformats.org/markup-compatibility/2006" xmlns:mv="urn:schemas-microsoft-com:mac:vml" xmlns:p="http://schemas.openxmlformats.org/presentationml/2006/main" mc:Ignorable="mv" mc:PreserveAttributes="mv:*" type="title" preserve="1">
   <p:cSld name="Title Slide">
     <p:spTree>
       <p:nvGrpSpPr>
@@ -476,7 +556,7 @@
 </file>
 
 <file path=ppt/slideLayouts/slideLayout2.xml><?xml version="1.0" encoding="utf-8"?>
-<p:sldLayout xmlns:a="http://schemas.openxmlformats.org/drawingml/2006/main" xmlns:r="http://schemas.openxmlformats.org/officeDocument/2006/relationships" xmlns:p="http://schemas.openxmlformats.org/presentationml/2006/main" type="obj" preserve="1">
+<p:sldLayout xmlns:a="http://schemas.openxmlformats.org/drawingml/2006/main" xmlns:r="http://schemas.openxmlformats.org/officeDocument/2006/relationships" xmlns:mc="http://schemas.openxmlformats.org/markup-compatibility/2006" xmlns:mv="urn:schemas-microsoft-com:mac:vml" xmlns:p="http://schemas.openxmlformats.org/presentationml/2006/main" mc:Ignorable="mv" mc:PreserveAttributes="mv:*" type="obj" preserve="1">
   <p:cSld name="Title And Content">
     <p:spTree>
       <p:nvGrpSpPr>
@@ -555,7 +635,7 @@
 </file>
 
 <file path=ppt/slideLayouts/slideLayout3.xml><?xml version="1.0" encoding="utf-8"?>
-<p:sldLayout xmlns:a="http://schemas.openxmlformats.org/drawingml/2006/main" xmlns:r="http://schemas.openxmlformats.org/officeDocument/2006/relationships" xmlns:p="http://schemas.openxmlformats.org/presentationml/2006/main" type="blank" preserve="1">
+<p:sldLayout xmlns:a="http://schemas.openxmlformats.org/drawingml/2006/main" xmlns:r="http://schemas.openxmlformats.org/officeDocument/2006/relationships" xmlns:mc="http://schemas.openxmlformats.org/markup-compatibility/2006" xmlns:mv="urn:schemas-microsoft-com:mac:vml" xmlns:p="http://schemas.openxmlformats.org/presentationml/2006/main" mc:Ignorable="mv" mc:PreserveAttributes="mv:*" type="blank" preserve="1">
   <p:cSld name="Blank">
     <p:spTree>
       <p:nvGrpSpPr>
@@ -580,7 +660,7 @@
 </file>
 
 <file path=ppt/slideMasters/slideMaster1.xml><?xml version="1.0" encoding="utf-8"?>
-<p:sldMaster xmlns:a="http://schemas.openxmlformats.org/drawingml/2006/main" xmlns:r="http://schemas.openxmlformats.org/officeDocument/2006/relationships" xmlns:p="http://schemas.openxmlformats.org/presentationml/2006/main">
+<p:sldMaster xmlns:a="http://schemas.openxmlformats.org/drawingml/2006/main" xmlns:r="http://schemas.openxmlformats.org/officeDocument/2006/relationships" xmlns:mc="http://schemas.openxmlformats.org/markup-compatibility/2006" xmlns:mv="urn:schemas-microsoft-com:mac:vml" xmlns:p="http://schemas.openxmlformats.org/presentationml/2006/main" mc:Ignorable="mv" mc:PreserveAttributes="mv:*">
   <p:cSld>
     <p:bg>
       <p:bgPr>
@@ -1034,7 +1114,7 @@
 </file>
 
 <file path=ppt/slides/slide1.xml><?xml version="1.0" encoding="utf-8"?>
-<p:sld xmlns:a="http://schemas.openxmlformats.org/drawingml/2006/main" xmlns:r="http://schemas.openxmlformats.org/officeDocument/2006/relationships" xmlns:p="http://schemas.openxmlformats.org/presentationml/2006/main">
+<p:sld xmlns:a="http://schemas.openxmlformats.org/drawingml/2006/main" xmlns:r="http://schemas.openxmlformats.org/officeDocument/2006/relationships" xmlns:mc="http://schemas.openxmlformats.org/markup-compatibility/2006" xmlns:mv="urn:schemas-microsoft-com:mac:vml" xmlns:p="http://schemas.openxmlformats.org/presentationml/2006/main" mc:Ignorable="mv" mc:PreserveAttributes="mv:*">
   <p:cSld>
     <p:spTree>
       <p:nvGrpSpPr>
@@ -1152,7 +1232,7 @@
   <p:timing>
     <p:tnLst>
       <p:par>
-        <p:cTn xmlns:p14="http://schemas.microsoft.com/office/powerpoint/2010/main" id="1" dur="indefinite" restart="never" nodeType="tmRoot"/>
+        <p:cTn id="1" dur="indefinite" restart="never" nodeType="tmRoot"/>
       </p:par>
     </p:tnLst>
   </p:timing>
@@ -1160,7 +1240,7 @@
 </file>
 
 <file path=ppt/slides/slide10.xml><?xml version="1.0" encoding="utf-8"?>
-<p:sld xmlns:a="http://schemas.openxmlformats.org/drawingml/2006/main" xmlns:r="http://schemas.openxmlformats.org/officeDocument/2006/relationships" xmlns:p="http://schemas.openxmlformats.org/presentationml/2006/main">
+<p:sld xmlns:a="http://schemas.openxmlformats.org/drawingml/2006/main" xmlns:r="http://schemas.openxmlformats.org/officeDocument/2006/relationships" xmlns:mc="http://schemas.openxmlformats.org/markup-compatibility/2006" xmlns:mv="urn:schemas-microsoft-com:mac:vml" xmlns:p="http://schemas.openxmlformats.org/presentationml/2006/main" mc:Ignorable="mv" mc:PreserveAttributes="mv:*">
   <p:cSld>
     <p:spTree>
       <p:nvGrpSpPr>
@@ -1250,7 +1330,7 @@
   <p:timing>
     <p:tnLst>
       <p:par>
-        <p:cTn xmlns:p14="http://schemas.microsoft.com/office/powerpoint/2010/main" id="1" dur="indefinite" restart="never" nodeType="tmRoot"/>
+        <p:cTn id="1" dur="indefinite" restart="never" nodeType="tmRoot"/>
       </p:par>
     </p:tnLst>
   </p:timing>
@@ -1258,7 +1338,7 @@
 </file>
 
 <file path=ppt/slides/slide11.xml><?xml version="1.0" encoding="utf-8"?>
-<p:sld xmlns:a="http://schemas.openxmlformats.org/drawingml/2006/main" xmlns:r="http://schemas.openxmlformats.org/officeDocument/2006/relationships" xmlns:p="http://schemas.openxmlformats.org/presentationml/2006/main">
+<p:sld xmlns:a="http://schemas.openxmlformats.org/drawingml/2006/main" xmlns:r="http://schemas.openxmlformats.org/officeDocument/2006/relationships" xmlns:mc="http://schemas.openxmlformats.org/markup-compatibility/2006" xmlns:mv="urn:schemas-microsoft-com:mac:vml" xmlns:p="http://schemas.openxmlformats.org/presentationml/2006/main" mc:Ignorable="mv" mc:PreserveAttributes="mv:*">
   <p:cSld>
     <p:spTree>
       <p:nvGrpSpPr>
@@ -1635,7 +1715,7 @@
   <p:timing>
     <p:tnLst>
       <p:par>
-        <p:cTn xmlns:p14="http://schemas.microsoft.com/office/powerpoint/2010/main" id="1" dur="indefinite" restart="never" nodeType="tmRoot"/>
+        <p:cTn id="1" dur="indefinite" restart="never" nodeType="tmRoot"/>
       </p:par>
     </p:tnLst>
   </p:timing>
@@ -1643,7 +1723,7 @@
 </file>
 
 <file path=ppt/slides/slide12.xml><?xml version="1.0" encoding="utf-8"?>
-<p:sld xmlns:a="http://schemas.openxmlformats.org/drawingml/2006/main" xmlns:r="http://schemas.openxmlformats.org/officeDocument/2006/relationships" xmlns:p="http://schemas.openxmlformats.org/presentationml/2006/main">
+<p:sld xmlns:a="http://schemas.openxmlformats.org/drawingml/2006/main" xmlns:r="http://schemas.openxmlformats.org/officeDocument/2006/relationships" xmlns:mc="http://schemas.openxmlformats.org/markup-compatibility/2006" xmlns:mv="urn:schemas-microsoft-com:mac:vml" xmlns:p="http://schemas.openxmlformats.org/presentationml/2006/main" mc:Ignorable="mv" mc:PreserveAttributes="mv:*">
   <p:cSld>
     <p:spTree>
       <p:nvGrpSpPr>
@@ -1730,10 +1810,22 @@
           <a:p>
             <a:pPr algn="ctr" eaLnBrk="1" hangingPunct="1"/>
             <a:r>
-              <a:rPr lang="en-US" sz="2900">
-                <a:latin typeface="Gill Sans MT" pitchFamily="34" charset="0"/>
-              </a:rPr>
-              <a:t>http://wiki.opscode.com/display/chef/Resources </a:t>
+              <a:rPr lang="en-US" sz="2900" dirty="0">
+                <a:latin typeface="Gill Sans MT" pitchFamily="34" charset="0"/>
+              </a:rPr>
+              <a:t>http://</a:t>
+            </a:r>
+            <a:r>
+              <a:rPr lang="en-US" sz="2900" dirty="0" err="1">
+                <a:latin typeface="Gill Sans MT" pitchFamily="34" charset="0"/>
+              </a:rPr>
+              <a:t>wiki.opscode.com</a:t>
+            </a:r>
+            <a:r>
+              <a:rPr lang="en-US" sz="2900" dirty="0">
+                <a:latin typeface="Gill Sans MT" pitchFamily="34" charset="0"/>
+              </a:rPr>
+              <a:t>/display/chef/Resources </a:t>
             </a:r>
           </a:p>
         </p:txBody>
@@ -1746,7 +1838,7 @@
   <p:timing>
     <p:tnLst>
       <p:par>
-        <p:cTn xmlns:p14="http://schemas.microsoft.com/office/powerpoint/2010/main" id="1" dur="indefinite" restart="never" nodeType="tmRoot"/>
+        <p:cTn id="1" dur="indefinite" restart="never" nodeType="tmRoot"/>
       </p:par>
     </p:tnLst>
   </p:timing>
@@ -1754,7 +1846,7 @@
 </file>
 
 <file path=ppt/slides/slide13.xml><?xml version="1.0" encoding="utf-8"?>
-<p:sld xmlns:a="http://schemas.openxmlformats.org/drawingml/2006/main" xmlns:r="http://schemas.openxmlformats.org/officeDocument/2006/relationships" xmlns:p="http://schemas.openxmlformats.org/presentationml/2006/main">
+<p:sld xmlns:a="http://schemas.openxmlformats.org/drawingml/2006/main" xmlns:r="http://schemas.openxmlformats.org/officeDocument/2006/relationships" xmlns:mc="http://schemas.openxmlformats.org/markup-compatibility/2006" xmlns:mv="urn:schemas-microsoft-com:mac:vml" xmlns:p="http://schemas.openxmlformats.org/presentationml/2006/main" mc:Ignorable="mv" mc:PreserveAttributes="mv:*">
   <p:cSld>
     <p:spTree>
       <p:nvGrpSpPr>
@@ -1988,7 +2080,7 @@
   <p:timing>
     <p:tnLst>
       <p:par>
-        <p:cTn xmlns:p14="http://schemas.microsoft.com/office/powerpoint/2010/main" id="1" dur="indefinite" restart="never" nodeType="tmRoot"/>
+        <p:cTn id="1" dur="indefinite" restart="never" nodeType="tmRoot"/>
       </p:par>
     </p:tnLst>
   </p:timing>
@@ -1996,7 +2088,7 @@
 </file>
 
 <file path=ppt/slides/slide14.xml><?xml version="1.0" encoding="utf-8"?>
-<p:sld xmlns:a="http://schemas.openxmlformats.org/drawingml/2006/main" xmlns:r="http://schemas.openxmlformats.org/officeDocument/2006/relationships" xmlns:p="http://schemas.openxmlformats.org/presentationml/2006/main">
+<p:sld xmlns:a="http://schemas.openxmlformats.org/drawingml/2006/main" xmlns:r="http://schemas.openxmlformats.org/officeDocument/2006/relationships" xmlns:mc="http://schemas.openxmlformats.org/markup-compatibility/2006" xmlns:mv="urn:schemas-microsoft-com:mac:vml" xmlns:p="http://schemas.openxmlformats.org/presentationml/2006/main" mc:Ignorable="mv" mc:PreserveAttributes="mv:*">
   <p:cSld>
     <p:spTree>
       <p:nvGrpSpPr>
@@ -2098,7 +2190,7 @@
   <p:timing>
     <p:tnLst>
       <p:par>
-        <p:cTn xmlns:p14="http://schemas.microsoft.com/office/powerpoint/2010/main" id="1" dur="indefinite" restart="never" nodeType="tmRoot"/>
+        <p:cTn id="1" dur="indefinite" restart="never" nodeType="tmRoot"/>
       </p:par>
     </p:tnLst>
   </p:timing>
@@ -2106,7 +2198,7 @@
 </file>
 
 <file path=ppt/slides/slide15.xml><?xml version="1.0" encoding="utf-8"?>
-<p:sld xmlns:a="http://schemas.openxmlformats.org/drawingml/2006/main" xmlns:r="http://schemas.openxmlformats.org/officeDocument/2006/relationships" xmlns:p="http://schemas.openxmlformats.org/presentationml/2006/main">
+<p:sld xmlns:a="http://schemas.openxmlformats.org/drawingml/2006/main" xmlns:r="http://schemas.openxmlformats.org/officeDocument/2006/relationships" xmlns:mc="http://schemas.openxmlformats.org/markup-compatibility/2006" xmlns:mv="urn:schemas-microsoft-com:mac:vml" xmlns:p="http://schemas.openxmlformats.org/presentationml/2006/main" mc:Ignorable="mv" mc:PreserveAttributes="mv:*">
   <p:cSld>
     <p:spTree>
       <p:nvGrpSpPr>
@@ -2196,7 +2288,7 @@
   <p:timing>
     <p:tnLst>
       <p:par>
-        <p:cTn xmlns:p14="http://schemas.microsoft.com/office/powerpoint/2010/main" id="1" dur="indefinite" restart="never" nodeType="tmRoot"/>
+        <p:cTn id="1" dur="indefinite" restart="never" nodeType="tmRoot"/>
       </p:par>
     </p:tnLst>
   </p:timing>
@@ -2204,7 +2296,7 @@
 </file>
 
 <file path=ppt/slides/slide16.xml><?xml version="1.0" encoding="utf-8"?>
-<p:sld xmlns:a="http://schemas.openxmlformats.org/drawingml/2006/main" xmlns:r="http://schemas.openxmlformats.org/officeDocument/2006/relationships" xmlns:p="http://schemas.openxmlformats.org/presentationml/2006/main">
+<p:sld xmlns:a="http://schemas.openxmlformats.org/drawingml/2006/main" xmlns:r="http://schemas.openxmlformats.org/officeDocument/2006/relationships" xmlns:mc="http://schemas.openxmlformats.org/markup-compatibility/2006" xmlns:mv="urn:schemas-microsoft-com:mac:vml" xmlns:p="http://schemas.openxmlformats.org/presentationml/2006/main" mc:Ignorable="mv" mc:PreserveAttributes="mv:*">
   <p:cSld>
     <p:spTree>
       <p:nvGrpSpPr>
@@ -2406,7 +2498,7 @@
   <p:timing>
     <p:tnLst>
       <p:par>
-        <p:cTn xmlns:p14="http://schemas.microsoft.com/office/powerpoint/2010/main" id="1" dur="indefinite" restart="never" nodeType="tmRoot"/>
+        <p:cTn id="1" dur="indefinite" restart="never" nodeType="tmRoot"/>
       </p:par>
     </p:tnLst>
   </p:timing>
@@ -2414,7 +2506,7 @@
 </file>
 
 <file path=ppt/slides/slide17.xml><?xml version="1.0" encoding="utf-8"?>
-<p:sld xmlns:a="http://schemas.openxmlformats.org/drawingml/2006/main" xmlns:r="http://schemas.openxmlformats.org/officeDocument/2006/relationships" xmlns:p="http://schemas.openxmlformats.org/presentationml/2006/main">
+<p:sld xmlns:a="http://schemas.openxmlformats.org/drawingml/2006/main" xmlns:r="http://schemas.openxmlformats.org/officeDocument/2006/relationships" xmlns:mc="http://schemas.openxmlformats.org/markup-compatibility/2006" xmlns:mv="urn:schemas-microsoft-com:mac:vml" xmlns:p="http://schemas.openxmlformats.org/presentationml/2006/main" mc:Ignorable="mv" mc:PreserveAttributes="mv:*">
   <p:cSld>
     <p:spTree>
       <p:nvGrpSpPr>
@@ -2602,7 +2694,7 @@
   <p:timing>
     <p:tnLst>
       <p:par>
-        <p:cTn xmlns:p14="http://schemas.microsoft.com/office/powerpoint/2010/main" id="1" dur="indefinite" restart="never" nodeType="tmRoot"/>
+        <p:cTn id="1" dur="indefinite" restart="never" nodeType="tmRoot"/>
       </p:par>
     </p:tnLst>
   </p:timing>
@@ -2610,7 +2702,7 @@
 </file>
 
 <file path=ppt/slides/slide18.xml><?xml version="1.0" encoding="utf-8"?>
-<p:sld xmlns:a="http://schemas.openxmlformats.org/drawingml/2006/main" xmlns:r="http://schemas.openxmlformats.org/officeDocument/2006/relationships" xmlns:p="http://schemas.openxmlformats.org/presentationml/2006/main">
+<p:sld xmlns:a="http://schemas.openxmlformats.org/drawingml/2006/main" xmlns:r="http://schemas.openxmlformats.org/officeDocument/2006/relationships" xmlns:mc="http://schemas.openxmlformats.org/markup-compatibility/2006" xmlns:mv="urn:schemas-microsoft-com:mac:vml" xmlns:p="http://schemas.openxmlformats.org/presentationml/2006/main" mc:Ignorable="mv" mc:PreserveAttributes="mv:*">
   <p:cSld>
     <p:spTree>
       <p:nvGrpSpPr>
@@ -2698,7 +2790,7 @@
   <p:timing>
     <p:tnLst>
       <p:par>
-        <p:cTn xmlns:p14="http://schemas.microsoft.com/office/powerpoint/2010/main" id="1" dur="indefinite" restart="never" nodeType="tmRoot"/>
+        <p:cTn id="1" dur="indefinite" restart="never" nodeType="tmRoot"/>
       </p:par>
     </p:tnLst>
   </p:timing>
@@ -2706,7 +2798,7 @@
 </file>
 
 <file path=ppt/slides/slide19.xml><?xml version="1.0" encoding="utf-8"?>
-<p:sld xmlns:a="http://schemas.openxmlformats.org/drawingml/2006/main" xmlns:r="http://schemas.openxmlformats.org/officeDocument/2006/relationships" xmlns:p="http://schemas.openxmlformats.org/presentationml/2006/main">
+<p:sld xmlns:a="http://schemas.openxmlformats.org/drawingml/2006/main" xmlns:r="http://schemas.openxmlformats.org/officeDocument/2006/relationships" xmlns:mc="http://schemas.openxmlformats.org/markup-compatibility/2006" xmlns:mv="urn:schemas-microsoft-com:mac:vml" xmlns:p="http://schemas.openxmlformats.org/presentationml/2006/main" mc:Ignorable="mv" mc:PreserveAttributes="mv:*">
   <p:cSld>
     <p:spTree>
       <p:nvGrpSpPr>
@@ -2828,17 +2920,8 @@
               <a:rPr lang="en-US" sz="2900" dirty="0">
                 <a:latin typeface="Gill Sans MT" pitchFamily="34" charset="0"/>
               </a:rPr>
-              <a:t>Rate </a:t>
-            </a:r>
-            <a:r>
-              <a:rPr lang="en-US" sz="2900" dirty="0">
-                <a:latin typeface="Gill Sans MT" pitchFamily="34" charset="0"/>
-              </a:rPr>
-              <a:t>this: http://spkr8.com/t/7359</a:t>
-            </a:r>
-            <a:endParaRPr lang="en-US" sz="2900" dirty="0">
-              <a:latin typeface="Gill Sans MT" pitchFamily="34" charset="0"/>
-            </a:endParaRPr>
+              <a:t>Rate this: http://spkr8.com/t/7359</a:t>
+            </a:r>
           </a:p>
         </p:txBody>
       </p:sp>
@@ -2850,7 +2933,7 @@
   <p:timing>
     <p:tnLst>
       <p:par>
-        <p:cTn xmlns:p14="http://schemas.microsoft.com/office/powerpoint/2010/main" id="1" dur="indefinite" restart="never" nodeType="tmRoot"/>
+        <p:cTn id="1" dur="indefinite" restart="never" nodeType="tmRoot"/>
       </p:par>
     </p:tnLst>
   </p:timing>
@@ -2858,7 +2941,7 @@
 </file>
 
 <file path=ppt/slides/slide2.xml><?xml version="1.0" encoding="utf-8"?>
-<p:sld xmlns:a="http://schemas.openxmlformats.org/drawingml/2006/main" xmlns:r="http://schemas.openxmlformats.org/officeDocument/2006/relationships" xmlns:p="http://schemas.openxmlformats.org/presentationml/2006/main">
+<p:sld xmlns:a="http://schemas.openxmlformats.org/drawingml/2006/main" xmlns:r="http://schemas.openxmlformats.org/officeDocument/2006/relationships" xmlns:mc="http://schemas.openxmlformats.org/markup-compatibility/2006" xmlns:mv="urn:schemas-microsoft-com:mac:vml" xmlns:p="http://schemas.openxmlformats.org/presentationml/2006/main" mc:Ignorable="mv" mc:PreserveAttributes="mv:*">
   <p:cSld>
     <p:spTree>
       <p:nvGrpSpPr>
@@ -3088,7 +3171,7 @@
   <p:timing>
     <p:tnLst>
       <p:par>
-        <p:cTn xmlns:p14="http://schemas.microsoft.com/office/powerpoint/2010/main" id="1" dur="indefinite" restart="never" nodeType="tmRoot"/>
+        <p:cTn id="1" dur="indefinite" restart="never" nodeType="tmRoot"/>
       </p:par>
     </p:tnLst>
   </p:timing>
@@ -3096,7 +3179,142 @@
 </file>
 
 <file path=ppt/slides/slide3.xml><?xml version="1.0" encoding="utf-8"?>
-<p:sld xmlns:a="http://schemas.openxmlformats.org/drawingml/2006/main" xmlns:r="http://schemas.openxmlformats.org/officeDocument/2006/relationships" xmlns:p="http://schemas.openxmlformats.org/presentationml/2006/main">
+<p:sld xmlns:a="http://schemas.openxmlformats.org/drawingml/2006/main" xmlns:r="http://schemas.openxmlformats.org/officeDocument/2006/relationships" xmlns:mc="http://schemas.openxmlformats.org/markup-compatibility/2006" xmlns:mv="urn:schemas-microsoft-com:mac:vml" xmlns:p="http://schemas.openxmlformats.org/presentationml/2006/main" mc:Ignorable="mv" mc:PreserveAttributes="mv:*">
+  <p:cSld>
+    <p:spTree>
+      <p:nvGrpSpPr>
+        <p:cNvPr id="1" name=""/>
+        <p:cNvGrpSpPr/>
+        <p:nvPr/>
+      </p:nvGrpSpPr>
+      <p:grpSpPr>
+        <a:xfrm>
+          <a:off x="0" y="0"/>
+          <a:ext cx="0" cy="0"/>
+          <a:chOff x="0" y="0"/>
+          <a:chExt cx="0" cy="0"/>
+        </a:xfrm>
+      </p:grpSpPr>
+      <p:sp>
+        <p:nvSpPr>
+          <p:cNvPr id="8193" name="Shape 23"/>
+          <p:cNvSpPr>
+            <a:spLocks noGrp="1"/>
+          </p:cNvSpPr>
+          <p:nvPr>
+            <p:ph type="title"/>
+          </p:nvPr>
+        </p:nvSpPr>
+        <p:spPr bwMode="auto">
+          <a:xfrm>
+            <a:off x="285750" y="205740"/>
+            <a:ext cx="8572500" cy="914400"/>
+          </a:xfrm>
+          <a:noFill/>
+          <a:ln>
+            <a:miter lim="800000"/>
+            <a:headEnd/>
+            <a:tailEnd/>
+          </a:ln>
+        </p:spPr>
+        <p:txBody>
+          <a:bodyPr vert="horz" wrap="square" lIns="109728" tIns="54864" rIns="109728" bIns="54864" numCol="1" anchor="t" anchorCtr="0" compatLnSpc="1">
+            <a:prstTxWarp prst="textNoShape">
+              <a:avLst/>
+            </a:prstTxWarp>
+          </a:bodyPr>
+          <a:lstStyle/>
+          <a:p>
+            <a:pPr eaLnBrk="1" hangingPunct="1"/>
+            <a:r>
+              <a:rPr lang="en-US" smtClean="0">
+                <a:latin typeface="Gill Sans MT" pitchFamily="34" charset="0"/>
+              </a:rPr>
+              <a:t>Chef</a:t>
+            </a:r>
+          </a:p>
+        </p:txBody>
+      </p:sp>
+      <p:sp>
+        <p:nvSpPr>
+          <p:cNvPr id="8194" name="Shape 24"/>
+          <p:cNvSpPr>
+            <a:spLocks noGrp="1"/>
+          </p:cNvSpPr>
+          <p:nvPr>
+            <p:ph type="body" idx="2"/>
+          </p:nvPr>
+        </p:nvSpPr>
+        <p:spPr bwMode="auto">
+          <a:noFill/>
+          <a:ln>
+            <a:miter lim="800000"/>
+            <a:headEnd/>
+            <a:tailEnd/>
+          </a:ln>
+        </p:spPr>
+        <p:txBody>
+          <a:bodyPr vert="horz" wrap="square" lIns="109728" tIns="54864" rIns="109728" bIns="54864" numCol="1" anchor="t" anchorCtr="0" compatLnSpc="1">
+            <a:prstTxWarp prst="textNoShape">
+              <a:avLst/>
+            </a:prstTxWarp>
+          </a:bodyPr>
+          <a:lstStyle/>
+          <a:p>
+            <a:pPr eaLnBrk="1" hangingPunct="1">
+              <a:lnSpc>
+                <a:spcPct val="90000"/>
+              </a:lnSpc>
+            </a:pPr>
+            <a:r>
+              <a:rPr lang="en-US" sz="2900">
+                <a:latin typeface="Gill Sans MT" pitchFamily="34" charset="0"/>
+              </a:rPr>
+              <a:t>http://www.opscode.com/chef/ </a:t>
+            </a:r>
+          </a:p>
+          <a:p>
+            <a:pPr eaLnBrk="1" hangingPunct="1">
+              <a:lnSpc>
+                <a:spcPct val="90000"/>
+              </a:lnSpc>
+            </a:pPr>
+            <a:endParaRPr lang="en-US" sz="2900">
+              <a:latin typeface="Gill Sans MT" pitchFamily="34" charset="0"/>
+            </a:endParaRPr>
+          </a:p>
+          <a:p>
+            <a:pPr eaLnBrk="1" hangingPunct="1">
+              <a:lnSpc>
+                <a:spcPct val="90000"/>
+              </a:lnSpc>
+            </a:pPr>
+            <a:r>
+              <a:rPr lang="en-US" sz="2900">
+                <a:latin typeface="Gill Sans MT" pitchFamily="34" charset="0"/>
+              </a:rPr>
+              <a:t>“Chef is an open source systems integration framework built to bring the benefits of configuration management to your entire infrastructure. You write source code to describe how you want each part of your infrastructure to be built, then apply those descriptions to your servers. The result is a fully automated infrastructure: when a new server comes on line, the only thing you have to do is tell Chef what role it should play in your architecture.”</a:t>
+            </a:r>
+          </a:p>
+        </p:txBody>
+      </p:sp>
+    </p:spTree>
+  </p:cSld>
+  <p:clrMapOvr>
+    <a:masterClrMapping/>
+  </p:clrMapOvr>
+  <p:timing>
+    <p:tnLst>
+      <p:par>
+        <p:cTn id="1" dur="indefinite" restart="never" nodeType="tmRoot"/>
+      </p:par>
+    </p:tnLst>
+  </p:timing>
+</p:sld>
+</file>
+
+<file path=ppt/slides/slide4.xml><?xml version="1.0" encoding="utf-8"?>
+<p:sld xmlns:a="http://schemas.openxmlformats.org/drawingml/2006/main" xmlns:r="http://schemas.openxmlformats.org/officeDocument/2006/relationships" xmlns:mc="http://schemas.openxmlformats.org/markup-compatibility/2006" xmlns:mv="urn:schemas-microsoft-com:mac:vml" xmlns:p="http://schemas.openxmlformats.org/presentationml/2006/main" mc:Ignorable="mv" mc:PreserveAttributes="mv:*">
   <p:cSld>
     <p:spTree>
       <p:nvGrpSpPr>
@@ -3814,15 +4032,15 @@
   <p:timing>
     <p:tnLst>
       <p:par>
-        <p:cTn xmlns:p14="http://schemas.microsoft.com/office/powerpoint/2010/main" id="1" dur="indefinite" restart="never" nodeType="tmRoot"/>
+        <p:cTn id="1" dur="indefinite" restart="never" nodeType="tmRoot"/>
       </p:par>
     </p:tnLst>
   </p:timing>
 </p:sld>
 </file>
 
-<file path=ppt/slides/slide4.xml><?xml version="1.0" encoding="utf-8"?>
-<p:sld xmlns:a="http://schemas.openxmlformats.org/drawingml/2006/main" xmlns:r="http://schemas.openxmlformats.org/officeDocument/2006/relationships" xmlns:p="http://schemas.openxmlformats.org/presentationml/2006/main">
+<file path=ppt/slides/slide5.xml><?xml version="1.0" encoding="utf-8"?>
+<p:sld xmlns:a="http://schemas.openxmlformats.org/drawingml/2006/main" xmlns:r="http://schemas.openxmlformats.org/officeDocument/2006/relationships" xmlns:mc="http://schemas.openxmlformats.org/markup-compatibility/2006" xmlns:mv="urn:schemas-microsoft-com:mac:vml" xmlns:p="http://schemas.openxmlformats.org/presentationml/2006/main" mc:Ignorable="mv" mc:PreserveAttributes="mv:*">
   <p:cSld>
     <p:spTree>
       <p:nvGrpSpPr>
@@ -3840,7 +4058,7 @@
       </p:grpSpPr>
       <p:sp>
         <p:nvSpPr>
-          <p:cNvPr id="8193" name="Shape 23"/>
+          <p:cNvPr id="9217" name="Shape 26"/>
           <p:cNvSpPr>
             <a:spLocks noGrp="1"/>
           </p:cNvSpPr>
@@ -3873,14 +4091,14 @@
               <a:rPr lang="en-US" smtClean="0">
                 <a:latin typeface="Gill Sans MT" pitchFamily="34" charset="0"/>
               </a:rPr>
-              <a:t>Chef</a:t>
-            </a:r>
-          </a:p>
-        </p:txBody>
-      </p:sp>
-      <p:sp>
-        <p:nvSpPr>
-          <p:cNvPr id="8194" name="Shape 24"/>
+              <a:t>Opscode</a:t>
+            </a:r>
+          </a:p>
+        </p:txBody>
+      </p:sp>
+      <p:sp>
+        <p:nvSpPr>
+          <p:cNvPr id="9218" name="Shape 27"/>
           <p:cNvSpPr>
             <a:spLocks noGrp="1"/>
           </p:cNvSpPr>
@@ -3905,38 +4123,92 @@
           <a:lstStyle/>
           <a:p>
             <a:pPr eaLnBrk="1" hangingPunct="1">
-              <a:lnSpc>
-                <a:spcPct val="90000"/>
-              </a:lnSpc>
-            </a:pPr>
-            <a:r>
-              <a:rPr lang="en-US" sz="2900">
-                <a:latin typeface="Gill Sans MT" pitchFamily="34" charset="0"/>
-              </a:rPr>
-              <a:t>http://www.opscode.com/chef/ </a:t>
-            </a:r>
-          </a:p>
-          <a:p>
-            <a:pPr eaLnBrk="1" hangingPunct="1">
-              <a:lnSpc>
-                <a:spcPct val="90000"/>
-              </a:lnSpc>
+              <a:buFontTx/>
+              <a:buChar char="•"/>
             </a:pPr>
             <a:endParaRPr lang="en-US" sz="2900">
               <a:latin typeface="Gill Sans MT" pitchFamily="34" charset="0"/>
             </a:endParaRPr>
           </a:p>
           <a:p>
+            <a:pPr eaLnBrk="1" hangingPunct="1"/>
+            <a:endParaRPr lang="en-US" sz="2900">
+              <a:latin typeface="Gill Sans MT" pitchFamily="34" charset="0"/>
+            </a:endParaRPr>
+          </a:p>
+          <a:p>
             <a:pPr eaLnBrk="1" hangingPunct="1">
-              <a:lnSpc>
-                <a:spcPct val="90000"/>
-              </a:lnSpc>
+              <a:buFontTx/>
+              <a:buChar char="•"/>
             </a:pPr>
             <a:r>
               <a:rPr lang="en-US" sz="2900">
                 <a:latin typeface="Gill Sans MT" pitchFamily="34" charset="0"/>
               </a:rPr>
-              <a:t>“Chef is an open source systems integration framework built to bring the benefits of configuration management to your entire infrastructure. You write source code to describe how you want each part of your infrastructure to be built, then apply those descriptions to your servers. The result is a fully automated infrastructure: when a new server comes on line, the only thing you have to do is tell Chef what role it should play in your architecture.”</a:t>
+              <a:t> http://opscode.com/ </a:t>
+            </a:r>
+          </a:p>
+          <a:p>
+            <a:pPr eaLnBrk="1" hangingPunct="1">
+              <a:buFontTx/>
+              <a:buChar char="•"/>
+            </a:pPr>
+            <a:endParaRPr lang="en-US" sz="2900">
+              <a:latin typeface="Gill Sans MT" pitchFamily="34" charset="0"/>
+            </a:endParaRPr>
+          </a:p>
+          <a:p>
+            <a:pPr eaLnBrk="1" hangingPunct="1">
+              <a:buFontTx/>
+              <a:buChar char="•"/>
+            </a:pPr>
+            <a:r>
+              <a:rPr lang="en-US" sz="2900">
+                <a:latin typeface="Gill Sans MT" pitchFamily="34" charset="0"/>
+              </a:rPr>
+              <a:t> Hosted Chef platform</a:t>
+            </a:r>
+          </a:p>
+          <a:p>
+            <a:pPr eaLnBrk="1" hangingPunct="1">
+              <a:buFontTx/>
+              <a:buChar char="•"/>
+            </a:pPr>
+            <a:endParaRPr lang="en-US" sz="2900">
+              <a:latin typeface="Gill Sans MT" pitchFamily="34" charset="0"/>
+            </a:endParaRPr>
+          </a:p>
+          <a:p>
+            <a:pPr eaLnBrk="1" hangingPunct="1">
+              <a:buFontTx/>
+              <a:buChar char="•"/>
+            </a:pPr>
+            <a:r>
+              <a:rPr lang="en-US" sz="2900">
+                <a:latin typeface="Gill Sans MT" pitchFamily="34" charset="0"/>
+              </a:rPr>
+              <a:t> Main developers of Chef</a:t>
+            </a:r>
+          </a:p>
+          <a:p>
+            <a:pPr eaLnBrk="1" hangingPunct="1">
+              <a:buFontTx/>
+              <a:buChar char="•"/>
+            </a:pPr>
+            <a:endParaRPr lang="en-US" sz="2900">
+              <a:latin typeface="Gill Sans MT" pitchFamily="34" charset="0"/>
+            </a:endParaRPr>
+          </a:p>
+          <a:p>
+            <a:pPr eaLnBrk="1" hangingPunct="1">
+              <a:buFontTx/>
+              <a:buChar char="•"/>
+            </a:pPr>
+            <a:r>
+              <a:rPr lang="en-US" sz="2900">
+                <a:latin typeface="Gill Sans MT" pitchFamily="34" charset="0"/>
+              </a:rPr>
+              <a:t> Training &amp; support</a:t>
             </a:r>
           </a:p>
         </p:txBody>
@@ -3949,15 +4221,15 @@
   <p:timing>
     <p:tnLst>
       <p:par>
-        <p:cTn xmlns:p14="http://schemas.microsoft.com/office/powerpoint/2010/main" id="1" dur="indefinite" restart="never" nodeType="tmRoot"/>
+        <p:cTn id="1" dur="indefinite" restart="never" nodeType="tmRoot"/>
       </p:par>
     </p:tnLst>
   </p:timing>
 </p:sld>
 </file>
 
-<file path=ppt/slides/slide5.xml><?xml version="1.0" encoding="utf-8"?>
-<p:sld xmlns:a="http://schemas.openxmlformats.org/drawingml/2006/main" xmlns:r="http://schemas.openxmlformats.org/officeDocument/2006/relationships" xmlns:p="http://schemas.openxmlformats.org/presentationml/2006/main">
+<file path=ppt/slides/slide6.xml><?xml version="1.0" encoding="utf-8"?>
+<p:sld xmlns:a="http://schemas.openxmlformats.org/drawingml/2006/main" xmlns:r="http://schemas.openxmlformats.org/officeDocument/2006/relationships" xmlns:mc="http://schemas.openxmlformats.org/markup-compatibility/2006" xmlns:mv="urn:schemas-microsoft-com:mac:vml" xmlns:p="http://schemas.openxmlformats.org/presentationml/2006/main" mc:Ignorable="mv" mc:PreserveAttributes="mv:*">
   <p:cSld>
     <p:spTree>
       <p:nvGrpSpPr>
@@ -3975,9 +4247,9 @@
       </p:grpSpPr>
       <p:sp>
         <p:nvSpPr>
-          <p:cNvPr id="9217" name="Shape 26"/>
+          <p:cNvPr id="10241" name="Rectangle 2"/>
           <p:cNvSpPr>
-            <a:spLocks noGrp="1"/>
+            <a:spLocks noGrp="1" noChangeArrowheads="1"/>
           </p:cNvSpPr>
           <p:nvPr>
             <p:ph type="title"/>
@@ -3985,8 +4257,8 @@
         </p:nvSpPr>
         <p:spPr bwMode="auto">
           <a:xfrm>
-            <a:off x="285750" y="205740"/>
-            <a:ext cx="8572500" cy="914400"/>
+            <a:off x="457200" y="274320"/>
+            <a:ext cx="8229600" cy="1143000"/>
           </a:xfrm>
           <a:noFill/>
           <a:ln>
@@ -4008,22 +4280,29 @@
               <a:rPr lang="en-US" smtClean="0">
                 <a:latin typeface="Gill Sans MT" pitchFamily="34" charset="0"/>
               </a:rPr>
-              <a:t>Opscode</a:t>
-            </a:r>
-          </a:p>
-        </p:txBody>
-      </p:sp>
-      <p:sp>
-        <p:nvSpPr>
-          <p:cNvPr id="9218" name="Shape 27"/>
+              <a:t>Why?</a:t>
+            </a:r>
+          </a:p>
+        </p:txBody>
+      </p:sp>
+      <p:sp>
+        <p:nvSpPr>
+          <p:cNvPr id="10242" name="Rectangle 3"/>
           <p:cNvSpPr>
-            <a:spLocks noGrp="1"/>
+            <a:spLocks noGrp="1" noChangeArrowheads="1"/>
           </p:cNvSpPr>
           <p:nvPr>
-            <p:ph type="body" idx="2"/>
+            <p:ph type="body" idx="4294967295"/>
           </p:nvPr>
         </p:nvSpPr>
         <p:spPr bwMode="auto">
+          <a:xfrm>
+            <a:off x="274320" y="1325880"/>
+            <a:ext cx="8229600" cy="4526280"/>
+          </a:xfrm>
+          <a:prstGeom prst="rect">
+            <a:avLst/>
+          </a:prstGeom>
           <a:noFill/>
           <a:ln>
             <a:miter lim="800000"/>
@@ -4032,12 +4311,14 @@
           </a:ln>
         </p:spPr>
         <p:txBody>
-          <a:bodyPr vert="horz" wrap="square" lIns="109728" tIns="54864" rIns="109728" bIns="54864" numCol="1" anchor="t" anchorCtr="0" compatLnSpc="1">
-            <a:prstTxWarp prst="textNoShape">
-              <a:avLst/>
-            </a:prstTxWarp>
-          </a:bodyPr>
-          <a:lstStyle/>
+          <a:bodyPr lIns="109728" tIns="54864" rIns="109728" bIns="54864"/>
+          <a:lstStyle/>
+          <a:p>
+            <a:pPr eaLnBrk="1" hangingPunct="1"/>
+            <a:endParaRPr lang="en-US" sz="2900">
+              <a:latin typeface="Gill Sans MT" pitchFamily="34" charset="0"/>
+            </a:endParaRPr>
+          </a:p>
           <a:p>
             <a:pPr eaLnBrk="1" hangingPunct="1">
               <a:buFontTx/>
@@ -4048,6 +4329,18 @@
             </a:endParaRPr>
           </a:p>
           <a:p>
+            <a:pPr eaLnBrk="1" hangingPunct="1">
+              <a:buFontTx/>
+              <a:buChar char="•"/>
+            </a:pPr>
+            <a:r>
+              <a:rPr lang="en-US" sz="2900">
+                <a:latin typeface="Gill Sans MT" pitchFamily="34" charset="0"/>
+              </a:rPr>
+              <a:t> Living documentation</a:t>
+            </a:r>
+          </a:p>
+          <a:p>
             <a:pPr eaLnBrk="1" hangingPunct="1"/>
             <a:endParaRPr lang="en-US" sz="2900">
               <a:latin typeface="Gill Sans MT" pitchFamily="34" charset="0"/>
@@ -4062,14 +4355,29 @@
               <a:rPr lang="en-US" sz="2900">
                 <a:latin typeface="Gill Sans MT" pitchFamily="34" charset="0"/>
               </a:rPr>
-              <a:t> http://opscode.com/ </a:t>
-            </a:r>
+              <a:t> Infrastructure as code</a:t>
+            </a:r>
+          </a:p>
+          <a:p>
+            <a:pPr eaLnBrk="1" hangingPunct="1"/>
+            <a:endParaRPr lang="en-US" sz="2900">
+              <a:latin typeface="Gill Sans MT" pitchFamily="34" charset="0"/>
+            </a:endParaRPr>
           </a:p>
           <a:p>
             <a:pPr eaLnBrk="1" hangingPunct="1">
               <a:buFontTx/>
               <a:buChar char="•"/>
             </a:pPr>
+            <a:r>
+              <a:rPr lang="en-US" sz="2900">
+                <a:latin typeface="Gill Sans MT" pitchFamily="34" charset="0"/>
+              </a:rPr>
+              <a:t> Disasters will happen</a:t>
+            </a:r>
+          </a:p>
+          <a:p>
+            <a:pPr eaLnBrk="1" hangingPunct="1"/>
             <a:endParaRPr lang="en-US" sz="2900">
               <a:latin typeface="Gill Sans MT" pitchFamily="34" charset="0"/>
             </a:endParaRPr>
@@ -4083,49 +4391,7 @@
               <a:rPr lang="en-US" sz="2900">
                 <a:latin typeface="Gill Sans MT" pitchFamily="34" charset="0"/>
               </a:rPr>
-              <a:t> Hosted Chef platform</a:t>
-            </a:r>
-          </a:p>
-          <a:p>
-            <a:pPr eaLnBrk="1" hangingPunct="1">
-              <a:buFontTx/>
-              <a:buChar char="•"/>
-            </a:pPr>
-            <a:endParaRPr lang="en-US" sz="2900">
-              <a:latin typeface="Gill Sans MT" pitchFamily="34" charset="0"/>
-            </a:endParaRPr>
-          </a:p>
-          <a:p>
-            <a:pPr eaLnBrk="1" hangingPunct="1">
-              <a:buFontTx/>
-              <a:buChar char="•"/>
-            </a:pPr>
-            <a:r>
-              <a:rPr lang="en-US" sz="2900">
-                <a:latin typeface="Gill Sans MT" pitchFamily="34" charset="0"/>
-              </a:rPr>
-              <a:t> Main developers of Chef</a:t>
-            </a:r>
-          </a:p>
-          <a:p>
-            <a:pPr eaLnBrk="1" hangingPunct="1">
-              <a:buFontTx/>
-              <a:buChar char="•"/>
-            </a:pPr>
-            <a:endParaRPr lang="en-US" sz="2900">
-              <a:latin typeface="Gill Sans MT" pitchFamily="34" charset="0"/>
-            </a:endParaRPr>
-          </a:p>
-          <a:p>
-            <a:pPr eaLnBrk="1" hangingPunct="1">
-              <a:buFontTx/>
-              <a:buChar char="•"/>
-            </a:pPr>
-            <a:r>
-              <a:rPr lang="en-US" sz="2900">
-                <a:latin typeface="Gill Sans MT" pitchFamily="34" charset="0"/>
-              </a:rPr>
-              <a:t> Training &amp; support</a:t>
+              <a:t> Repeatability &amp; Idempotence</a:t>
             </a:r>
           </a:p>
         </p:txBody>
@@ -4138,190 +4404,7 @@
   <p:timing>
     <p:tnLst>
       <p:par>
-        <p:cTn xmlns:p14="http://schemas.microsoft.com/office/powerpoint/2010/main" id="1" dur="indefinite" restart="never" nodeType="tmRoot"/>
-      </p:par>
-    </p:tnLst>
-  </p:timing>
-</p:sld>
-</file>
-
-<file path=ppt/slides/slide6.xml><?xml version="1.0" encoding="utf-8"?>
-<p:sld xmlns:a="http://schemas.openxmlformats.org/drawingml/2006/main" xmlns:r="http://schemas.openxmlformats.org/officeDocument/2006/relationships" xmlns:p="http://schemas.openxmlformats.org/presentationml/2006/main">
-  <p:cSld>
-    <p:spTree>
-      <p:nvGrpSpPr>
-        <p:cNvPr id="1" name=""/>
-        <p:cNvGrpSpPr/>
-        <p:nvPr/>
-      </p:nvGrpSpPr>
-      <p:grpSpPr>
-        <a:xfrm>
-          <a:off x="0" y="0"/>
-          <a:ext cx="0" cy="0"/>
-          <a:chOff x="0" y="0"/>
-          <a:chExt cx="0" cy="0"/>
-        </a:xfrm>
-      </p:grpSpPr>
-      <p:sp>
-        <p:nvSpPr>
-          <p:cNvPr id="10241" name="Rectangle 2"/>
-          <p:cNvSpPr>
-            <a:spLocks noGrp="1" noChangeArrowheads="1"/>
-          </p:cNvSpPr>
-          <p:nvPr>
-            <p:ph type="title"/>
-          </p:nvPr>
-        </p:nvSpPr>
-        <p:spPr bwMode="auto">
-          <a:xfrm>
-            <a:off x="457200" y="274320"/>
-            <a:ext cx="8229600" cy="1143000"/>
-          </a:xfrm>
-          <a:noFill/>
-          <a:ln>
-            <a:miter lim="800000"/>
-            <a:headEnd/>
-            <a:tailEnd/>
-          </a:ln>
-        </p:spPr>
-        <p:txBody>
-          <a:bodyPr vert="horz" wrap="square" lIns="109728" tIns="54864" rIns="109728" bIns="54864" numCol="1" anchor="t" anchorCtr="0" compatLnSpc="1">
-            <a:prstTxWarp prst="textNoShape">
-              <a:avLst/>
-            </a:prstTxWarp>
-          </a:bodyPr>
-          <a:lstStyle/>
-          <a:p>
-            <a:pPr eaLnBrk="1" hangingPunct="1"/>
-            <a:r>
-              <a:rPr lang="en-US" smtClean="0">
-                <a:latin typeface="Gill Sans MT" pitchFamily="34" charset="0"/>
-              </a:rPr>
-              <a:t>Why?</a:t>
-            </a:r>
-          </a:p>
-        </p:txBody>
-      </p:sp>
-      <p:sp>
-        <p:nvSpPr>
-          <p:cNvPr id="10242" name="Rectangle 3"/>
-          <p:cNvSpPr>
-            <a:spLocks noGrp="1" noChangeArrowheads="1"/>
-          </p:cNvSpPr>
-          <p:nvPr>
-            <p:ph type="body" idx="4294967295"/>
-          </p:nvPr>
-        </p:nvSpPr>
-        <p:spPr bwMode="auto">
-          <a:xfrm>
-            <a:off x="274320" y="1325880"/>
-            <a:ext cx="8229600" cy="4526280"/>
-          </a:xfrm>
-          <a:prstGeom prst="rect">
-            <a:avLst/>
-          </a:prstGeom>
-          <a:noFill/>
-          <a:ln>
-            <a:miter lim="800000"/>
-            <a:headEnd/>
-            <a:tailEnd/>
-          </a:ln>
-        </p:spPr>
-        <p:txBody>
-          <a:bodyPr lIns="109728" tIns="54864" rIns="109728" bIns="54864"/>
-          <a:lstStyle/>
-          <a:p>
-            <a:pPr eaLnBrk="1" hangingPunct="1"/>
-            <a:endParaRPr lang="en-US" sz="2900">
-              <a:latin typeface="Gill Sans MT" pitchFamily="34" charset="0"/>
-            </a:endParaRPr>
-          </a:p>
-          <a:p>
-            <a:pPr eaLnBrk="1" hangingPunct="1">
-              <a:buFontTx/>
-              <a:buChar char="•"/>
-            </a:pPr>
-            <a:endParaRPr lang="en-US" sz="2900">
-              <a:latin typeface="Gill Sans MT" pitchFamily="34" charset="0"/>
-            </a:endParaRPr>
-          </a:p>
-          <a:p>
-            <a:pPr eaLnBrk="1" hangingPunct="1">
-              <a:buFontTx/>
-              <a:buChar char="•"/>
-            </a:pPr>
-            <a:r>
-              <a:rPr lang="en-US" sz="2900">
-                <a:latin typeface="Gill Sans MT" pitchFamily="34" charset="0"/>
-              </a:rPr>
-              <a:t> Living documentation</a:t>
-            </a:r>
-          </a:p>
-          <a:p>
-            <a:pPr eaLnBrk="1" hangingPunct="1"/>
-            <a:endParaRPr lang="en-US" sz="2900">
-              <a:latin typeface="Gill Sans MT" pitchFamily="34" charset="0"/>
-            </a:endParaRPr>
-          </a:p>
-          <a:p>
-            <a:pPr eaLnBrk="1" hangingPunct="1">
-              <a:buFontTx/>
-              <a:buChar char="•"/>
-            </a:pPr>
-            <a:r>
-              <a:rPr lang="en-US" sz="2900">
-                <a:latin typeface="Gill Sans MT" pitchFamily="34" charset="0"/>
-              </a:rPr>
-              <a:t> Infrastructure as code</a:t>
-            </a:r>
-          </a:p>
-          <a:p>
-            <a:pPr eaLnBrk="1" hangingPunct="1"/>
-            <a:endParaRPr lang="en-US" sz="2900">
-              <a:latin typeface="Gill Sans MT" pitchFamily="34" charset="0"/>
-            </a:endParaRPr>
-          </a:p>
-          <a:p>
-            <a:pPr eaLnBrk="1" hangingPunct="1">
-              <a:buFontTx/>
-              <a:buChar char="•"/>
-            </a:pPr>
-            <a:r>
-              <a:rPr lang="en-US" sz="2900">
-                <a:latin typeface="Gill Sans MT" pitchFamily="34" charset="0"/>
-              </a:rPr>
-              <a:t> Disasters will happen</a:t>
-            </a:r>
-          </a:p>
-          <a:p>
-            <a:pPr eaLnBrk="1" hangingPunct="1"/>
-            <a:endParaRPr lang="en-US" sz="2900">
-              <a:latin typeface="Gill Sans MT" pitchFamily="34" charset="0"/>
-            </a:endParaRPr>
-          </a:p>
-          <a:p>
-            <a:pPr eaLnBrk="1" hangingPunct="1">
-              <a:buFontTx/>
-              <a:buChar char="•"/>
-            </a:pPr>
-            <a:r>
-              <a:rPr lang="en-US" sz="2900">
-                <a:latin typeface="Gill Sans MT" pitchFamily="34" charset="0"/>
-              </a:rPr>
-              <a:t> Repeatability &amp; Idempotence</a:t>
-            </a:r>
-          </a:p>
-        </p:txBody>
-      </p:sp>
-    </p:spTree>
-  </p:cSld>
-  <p:clrMapOvr>
-    <a:masterClrMapping/>
-  </p:clrMapOvr>
-  <p:timing>
-    <p:tnLst>
-      <p:par>
-        <p:cTn xmlns:p14="http://schemas.microsoft.com/office/powerpoint/2010/main" id="1" dur="indefinite" restart="never" nodeType="tmRoot"/>
+        <p:cTn id="1" dur="indefinite" restart="never" nodeType="tmRoot"/>
       </p:par>
     </p:tnLst>
   </p:timing>
@@ -4329,7 +4412,7 @@
 </file>
 
 <file path=ppt/slides/slide7.xml><?xml version="1.0" encoding="utf-8"?>
-<p:sld xmlns:a="http://schemas.openxmlformats.org/drawingml/2006/main" xmlns:r="http://schemas.openxmlformats.org/officeDocument/2006/relationships" xmlns:p="http://schemas.openxmlformats.org/presentationml/2006/main">
+<p:sld xmlns:a="http://schemas.openxmlformats.org/drawingml/2006/main" xmlns:r="http://schemas.openxmlformats.org/officeDocument/2006/relationships" xmlns:mc="http://schemas.openxmlformats.org/markup-compatibility/2006" xmlns:mv="urn:schemas-microsoft-com:mac:vml" xmlns:p="http://schemas.openxmlformats.org/presentationml/2006/main" mc:Ignorable="mv" mc:PreserveAttributes="mv:*">
   <p:cSld>
     <p:spTree>
       <p:nvGrpSpPr>
@@ -4463,7 +4546,7 @@
   <p:timing>
     <p:tnLst>
       <p:par>
-        <p:cTn xmlns:p14="http://schemas.microsoft.com/office/powerpoint/2010/main" id="1" dur="indefinite" restart="never" nodeType="tmRoot"/>
+        <p:cTn id="1" dur="indefinite" restart="never" nodeType="tmRoot"/>
       </p:par>
     </p:tnLst>
   </p:timing>
@@ -4471,7 +4554,7 @@
 </file>
 
 <file path=ppt/slides/slide8.xml><?xml version="1.0" encoding="utf-8"?>
-<p:sld xmlns:a="http://schemas.openxmlformats.org/drawingml/2006/main" xmlns:r="http://schemas.openxmlformats.org/officeDocument/2006/relationships" xmlns:p="http://schemas.openxmlformats.org/presentationml/2006/main">
+<p:sld xmlns:a="http://schemas.openxmlformats.org/drawingml/2006/main" xmlns:r="http://schemas.openxmlformats.org/officeDocument/2006/relationships" xmlns:mc="http://schemas.openxmlformats.org/markup-compatibility/2006" xmlns:mv="urn:schemas-microsoft-com:mac:vml" xmlns:p="http://schemas.openxmlformats.org/presentationml/2006/main" mc:Ignorable="mv" mc:PreserveAttributes="mv:*">
   <p:cSld>
     <p:spTree>
       <p:nvGrpSpPr>
@@ -4657,7 +4740,7 @@
   <p:timing>
     <p:tnLst>
       <p:par>
-        <p:cTn xmlns:p14="http://schemas.microsoft.com/office/powerpoint/2010/main" id="1" dur="indefinite" restart="never" nodeType="tmRoot"/>
+        <p:cTn id="1" dur="indefinite" restart="never" nodeType="tmRoot"/>
       </p:par>
     </p:tnLst>
   </p:timing>
@@ -4665,7 +4748,7 @@
 </file>
 
 <file path=ppt/slides/slide9.xml><?xml version="1.0" encoding="utf-8"?>
-<p:sld xmlns:a="http://schemas.openxmlformats.org/drawingml/2006/main" xmlns:r="http://schemas.openxmlformats.org/officeDocument/2006/relationships" xmlns:p="http://schemas.openxmlformats.org/presentationml/2006/main">
+<p:sld xmlns:a="http://schemas.openxmlformats.org/drawingml/2006/main" xmlns:r="http://schemas.openxmlformats.org/officeDocument/2006/relationships" xmlns:mc="http://schemas.openxmlformats.org/markup-compatibility/2006" xmlns:mv="urn:schemas-microsoft-com:mac:vml" xmlns:p="http://schemas.openxmlformats.org/presentationml/2006/main" mc:Ignorable="mv" mc:PreserveAttributes="mv:*">
   <p:cSld>
     <p:spTree>
       <p:nvGrpSpPr>
@@ -4795,7 +4878,7 @@
   <p:timing>
     <p:tnLst>
       <p:par>
-        <p:cTn xmlns:p14="http://schemas.microsoft.com/office/powerpoint/2010/main" id="1" dur="indefinite" restart="never" nodeType="tmRoot"/>
+        <p:cTn id="1" dur="indefinite" restart="never" nodeType="tmRoot"/>
       </p:par>
     </p:tnLst>
   </p:timing>
